--- a/presentations/Agile Data Architecture Intro.pptx
+++ b/presentations/Agile Data Architecture Intro.pptx
@@ -6,22 +6,23 @@
     <p:sldMasterId id="2147484642" r:id="rId5"/>
   </p:sldMasterIdLst>
   <p:notesMasterIdLst>
-    <p:notesMasterId r:id="rId16"/>
+    <p:notesMasterId r:id="rId17"/>
   </p:notesMasterIdLst>
   <p:handoutMasterIdLst>
-    <p:handoutMasterId r:id="rId17"/>
+    <p:handoutMasterId r:id="rId18"/>
   </p:handoutMasterIdLst>
   <p:sldIdLst>
     <p:sldId id="1856" r:id="rId6"/>
     <p:sldId id="1857" r:id="rId7"/>
     <p:sldId id="1858" r:id="rId8"/>
     <p:sldId id="1859" r:id="rId9"/>
-    <p:sldId id="1861" r:id="rId10"/>
-    <p:sldId id="1862" r:id="rId11"/>
-    <p:sldId id="1863" r:id="rId12"/>
-    <p:sldId id="1864" r:id="rId13"/>
-    <p:sldId id="1865" r:id="rId14"/>
-    <p:sldId id="1532" r:id="rId15"/>
+    <p:sldId id="1866" r:id="rId10"/>
+    <p:sldId id="1861" r:id="rId11"/>
+    <p:sldId id="1862" r:id="rId12"/>
+    <p:sldId id="1863" r:id="rId13"/>
+    <p:sldId id="1864" r:id="rId14"/>
+    <p:sldId id="1865" r:id="rId15"/>
+    <p:sldId id="1532" r:id="rId16"/>
   </p:sldIdLst>
   <p:sldSz cx="12192000" cy="6858000"/>
   <p:notesSz cx="6858000" cy="9144000"/>
@@ -129,6 +130,7 @@
             <p14:sldId id="1857"/>
             <p14:sldId id="1858"/>
             <p14:sldId id="1859"/>
+            <p14:sldId id="1866"/>
             <p14:sldId id="1861"/>
             <p14:sldId id="1862"/>
             <p14:sldId id="1863"/>
@@ -179,6 +181,6334 @@
     </p:extLst>
   </p:cmAuthor>
 </p:cmAuthorLst>
+</file>
+
+<file path=ppt/diagrams/colors1.xml><?xml version="1.0" encoding="utf-8"?>
+<dgm:colorsDef xmlns:dgm="http://schemas.openxmlformats.org/drawingml/2006/diagram" xmlns:a="http://schemas.openxmlformats.org/drawingml/2006/main" uniqueId="urn:microsoft.com/office/officeart/2005/8/colors/accent1_1">
+  <dgm:title val=""/>
+  <dgm:desc val=""/>
+  <dgm:catLst>
+    <dgm:cat type="accent1" pri="11100"/>
+  </dgm:catLst>
+  <dgm:styleLbl name="node0">
+    <dgm:fillClrLst meth="repeat">
+      <a:schemeClr val="lt1"/>
+    </dgm:fillClrLst>
+    <dgm:linClrLst meth="repeat">
+      <a:schemeClr val="accent1">
+        <a:shade val="80000"/>
+      </a:schemeClr>
+    </dgm:linClrLst>
+    <dgm:effectClrLst/>
+    <dgm:txLinClrLst/>
+    <dgm:txFillClrLst meth="repeat">
+      <a:schemeClr val="dk1"/>
+    </dgm:txFillClrLst>
+    <dgm:txEffectClrLst/>
+  </dgm:styleLbl>
+  <dgm:styleLbl name="alignNode1">
+    <dgm:fillClrLst meth="repeat">
+      <a:schemeClr val="lt1"/>
+    </dgm:fillClrLst>
+    <dgm:linClrLst meth="repeat">
+      <a:schemeClr val="accent1">
+        <a:shade val="80000"/>
+      </a:schemeClr>
+    </dgm:linClrLst>
+    <dgm:effectClrLst/>
+    <dgm:txLinClrLst/>
+    <dgm:txFillClrLst meth="repeat">
+      <a:schemeClr val="dk1"/>
+    </dgm:txFillClrLst>
+    <dgm:txEffectClrLst/>
+  </dgm:styleLbl>
+  <dgm:styleLbl name="node1">
+    <dgm:fillClrLst meth="repeat">
+      <a:schemeClr val="lt1"/>
+    </dgm:fillClrLst>
+    <dgm:linClrLst meth="repeat">
+      <a:schemeClr val="accent1">
+        <a:shade val="80000"/>
+      </a:schemeClr>
+    </dgm:linClrLst>
+    <dgm:effectClrLst/>
+    <dgm:txLinClrLst/>
+    <dgm:txFillClrLst meth="repeat">
+      <a:schemeClr val="dk1"/>
+    </dgm:txFillClrLst>
+    <dgm:txEffectClrLst/>
+  </dgm:styleLbl>
+  <dgm:styleLbl name="lnNode1">
+    <dgm:fillClrLst meth="repeat">
+      <a:schemeClr val="lt1"/>
+    </dgm:fillClrLst>
+    <dgm:linClrLst meth="repeat">
+      <a:schemeClr val="accent1">
+        <a:shade val="80000"/>
+      </a:schemeClr>
+    </dgm:linClrLst>
+    <dgm:effectClrLst/>
+    <dgm:txLinClrLst/>
+    <dgm:txFillClrLst meth="repeat">
+      <a:schemeClr val="dk1"/>
+    </dgm:txFillClrLst>
+    <dgm:txEffectClrLst/>
+  </dgm:styleLbl>
+  <dgm:styleLbl name="vennNode1">
+    <dgm:fillClrLst meth="repeat">
+      <a:schemeClr val="lt1">
+        <a:alpha val="50000"/>
+      </a:schemeClr>
+    </dgm:fillClrLst>
+    <dgm:linClrLst meth="repeat">
+      <a:schemeClr val="accent1">
+        <a:shade val="80000"/>
+      </a:schemeClr>
+    </dgm:linClrLst>
+    <dgm:effectClrLst/>
+    <dgm:txLinClrLst/>
+    <dgm:txFillClrLst/>
+    <dgm:txEffectClrLst/>
+  </dgm:styleLbl>
+  <dgm:styleLbl name="node2">
+    <dgm:fillClrLst meth="repeat">
+      <a:schemeClr val="lt1"/>
+    </dgm:fillClrLst>
+    <dgm:linClrLst meth="repeat">
+      <a:schemeClr val="accent1">
+        <a:shade val="80000"/>
+      </a:schemeClr>
+    </dgm:linClrLst>
+    <dgm:effectClrLst/>
+    <dgm:txLinClrLst/>
+    <dgm:txFillClrLst meth="repeat">
+      <a:schemeClr val="dk1"/>
+    </dgm:txFillClrLst>
+    <dgm:txEffectClrLst/>
+  </dgm:styleLbl>
+  <dgm:styleLbl name="node3">
+    <dgm:fillClrLst meth="repeat">
+      <a:schemeClr val="lt1"/>
+    </dgm:fillClrLst>
+    <dgm:linClrLst meth="repeat">
+      <a:schemeClr val="accent1">
+        <a:shade val="80000"/>
+      </a:schemeClr>
+    </dgm:linClrLst>
+    <dgm:effectClrLst/>
+    <dgm:txLinClrLst/>
+    <dgm:txFillClrLst meth="repeat">
+      <a:schemeClr val="dk1"/>
+    </dgm:txFillClrLst>
+    <dgm:txEffectClrLst/>
+  </dgm:styleLbl>
+  <dgm:styleLbl name="node4">
+    <dgm:fillClrLst meth="repeat">
+      <a:schemeClr val="lt1"/>
+    </dgm:fillClrLst>
+    <dgm:linClrLst meth="repeat">
+      <a:schemeClr val="accent1">
+        <a:shade val="80000"/>
+      </a:schemeClr>
+    </dgm:linClrLst>
+    <dgm:effectClrLst/>
+    <dgm:txLinClrLst/>
+    <dgm:txFillClrLst meth="repeat">
+      <a:schemeClr val="dk1"/>
+    </dgm:txFillClrLst>
+    <dgm:txEffectClrLst/>
+  </dgm:styleLbl>
+  <dgm:styleLbl name="fgImgPlace1">
+    <dgm:fillClrLst meth="repeat">
+      <a:schemeClr val="accent1">
+        <a:tint val="40000"/>
+      </a:schemeClr>
+    </dgm:fillClrLst>
+    <dgm:linClrLst meth="repeat">
+      <a:schemeClr val="accent1">
+        <a:shade val="80000"/>
+      </a:schemeClr>
+    </dgm:linClrLst>
+    <dgm:effectClrLst/>
+    <dgm:txLinClrLst/>
+    <dgm:txFillClrLst meth="repeat">
+      <a:schemeClr val="lt1"/>
+    </dgm:txFillClrLst>
+    <dgm:txEffectClrLst/>
+  </dgm:styleLbl>
+  <dgm:styleLbl name="alignImgPlace1">
+    <dgm:fillClrLst meth="repeat">
+      <a:schemeClr val="accent1">
+        <a:tint val="40000"/>
+      </a:schemeClr>
+    </dgm:fillClrLst>
+    <dgm:linClrLst meth="repeat">
+      <a:schemeClr val="accent1">
+        <a:shade val="80000"/>
+      </a:schemeClr>
+    </dgm:linClrLst>
+    <dgm:effectClrLst/>
+    <dgm:txLinClrLst/>
+    <dgm:txFillClrLst meth="repeat">
+      <a:schemeClr val="lt1"/>
+    </dgm:txFillClrLst>
+    <dgm:txEffectClrLst/>
+  </dgm:styleLbl>
+  <dgm:styleLbl name="bgImgPlace1">
+    <dgm:fillClrLst meth="repeat">
+      <a:schemeClr val="accent1">
+        <a:tint val="40000"/>
+      </a:schemeClr>
+    </dgm:fillClrLst>
+    <dgm:linClrLst meth="repeat">
+      <a:schemeClr val="accent1">
+        <a:shade val="80000"/>
+      </a:schemeClr>
+    </dgm:linClrLst>
+    <dgm:effectClrLst/>
+    <dgm:txLinClrLst/>
+    <dgm:txFillClrLst meth="repeat">
+      <a:schemeClr val="lt1"/>
+    </dgm:txFillClrLst>
+    <dgm:txEffectClrLst/>
+  </dgm:styleLbl>
+  <dgm:styleLbl name="sibTrans2D1">
+    <dgm:fillClrLst meth="repeat">
+      <a:schemeClr val="accent1">
+        <a:tint val="60000"/>
+      </a:schemeClr>
+    </dgm:fillClrLst>
+    <dgm:linClrLst meth="repeat">
+      <a:schemeClr val="accent1">
+        <a:tint val="60000"/>
+      </a:schemeClr>
+    </dgm:linClrLst>
+    <dgm:effectClrLst/>
+    <dgm:txLinClrLst/>
+    <dgm:txFillClrLst meth="repeat">
+      <a:schemeClr val="dk1"/>
+    </dgm:txFillClrLst>
+    <dgm:txEffectClrLst/>
+  </dgm:styleLbl>
+  <dgm:styleLbl name="fgSibTrans2D1">
+    <dgm:fillClrLst meth="repeat">
+      <a:schemeClr val="accent1">
+        <a:tint val="60000"/>
+      </a:schemeClr>
+    </dgm:fillClrLst>
+    <dgm:linClrLst meth="repeat">
+      <a:schemeClr val="accent1">
+        <a:tint val="60000"/>
+      </a:schemeClr>
+    </dgm:linClrLst>
+    <dgm:effectClrLst/>
+    <dgm:txLinClrLst/>
+    <dgm:txFillClrLst meth="repeat">
+      <a:schemeClr val="dk1"/>
+    </dgm:txFillClrLst>
+    <dgm:txEffectClrLst/>
+  </dgm:styleLbl>
+  <dgm:styleLbl name="bgSibTrans2D1">
+    <dgm:fillClrLst meth="repeat">
+      <a:schemeClr val="accent1">
+        <a:tint val="60000"/>
+      </a:schemeClr>
+    </dgm:fillClrLst>
+    <dgm:linClrLst meth="repeat">
+      <a:schemeClr val="accent1">
+        <a:tint val="60000"/>
+      </a:schemeClr>
+    </dgm:linClrLst>
+    <dgm:effectClrLst/>
+    <dgm:txLinClrLst/>
+    <dgm:txFillClrLst meth="repeat">
+      <a:schemeClr val="dk1"/>
+    </dgm:txFillClrLst>
+    <dgm:txEffectClrLst/>
+  </dgm:styleLbl>
+  <dgm:styleLbl name="sibTrans1D1">
+    <dgm:fillClrLst meth="repeat">
+      <a:schemeClr val="accent1"/>
+    </dgm:fillClrLst>
+    <dgm:linClrLst meth="repeat">
+      <a:schemeClr val="accent1"/>
+    </dgm:linClrLst>
+    <dgm:effectClrLst/>
+    <dgm:txLinClrLst/>
+    <dgm:txFillClrLst meth="repeat">
+      <a:schemeClr val="tx1"/>
+    </dgm:txFillClrLst>
+    <dgm:txEffectClrLst/>
+  </dgm:styleLbl>
+  <dgm:styleLbl name="callout">
+    <dgm:fillClrLst meth="repeat">
+      <a:schemeClr val="accent1"/>
+    </dgm:fillClrLst>
+    <dgm:linClrLst meth="repeat">
+      <a:schemeClr val="accent1"/>
+    </dgm:linClrLst>
+    <dgm:effectClrLst/>
+    <dgm:txLinClrLst/>
+    <dgm:txFillClrLst meth="repeat">
+      <a:schemeClr val="tx1"/>
+    </dgm:txFillClrLst>
+    <dgm:txEffectClrLst/>
+  </dgm:styleLbl>
+  <dgm:styleLbl name="asst0">
+    <dgm:fillClrLst meth="repeat">
+      <a:schemeClr val="lt1"/>
+    </dgm:fillClrLst>
+    <dgm:linClrLst meth="repeat">
+      <a:schemeClr val="accent1">
+        <a:shade val="80000"/>
+      </a:schemeClr>
+    </dgm:linClrLst>
+    <dgm:effectClrLst/>
+    <dgm:txLinClrLst/>
+    <dgm:txFillClrLst meth="repeat">
+      <a:schemeClr val="dk1"/>
+    </dgm:txFillClrLst>
+    <dgm:txEffectClrLst/>
+  </dgm:styleLbl>
+  <dgm:styleLbl name="asst1">
+    <dgm:fillClrLst meth="repeat">
+      <a:schemeClr val="lt1"/>
+    </dgm:fillClrLst>
+    <dgm:linClrLst meth="repeat">
+      <a:schemeClr val="accent1">
+        <a:shade val="80000"/>
+      </a:schemeClr>
+    </dgm:linClrLst>
+    <dgm:effectClrLst/>
+    <dgm:txLinClrLst/>
+    <dgm:txFillClrLst meth="repeat">
+      <a:schemeClr val="dk1"/>
+    </dgm:txFillClrLst>
+    <dgm:txEffectClrLst/>
+  </dgm:styleLbl>
+  <dgm:styleLbl name="asst2">
+    <dgm:fillClrLst meth="repeat">
+      <a:schemeClr val="lt1"/>
+    </dgm:fillClrLst>
+    <dgm:linClrLst meth="repeat">
+      <a:schemeClr val="accent1">
+        <a:shade val="80000"/>
+      </a:schemeClr>
+    </dgm:linClrLst>
+    <dgm:effectClrLst/>
+    <dgm:txLinClrLst/>
+    <dgm:txFillClrLst meth="repeat">
+      <a:schemeClr val="dk1"/>
+    </dgm:txFillClrLst>
+    <dgm:txEffectClrLst/>
+  </dgm:styleLbl>
+  <dgm:styleLbl name="asst3">
+    <dgm:fillClrLst meth="repeat">
+      <a:schemeClr val="lt1"/>
+    </dgm:fillClrLst>
+    <dgm:linClrLst meth="repeat">
+      <a:schemeClr val="accent1">
+        <a:shade val="80000"/>
+      </a:schemeClr>
+    </dgm:linClrLst>
+    <dgm:effectClrLst/>
+    <dgm:txLinClrLst/>
+    <dgm:txFillClrLst meth="repeat">
+      <a:schemeClr val="dk1"/>
+    </dgm:txFillClrLst>
+    <dgm:txEffectClrLst/>
+  </dgm:styleLbl>
+  <dgm:styleLbl name="asst4">
+    <dgm:fillClrLst meth="repeat">
+      <a:schemeClr val="lt1"/>
+    </dgm:fillClrLst>
+    <dgm:linClrLst meth="repeat">
+      <a:schemeClr val="accent1">
+        <a:shade val="80000"/>
+      </a:schemeClr>
+    </dgm:linClrLst>
+    <dgm:effectClrLst/>
+    <dgm:txLinClrLst/>
+    <dgm:txFillClrLst meth="repeat">
+      <a:schemeClr val="dk1"/>
+    </dgm:txFillClrLst>
+    <dgm:txEffectClrLst/>
+  </dgm:styleLbl>
+  <dgm:styleLbl name="parChTrans2D1">
+    <dgm:fillClrLst meth="repeat">
+      <a:schemeClr val="accent1">
+        <a:tint val="60000"/>
+      </a:schemeClr>
+    </dgm:fillClrLst>
+    <dgm:linClrLst meth="repeat">
+      <a:schemeClr val="accent1">
+        <a:tint val="60000"/>
+      </a:schemeClr>
+    </dgm:linClrLst>
+    <dgm:effectClrLst/>
+    <dgm:txLinClrLst/>
+    <dgm:txFillClrLst/>
+    <dgm:txEffectClrLst/>
+  </dgm:styleLbl>
+  <dgm:styleLbl name="parChTrans2D2">
+    <dgm:fillClrLst meth="repeat">
+      <a:schemeClr val="accent1"/>
+    </dgm:fillClrLst>
+    <dgm:linClrLst meth="repeat">
+      <a:schemeClr val="accent1"/>
+    </dgm:linClrLst>
+    <dgm:effectClrLst/>
+    <dgm:txLinClrLst/>
+    <dgm:txFillClrLst/>
+    <dgm:txEffectClrLst/>
+  </dgm:styleLbl>
+  <dgm:styleLbl name="parChTrans2D3">
+    <dgm:fillClrLst meth="repeat">
+      <a:schemeClr val="accent1"/>
+    </dgm:fillClrLst>
+    <dgm:linClrLst meth="repeat">
+      <a:schemeClr val="accent1"/>
+    </dgm:linClrLst>
+    <dgm:effectClrLst/>
+    <dgm:txLinClrLst/>
+    <dgm:txFillClrLst/>
+    <dgm:txEffectClrLst/>
+  </dgm:styleLbl>
+  <dgm:styleLbl name="parChTrans2D4">
+    <dgm:fillClrLst meth="repeat">
+      <a:schemeClr val="accent1"/>
+    </dgm:fillClrLst>
+    <dgm:linClrLst meth="repeat">
+      <a:schemeClr val="accent1"/>
+    </dgm:linClrLst>
+    <dgm:effectClrLst/>
+    <dgm:txLinClrLst/>
+    <dgm:txFillClrLst meth="repeat">
+      <a:schemeClr val="lt1"/>
+    </dgm:txFillClrLst>
+    <dgm:txEffectClrLst/>
+  </dgm:styleLbl>
+  <dgm:styleLbl name="parChTrans1D1">
+    <dgm:fillClrLst meth="repeat">
+      <a:schemeClr val="accent1"/>
+    </dgm:fillClrLst>
+    <dgm:linClrLst meth="repeat">
+      <a:schemeClr val="accent1">
+        <a:shade val="60000"/>
+      </a:schemeClr>
+    </dgm:linClrLst>
+    <dgm:effectClrLst/>
+    <dgm:txLinClrLst/>
+    <dgm:txFillClrLst meth="repeat">
+      <a:schemeClr val="tx1"/>
+    </dgm:txFillClrLst>
+    <dgm:txEffectClrLst/>
+  </dgm:styleLbl>
+  <dgm:styleLbl name="parChTrans1D2">
+    <dgm:fillClrLst meth="repeat">
+      <a:schemeClr val="accent1"/>
+    </dgm:fillClrLst>
+    <dgm:linClrLst meth="repeat">
+      <a:schemeClr val="accent1">
+        <a:shade val="60000"/>
+      </a:schemeClr>
+    </dgm:linClrLst>
+    <dgm:effectClrLst/>
+    <dgm:txLinClrLst/>
+    <dgm:txFillClrLst meth="repeat">
+      <a:schemeClr val="tx1"/>
+    </dgm:txFillClrLst>
+    <dgm:txEffectClrLst/>
+  </dgm:styleLbl>
+  <dgm:styleLbl name="parChTrans1D3">
+    <dgm:fillClrLst meth="repeat">
+      <a:schemeClr val="accent1"/>
+    </dgm:fillClrLst>
+    <dgm:linClrLst meth="repeat">
+      <a:schemeClr val="accent1">
+        <a:shade val="80000"/>
+      </a:schemeClr>
+    </dgm:linClrLst>
+    <dgm:effectClrLst/>
+    <dgm:txLinClrLst/>
+    <dgm:txFillClrLst meth="repeat">
+      <a:schemeClr val="tx1"/>
+    </dgm:txFillClrLst>
+    <dgm:txEffectClrLst/>
+  </dgm:styleLbl>
+  <dgm:styleLbl name="parChTrans1D4">
+    <dgm:fillClrLst meth="repeat">
+      <a:schemeClr val="accent1"/>
+    </dgm:fillClrLst>
+    <dgm:linClrLst meth="repeat">
+      <a:schemeClr val="accent1">
+        <a:shade val="80000"/>
+      </a:schemeClr>
+    </dgm:linClrLst>
+    <dgm:effectClrLst/>
+    <dgm:txLinClrLst/>
+    <dgm:txFillClrLst meth="repeat">
+      <a:schemeClr val="tx1"/>
+    </dgm:txFillClrLst>
+    <dgm:txEffectClrLst/>
+  </dgm:styleLbl>
+  <dgm:styleLbl name="fgAcc1">
+    <dgm:fillClrLst meth="repeat">
+      <a:schemeClr val="accent1">
+        <a:alpha val="90000"/>
+        <a:tint val="40000"/>
+      </a:schemeClr>
+    </dgm:fillClrLst>
+    <dgm:linClrLst meth="repeat">
+      <a:schemeClr val="accent1"/>
+    </dgm:linClrLst>
+    <dgm:effectClrLst/>
+    <dgm:txLinClrLst/>
+    <dgm:txFillClrLst meth="repeat">
+      <a:schemeClr val="dk1"/>
+    </dgm:txFillClrLst>
+    <dgm:txEffectClrLst/>
+  </dgm:styleLbl>
+  <dgm:styleLbl name="conFgAcc1">
+    <dgm:fillClrLst meth="repeat">
+      <a:schemeClr val="accent1">
+        <a:alpha val="90000"/>
+        <a:tint val="40000"/>
+      </a:schemeClr>
+    </dgm:fillClrLst>
+    <dgm:linClrLst meth="repeat">
+      <a:schemeClr val="accent1"/>
+    </dgm:linClrLst>
+    <dgm:effectClrLst/>
+    <dgm:txLinClrLst/>
+    <dgm:txFillClrLst meth="repeat">
+      <a:schemeClr val="dk1"/>
+    </dgm:txFillClrLst>
+    <dgm:txEffectClrLst/>
+  </dgm:styleLbl>
+  <dgm:styleLbl name="alignAcc1">
+    <dgm:fillClrLst meth="repeat">
+      <a:schemeClr val="accent1">
+        <a:alpha val="90000"/>
+        <a:tint val="40000"/>
+      </a:schemeClr>
+    </dgm:fillClrLst>
+    <dgm:linClrLst meth="repeat">
+      <a:schemeClr val="accent1"/>
+    </dgm:linClrLst>
+    <dgm:effectClrLst/>
+    <dgm:txLinClrLst/>
+    <dgm:txFillClrLst meth="repeat">
+      <a:schemeClr val="dk1"/>
+    </dgm:txFillClrLst>
+    <dgm:txEffectClrLst/>
+  </dgm:styleLbl>
+  <dgm:styleLbl name="trAlignAcc1">
+    <dgm:fillClrLst meth="repeat">
+      <a:schemeClr val="accent1">
+        <a:alpha val="40000"/>
+        <a:tint val="40000"/>
+      </a:schemeClr>
+    </dgm:fillClrLst>
+    <dgm:linClrLst meth="repeat">
+      <a:schemeClr val="accent1"/>
+    </dgm:linClrLst>
+    <dgm:effectClrLst/>
+    <dgm:txLinClrLst/>
+    <dgm:txFillClrLst meth="repeat">
+      <a:schemeClr val="dk1"/>
+    </dgm:txFillClrLst>
+    <dgm:txEffectClrLst/>
+  </dgm:styleLbl>
+  <dgm:styleLbl name="bgAcc1">
+    <dgm:fillClrLst meth="repeat">
+      <a:schemeClr val="accent1">
+        <a:alpha val="90000"/>
+        <a:tint val="40000"/>
+      </a:schemeClr>
+    </dgm:fillClrLst>
+    <dgm:linClrLst meth="repeat">
+      <a:schemeClr val="accent1"/>
+    </dgm:linClrLst>
+    <dgm:effectClrLst/>
+    <dgm:txLinClrLst/>
+    <dgm:txFillClrLst meth="repeat">
+      <a:schemeClr val="dk1"/>
+    </dgm:txFillClrLst>
+    <dgm:txEffectClrLst/>
+  </dgm:styleLbl>
+  <dgm:styleLbl name="solidFgAcc1">
+    <dgm:fillClrLst meth="repeat">
+      <a:schemeClr val="lt1"/>
+    </dgm:fillClrLst>
+    <dgm:linClrLst meth="repeat">
+      <a:schemeClr val="accent1"/>
+    </dgm:linClrLst>
+    <dgm:effectClrLst/>
+    <dgm:txLinClrLst/>
+    <dgm:txFillClrLst meth="repeat">
+      <a:schemeClr val="dk1"/>
+    </dgm:txFillClrLst>
+    <dgm:txEffectClrLst/>
+  </dgm:styleLbl>
+  <dgm:styleLbl name="solidAlignAcc1">
+    <dgm:fillClrLst meth="repeat">
+      <a:schemeClr val="lt1"/>
+    </dgm:fillClrLst>
+    <dgm:linClrLst meth="repeat">
+      <a:schemeClr val="accent1"/>
+    </dgm:linClrLst>
+    <dgm:effectClrLst/>
+    <dgm:txLinClrLst/>
+    <dgm:txFillClrLst meth="repeat">
+      <a:schemeClr val="dk1"/>
+    </dgm:txFillClrLst>
+    <dgm:txEffectClrLst/>
+  </dgm:styleLbl>
+  <dgm:styleLbl name="solidBgAcc1">
+    <dgm:fillClrLst meth="repeat">
+      <a:schemeClr val="lt1"/>
+    </dgm:fillClrLst>
+    <dgm:linClrLst meth="repeat">
+      <a:schemeClr val="accent1"/>
+    </dgm:linClrLst>
+    <dgm:effectClrLst/>
+    <dgm:txLinClrLst/>
+    <dgm:txFillClrLst meth="repeat">
+      <a:schemeClr val="dk1"/>
+    </dgm:txFillClrLst>
+    <dgm:txEffectClrLst/>
+  </dgm:styleLbl>
+  <dgm:styleLbl name="fgAccFollowNode1">
+    <dgm:fillClrLst meth="repeat">
+      <a:schemeClr val="lt1">
+        <a:alpha val="90000"/>
+        <a:tint val="40000"/>
+      </a:schemeClr>
+    </dgm:fillClrLst>
+    <dgm:linClrLst meth="repeat">
+      <a:schemeClr val="accent1">
+        <a:alpha val="90000"/>
+      </a:schemeClr>
+    </dgm:linClrLst>
+    <dgm:effectClrLst/>
+    <dgm:txLinClrLst/>
+    <dgm:txFillClrLst meth="repeat">
+      <a:schemeClr val="dk1"/>
+    </dgm:txFillClrLst>
+    <dgm:txEffectClrLst/>
+  </dgm:styleLbl>
+  <dgm:styleLbl name="alignAccFollowNode1">
+    <dgm:fillClrLst meth="repeat">
+      <a:schemeClr val="lt1">
+        <a:alpha val="90000"/>
+        <a:tint val="40000"/>
+      </a:schemeClr>
+    </dgm:fillClrLst>
+    <dgm:linClrLst meth="repeat">
+      <a:schemeClr val="accent1">
+        <a:alpha val="90000"/>
+      </a:schemeClr>
+    </dgm:linClrLst>
+    <dgm:effectClrLst/>
+    <dgm:txLinClrLst/>
+    <dgm:txFillClrLst meth="repeat">
+      <a:schemeClr val="dk1"/>
+    </dgm:txFillClrLst>
+    <dgm:txEffectClrLst/>
+  </dgm:styleLbl>
+  <dgm:styleLbl name="bgAccFollowNode1">
+    <dgm:fillClrLst meth="repeat">
+      <a:schemeClr val="lt1">
+        <a:alpha val="90000"/>
+        <a:tint val="40000"/>
+      </a:schemeClr>
+    </dgm:fillClrLst>
+    <dgm:linClrLst meth="repeat">
+      <a:schemeClr val="accent1">
+        <a:alpha val="90000"/>
+      </a:schemeClr>
+    </dgm:linClrLst>
+    <dgm:effectClrLst/>
+    <dgm:txLinClrLst/>
+    <dgm:txFillClrLst meth="repeat">
+      <a:schemeClr val="dk1"/>
+    </dgm:txFillClrLst>
+    <dgm:txEffectClrLst/>
+  </dgm:styleLbl>
+  <dgm:styleLbl name="fgAcc0">
+    <dgm:fillClrLst meth="repeat">
+      <a:schemeClr val="accent1">
+        <a:alpha val="90000"/>
+        <a:tint val="40000"/>
+      </a:schemeClr>
+    </dgm:fillClrLst>
+    <dgm:linClrLst meth="repeat">
+      <a:schemeClr val="accent1"/>
+    </dgm:linClrLst>
+    <dgm:effectClrLst/>
+    <dgm:txLinClrLst/>
+    <dgm:txFillClrLst meth="repeat">
+      <a:schemeClr val="dk1"/>
+    </dgm:txFillClrLst>
+    <dgm:txEffectClrLst/>
+  </dgm:styleLbl>
+  <dgm:styleLbl name="fgAcc2">
+    <dgm:fillClrLst meth="repeat">
+      <a:schemeClr val="accent1">
+        <a:alpha val="90000"/>
+        <a:tint val="40000"/>
+      </a:schemeClr>
+    </dgm:fillClrLst>
+    <dgm:linClrLst meth="repeat">
+      <a:schemeClr val="accent1"/>
+    </dgm:linClrLst>
+    <dgm:effectClrLst/>
+    <dgm:txLinClrLst/>
+    <dgm:txFillClrLst meth="repeat">
+      <a:schemeClr val="dk1"/>
+    </dgm:txFillClrLst>
+    <dgm:txEffectClrLst/>
+  </dgm:styleLbl>
+  <dgm:styleLbl name="fgAcc3">
+    <dgm:fillClrLst meth="repeat">
+      <a:schemeClr val="accent1">
+        <a:alpha val="90000"/>
+        <a:tint val="40000"/>
+      </a:schemeClr>
+    </dgm:fillClrLst>
+    <dgm:linClrLst meth="repeat">
+      <a:schemeClr val="accent1"/>
+    </dgm:linClrLst>
+    <dgm:effectClrLst/>
+    <dgm:txLinClrLst/>
+    <dgm:txFillClrLst meth="repeat">
+      <a:schemeClr val="dk1"/>
+    </dgm:txFillClrLst>
+    <dgm:txEffectClrLst/>
+  </dgm:styleLbl>
+  <dgm:styleLbl name="fgAcc4">
+    <dgm:fillClrLst meth="repeat">
+      <a:schemeClr val="accent1">
+        <a:alpha val="90000"/>
+        <a:tint val="40000"/>
+      </a:schemeClr>
+    </dgm:fillClrLst>
+    <dgm:linClrLst meth="repeat">
+      <a:schemeClr val="accent1"/>
+    </dgm:linClrLst>
+    <dgm:effectClrLst/>
+    <dgm:txLinClrLst/>
+    <dgm:txFillClrLst meth="repeat">
+      <a:schemeClr val="dk1"/>
+    </dgm:txFillClrLst>
+    <dgm:txEffectClrLst/>
+  </dgm:styleLbl>
+  <dgm:styleLbl name="bgShp">
+    <dgm:fillClrLst meth="repeat">
+      <a:schemeClr val="accent1">
+        <a:tint val="40000"/>
+      </a:schemeClr>
+    </dgm:fillClrLst>
+    <dgm:linClrLst meth="repeat">
+      <a:schemeClr val="accent1"/>
+    </dgm:linClrLst>
+    <dgm:effectClrLst/>
+    <dgm:txLinClrLst/>
+    <dgm:txFillClrLst meth="repeat">
+      <a:schemeClr val="dk1"/>
+    </dgm:txFillClrLst>
+    <dgm:txEffectClrLst/>
+  </dgm:styleLbl>
+  <dgm:styleLbl name="dkBgShp">
+    <dgm:fillClrLst meth="repeat">
+      <a:schemeClr val="accent1">
+        <a:shade val="80000"/>
+      </a:schemeClr>
+    </dgm:fillClrLst>
+    <dgm:linClrLst meth="repeat">
+      <a:schemeClr val="accent1"/>
+    </dgm:linClrLst>
+    <dgm:effectClrLst/>
+    <dgm:txLinClrLst/>
+    <dgm:txFillClrLst meth="repeat">
+      <a:schemeClr val="lt1"/>
+    </dgm:txFillClrLst>
+    <dgm:txEffectClrLst/>
+  </dgm:styleLbl>
+  <dgm:styleLbl name="trBgShp">
+    <dgm:fillClrLst meth="repeat">
+      <a:schemeClr val="accent1">
+        <a:tint val="50000"/>
+        <a:alpha val="40000"/>
+      </a:schemeClr>
+    </dgm:fillClrLst>
+    <dgm:linClrLst meth="repeat">
+      <a:schemeClr val="accent1"/>
+    </dgm:linClrLst>
+    <dgm:effectClrLst/>
+    <dgm:txLinClrLst/>
+    <dgm:txFillClrLst meth="repeat">
+      <a:schemeClr val="lt1"/>
+    </dgm:txFillClrLst>
+    <dgm:txEffectClrLst/>
+  </dgm:styleLbl>
+  <dgm:styleLbl name="fgShp">
+    <dgm:fillClrLst meth="repeat">
+      <a:schemeClr val="accent1">
+        <a:tint val="60000"/>
+      </a:schemeClr>
+    </dgm:fillClrLst>
+    <dgm:linClrLst meth="repeat">
+      <a:schemeClr val="lt1"/>
+    </dgm:linClrLst>
+    <dgm:effectClrLst/>
+    <dgm:txLinClrLst/>
+    <dgm:txFillClrLst meth="repeat">
+      <a:schemeClr val="dk1"/>
+    </dgm:txFillClrLst>
+    <dgm:txEffectClrLst/>
+  </dgm:styleLbl>
+  <dgm:styleLbl name="revTx">
+    <dgm:fillClrLst meth="repeat">
+      <a:schemeClr val="lt1">
+        <a:alpha val="0"/>
+      </a:schemeClr>
+    </dgm:fillClrLst>
+    <dgm:linClrLst meth="repeat">
+      <a:schemeClr val="dk1">
+        <a:alpha val="0"/>
+      </a:schemeClr>
+    </dgm:linClrLst>
+    <dgm:effectClrLst/>
+    <dgm:txLinClrLst/>
+    <dgm:txFillClrLst meth="repeat">
+      <a:schemeClr val="tx1"/>
+    </dgm:txFillClrLst>
+    <dgm:txEffectClrLst/>
+  </dgm:styleLbl>
+</dgm:colorsDef>
+</file>
+
+<file path=ppt/diagrams/colors2.xml><?xml version="1.0" encoding="utf-8"?>
+<dgm:colorsDef xmlns:dgm="http://schemas.openxmlformats.org/drawingml/2006/diagram" xmlns:a="http://schemas.openxmlformats.org/drawingml/2006/main" uniqueId="urn:microsoft.com/office/officeart/2005/8/colors/accent1_2">
+  <dgm:title val=""/>
+  <dgm:desc val=""/>
+  <dgm:catLst>
+    <dgm:cat type="accent1" pri="11200"/>
+  </dgm:catLst>
+  <dgm:styleLbl name="node0">
+    <dgm:fillClrLst meth="repeat">
+      <a:schemeClr val="accent1"/>
+    </dgm:fillClrLst>
+    <dgm:linClrLst meth="repeat">
+      <a:schemeClr val="lt1"/>
+    </dgm:linClrLst>
+    <dgm:effectClrLst/>
+    <dgm:txLinClrLst/>
+    <dgm:txFillClrLst/>
+    <dgm:txEffectClrLst/>
+  </dgm:styleLbl>
+  <dgm:styleLbl name="alignNode1">
+    <dgm:fillClrLst meth="repeat">
+      <a:schemeClr val="accent1"/>
+    </dgm:fillClrLst>
+    <dgm:linClrLst meth="repeat">
+      <a:schemeClr val="accent1"/>
+    </dgm:linClrLst>
+    <dgm:effectClrLst/>
+    <dgm:txLinClrLst/>
+    <dgm:txFillClrLst/>
+    <dgm:txEffectClrLst/>
+  </dgm:styleLbl>
+  <dgm:styleLbl name="node1">
+    <dgm:fillClrLst meth="repeat">
+      <a:schemeClr val="accent1"/>
+    </dgm:fillClrLst>
+    <dgm:linClrLst meth="repeat">
+      <a:schemeClr val="lt1"/>
+    </dgm:linClrLst>
+    <dgm:effectClrLst/>
+    <dgm:txLinClrLst/>
+    <dgm:txFillClrLst/>
+    <dgm:txEffectClrLst/>
+  </dgm:styleLbl>
+  <dgm:styleLbl name="lnNode1">
+    <dgm:fillClrLst meth="repeat">
+      <a:schemeClr val="accent1"/>
+    </dgm:fillClrLst>
+    <dgm:linClrLst meth="repeat">
+      <a:schemeClr val="lt1"/>
+    </dgm:linClrLst>
+    <dgm:effectClrLst/>
+    <dgm:txLinClrLst/>
+    <dgm:txFillClrLst/>
+    <dgm:txEffectClrLst/>
+  </dgm:styleLbl>
+  <dgm:styleLbl name="vennNode1">
+    <dgm:fillClrLst meth="repeat">
+      <a:schemeClr val="accent1">
+        <a:alpha val="50000"/>
+      </a:schemeClr>
+    </dgm:fillClrLst>
+    <dgm:linClrLst meth="repeat">
+      <a:schemeClr val="lt1"/>
+    </dgm:linClrLst>
+    <dgm:effectClrLst/>
+    <dgm:txLinClrLst/>
+    <dgm:txFillClrLst/>
+    <dgm:txEffectClrLst/>
+  </dgm:styleLbl>
+  <dgm:styleLbl name="node2">
+    <dgm:fillClrLst meth="repeat">
+      <a:schemeClr val="accent1"/>
+    </dgm:fillClrLst>
+    <dgm:linClrLst meth="repeat">
+      <a:schemeClr val="lt1"/>
+    </dgm:linClrLst>
+    <dgm:effectClrLst/>
+    <dgm:txLinClrLst/>
+    <dgm:txFillClrLst/>
+    <dgm:txEffectClrLst/>
+  </dgm:styleLbl>
+  <dgm:styleLbl name="node3">
+    <dgm:fillClrLst meth="repeat">
+      <a:schemeClr val="accent1"/>
+    </dgm:fillClrLst>
+    <dgm:linClrLst meth="repeat">
+      <a:schemeClr val="lt1"/>
+    </dgm:linClrLst>
+    <dgm:effectClrLst/>
+    <dgm:txLinClrLst/>
+    <dgm:txFillClrLst/>
+    <dgm:txEffectClrLst/>
+  </dgm:styleLbl>
+  <dgm:styleLbl name="node4">
+    <dgm:fillClrLst meth="repeat">
+      <a:schemeClr val="accent1"/>
+    </dgm:fillClrLst>
+    <dgm:linClrLst meth="repeat">
+      <a:schemeClr val="lt1"/>
+    </dgm:linClrLst>
+    <dgm:effectClrLst/>
+    <dgm:txLinClrLst/>
+    <dgm:txFillClrLst/>
+    <dgm:txEffectClrLst/>
+  </dgm:styleLbl>
+  <dgm:styleLbl name="fgImgPlace1">
+    <dgm:fillClrLst meth="repeat">
+      <a:schemeClr val="accent1">
+        <a:tint val="50000"/>
+      </a:schemeClr>
+    </dgm:fillClrLst>
+    <dgm:linClrLst meth="repeat">
+      <a:schemeClr val="lt1"/>
+    </dgm:linClrLst>
+    <dgm:effectClrLst/>
+    <dgm:txLinClrLst/>
+    <dgm:txFillClrLst meth="repeat">
+      <a:schemeClr val="lt1"/>
+    </dgm:txFillClrLst>
+    <dgm:txEffectClrLst/>
+  </dgm:styleLbl>
+  <dgm:styleLbl name="alignImgPlace1">
+    <dgm:fillClrLst meth="repeat">
+      <a:schemeClr val="accent1">
+        <a:tint val="50000"/>
+      </a:schemeClr>
+    </dgm:fillClrLst>
+    <dgm:linClrLst meth="repeat">
+      <a:schemeClr val="lt1"/>
+    </dgm:linClrLst>
+    <dgm:effectClrLst/>
+    <dgm:txLinClrLst/>
+    <dgm:txFillClrLst meth="repeat">
+      <a:schemeClr val="lt1"/>
+    </dgm:txFillClrLst>
+    <dgm:txEffectClrLst/>
+  </dgm:styleLbl>
+  <dgm:styleLbl name="bgImgPlace1">
+    <dgm:fillClrLst meth="repeat">
+      <a:schemeClr val="accent1">
+        <a:tint val="50000"/>
+      </a:schemeClr>
+    </dgm:fillClrLst>
+    <dgm:linClrLst meth="repeat">
+      <a:schemeClr val="lt1"/>
+    </dgm:linClrLst>
+    <dgm:effectClrLst/>
+    <dgm:txLinClrLst/>
+    <dgm:txFillClrLst meth="repeat">
+      <a:schemeClr val="lt1"/>
+    </dgm:txFillClrLst>
+    <dgm:txEffectClrLst/>
+  </dgm:styleLbl>
+  <dgm:styleLbl name="sibTrans2D1">
+    <dgm:fillClrLst meth="repeat">
+      <a:schemeClr val="accent1">
+        <a:tint val="60000"/>
+      </a:schemeClr>
+    </dgm:fillClrLst>
+    <dgm:linClrLst meth="repeat">
+      <a:schemeClr val="accent1">
+        <a:tint val="60000"/>
+      </a:schemeClr>
+    </dgm:linClrLst>
+    <dgm:effectClrLst/>
+    <dgm:txLinClrLst/>
+    <dgm:txFillClrLst/>
+    <dgm:txEffectClrLst/>
+  </dgm:styleLbl>
+  <dgm:styleLbl name="fgSibTrans2D1">
+    <dgm:fillClrLst meth="repeat">
+      <a:schemeClr val="accent1">
+        <a:tint val="60000"/>
+      </a:schemeClr>
+    </dgm:fillClrLst>
+    <dgm:linClrLst meth="repeat">
+      <a:schemeClr val="accent1">
+        <a:tint val="60000"/>
+      </a:schemeClr>
+    </dgm:linClrLst>
+    <dgm:effectClrLst/>
+    <dgm:txLinClrLst/>
+    <dgm:txFillClrLst/>
+    <dgm:txEffectClrLst/>
+  </dgm:styleLbl>
+  <dgm:styleLbl name="bgSibTrans2D1">
+    <dgm:fillClrLst meth="repeat">
+      <a:schemeClr val="accent1">
+        <a:tint val="60000"/>
+      </a:schemeClr>
+    </dgm:fillClrLst>
+    <dgm:linClrLst meth="repeat">
+      <a:schemeClr val="accent1">
+        <a:tint val="60000"/>
+      </a:schemeClr>
+    </dgm:linClrLst>
+    <dgm:effectClrLst/>
+    <dgm:txLinClrLst/>
+    <dgm:txFillClrLst/>
+    <dgm:txEffectClrLst/>
+  </dgm:styleLbl>
+  <dgm:styleLbl name="sibTrans1D1">
+    <dgm:fillClrLst meth="repeat">
+      <a:schemeClr val="accent1"/>
+    </dgm:fillClrLst>
+    <dgm:linClrLst meth="repeat">
+      <a:schemeClr val="accent1"/>
+    </dgm:linClrLst>
+    <dgm:effectClrLst/>
+    <dgm:txLinClrLst/>
+    <dgm:txFillClrLst meth="repeat">
+      <a:schemeClr val="tx1"/>
+    </dgm:txFillClrLst>
+    <dgm:txEffectClrLst/>
+  </dgm:styleLbl>
+  <dgm:styleLbl name="callout">
+    <dgm:fillClrLst meth="repeat">
+      <a:schemeClr val="accent1"/>
+    </dgm:fillClrLst>
+    <dgm:linClrLst meth="repeat">
+      <a:schemeClr val="accent1">
+        <a:tint val="50000"/>
+      </a:schemeClr>
+    </dgm:linClrLst>
+    <dgm:effectClrLst/>
+    <dgm:txLinClrLst/>
+    <dgm:txFillClrLst meth="repeat">
+      <a:schemeClr val="tx1"/>
+    </dgm:txFillClrLst>
+    <dgm:txEffectClrLst/>
+  </dgm:styleLbl>
+  <dgm:styleLbl name="asst0">
+    <dgm:fillClrLst meth="repeat">
+      <a:schemeClr val="accent1"/>
+    </dgm:fillClrLst>
+    <dgm:linClrLst meth="repeat">
+      <a:schemeClr val="lt1"/>
+    </dgm:linClrLst>
+    <dgm:effectClrLst/>
+    <dgm:txLinClrLst/>
+    <dgm:txFillClrLst/>
+    <dgm:txEffectClrLst/>
+  </dgm:styleLbl>
+  <dgm:styleLbl name="asst1">
+    <dgm:fillClrLst meth="repeat">
+      <a:schemeClr val="accent1"/>
+    </dgm:fillClrLst>
+    <dgm:linClrLst meth="repeat">
+      <a:schemeClr val="lt1"/>
+    </dgm:linClrLst>
+    <dgm:effectClrLst/>
+    <dgm:txLinClrLst/>
+    <dgm:txFillClrLst/>
+    <dgm:txEffectClrLst/>
+  </dgm:styleLbl>
+  <dgm:styleLbl name="asst2">
+    <dgm:fillClrLst meth="repeat">
+      <a:schemeClr val="accent1"/>
+    </dgm:fillClrLst>
+    <dgm:linClrLst meth="repeat">
+      <a:schemeClr val="lt1"/>
+    </dgm:linClrLst>
+    <dgm:effectClrLst/>
+    <dgm:txLinClrLst/>
+    <dgm:txFillClrLst/>
+    <dgm:txEffectClrLst/>
+  </dgm:styleLbl>
+  <dgm:styleLbl name="asst3">
+    <dgm:fillClrLst meth="repeat">
+      <a:schemeClr val="accent1"/>
+    </dgm:fillClrLst>
+    <dgm:linClrLst meth="repeat">
+      <a:schemeClr val="lt1"/>
+    </dgm:linClrLst>
+    <dgm:effectClrLst/>
+    <dgm:txLinClrLst/>
+    <dgm:txFillClrLst/>
+    <dgm:txEffectClrLst/>
+  </dgm:styleLbl>
+  <dgm:styleLbl name="asst4">
+    <dgm:fillClrLst meth="repeat">
+      <a:schemeClr val="accent1"/>
+    </dgm:fillClrLst>
+    <dgm:linClrLst meth="repeat">
+      <a:schemeClr val="lt1"/>
+    </dgm:linClrLst>
+    <dgm:effectClrLst/>
+    <dgm:txLinClrLst/>
+    <dgm:txFillClrLst/>
+    <dgm:txEffectClrLst/>
+  </dgm:styleLbl>
+  <dgm:styleLbl name="parChTrans2D1">
+    <dgm:fillClrLst meth="repeat">
+      <a:schemeClr val="accent1">
+        <a:tint val="60000"/>
+      </a:schemeClr>
+    </dgm:fillClrLst>
+    <dgm:linClrLst meth="repeat">
+      <a:schemeClr val="accent1">
+        <a:tint val="60000"/>
+      </a:schemeClr>
+    </dgm:linClrLst>
+    <dgm:effectClrLst/>
+    <dgm:txLinClrLst/>
+    <dgm:txFillClrLst meth="repeat">
+      <a:schemeClr val="lt1"/>
+    </dgm:txFillClrLst>
+    <dgm:txEffectClrLst/>
+  </dgm:styleLbl>
+  <dgm:styleLbl name="parChTrans2D2">
+    <dgm:fillClrLst meth="repeat">
+      <a:schemeClr val="accent1"/>
+    </dgm:fillClrLst>
+    <dgm:linClrLst meth="repeat">
+      <a:schemeClr val="accent1"/>
+    </dgm:linClrLst>
+    <dgm:effectClrLst/>
+    <dgm:txLinClrLst/>
+    <dgm:txFillClrLst meth="repeat">
+      <a:schemeClr val="lt1"/>
+    </dgm:txFillClrLst>
+    <dgm:txEffectClrLst/>
+  </dgm:styleLbl>
+  <dgm:styleLbl name="parChTrans2D3">
+    <dgm:fillClrLst meth="repeat">
+      <a:schemeClr val="accent1"/>
+    </dgm:fillClrLst>
+    <dgm:linClrLst meth="repeat">
+      <a:schemeClr val="accent1"/>
+    </dgm:linClrLst>
+    <dgm:effectClrLst/>
+    <dgm:txLinClrLst/>
+    <dgm:txFillClrLst meth="repeat">
+      <a:schemeClr val="lt1"/>
+    </dgm:txFillClrLst>
+    <dgm:txEffectClrLst/>
+  </dgm:styleLbl>
+  <dgm:styleLbl name="parChTrans2D4">
+    <dgm:fillClrLst meth="repeat">
+      <a:schemeClr val="accent1"/>
+    </dgm:fillClrLst>
+    <dgm:linClrLst meth="repeat">
+      <a:schemeClr val="accent1"/>
+    </dgm:linClrLst>
+    <dgm:effectClrLst/>
+    <dgm:txLinClrLst/>
+    <dgm:txFillClrLst meth="repeat">
+      <a:schemeClr val="lt1"/>
+    </dgm:txFillClrLst>
+    <dgm:txEffectClrLst/>
+  </dgm:styleLbl>
+  <dgm:styleLbl name="parChTrans1D1">
+    <dgm:fillClrLst meth="repeat">
+      <a:schemeClr val="accent1"/>
+    </dgm:fillClrLst>
+    <dgm:linClrLst meth="repeat">
+      <a:schemeClr val="accent1">
+        <a:shade val="60000"/>
+      </a:schemeClr>
+    </dgm:linClrLst>
+    <dgm:effectClrLst/>
+    <dgm:txLinClrLst/>
+    <dgm:txFillClrLst meth="repeat">
+      <a:schemeClr val="tx1"/>
+    </dgm:txFillClrLst>
+    <dgm:txEffectClrLst/>
+  </dgm:styleLbl>
+  <dgm:styleLbl name="parChTrans1D2">
+    <dgm:fillClrLst meth="repeat">
+      <a:schemeClr val="accent1"/>
+    </dgm:fillClrLst>
+    <dgm:linClrLst meth="repeat">
+      <a:schemeClr val="accent1">
+        <a:shade val="60000"/>
+      </a:schemeClr>
+    </dgm:linClrLst>
+    <dgm:effectClrLst/>
+    <dgm:txLinClrLst/>
+    <dgm:txFillClrLst meth="repeat">
+      <a:schemeClr val="tx1"/>
+    </dgm:txFillClrLst>
+    <dgm:txEffectClrLst/>
+  </dgm:styleLbl>
+  <dgm:styleLbl name="parChTrans1D3">
+    <dgm:fillClrLst meth="repeat">
+      <a:schemeClr val="accent1"/>
+    </dgm:fillClrLst>
+    <dgm:linClrLst meth="repeat">
+      <a:schemeClr val="accent1">
+        <a:shade val="80000"/>
+      </a:schemeClr>
+    </dgm:linClrLst>
+    <dgm:effectClrLst/>
+    <dgm:txLinClrLst/>
+    <dgm:txFillClrLst meth="repeat">
+      <a:schemeClr val="tx1"/>
+    </dgm:txFillClrLst>
+    <dgm:txEffectClrLst/>
+  </dgm:styleLbl>
+  <dgm:styleLbl name="parChTrans1D4">
+    <dgm:fillClrLst meth="repeat">
+      <a:schemeClr val="accent1"/>
+    </dgm:fillClrLst>
+    <dgm:linClrLst meth="repeat">
+      <a:schemeClr val="accent1">
+        <a:shade val="80000"/>
+      </a:schemeClr>
+    </dgm:linClrLst>
+    <dgm:effectClrLst/>
+    <dgm:txLinClrLst/>
+    <dgm:txFillClrLst meth="repeat">
+      <a:schemeClr val="tx1"/>
+    </dgm:txFillClrLst>
+    <dgm:txEffectClrLst/>
+  </dgm:styleLbl>
+  <dgm:styleLbl name="fgAcc1">
+    <dgm:fillClrLst meth="repeat">
+      <a:schemeClr val="lt1">
+        <a:alpha val="90000"/>
+      </a:schemeClr>
+    </dgm:fillClrLst>
+    <dgm:linClrLst meth="repeat">
+      <a:schemeClr val="accent1"/>
+    </dgm:linClrLst>
+    <dgm:effectClrLst/>
+    <dgm:txLinClrLst/>
+    <dgm:txFillClrLst meth="repeat">
+      <a:schemeClr val="dk1"/>
+    </dgm:txFillClrLst>
+    <dgm:txEffectClrLst/>
+  </dgm:styleLbl>
+  <dgm:styleLbl name="conFgAcc1">
+    <dgm:fillClrLst meth="repeat">
+      <a:schemeClr val="lt1">
+        <a:alpha val="90000"/>
+      </a:schemeClr>
+    </dgm:fillClrLst>
+    <dgm:linClrLst meth="repeat">
+      <a:schemeClr val="accent1"/>
+    </dgm:linClrLst>
+    <dgm:effectClrLst/>
+    <dgm:txLinClrLst/>
+    <dgm:txFillClrLst meth="repeat">
+      <a:schemeClr val="dk1"/>
+    </dgm:txFillClrLst>
+    <dgm:txEffectClrLst/>
+  </dgm:styleLbl>
+  <dgm:styleLbl name="alignAcc1">
+    <dgm:fillClrLst meth="repeat">
+      <a:schemeClr val="lt1">
+        <a:alpha val="90000"/>
+      </a:schemeClr>
+    </dgm:fillClrLst>
+    <dgm:linClrLst meth="repeat">
+      <a:schemeClr val="accent1"/>
+    </dgm:linClrLst>
+    <dgm:effectClrLst/>
+    <dgm:txLinClrLst/>
+    <dgm:txFillClrLst meth="repeat">
+      <a:schemeClr val="dk1"/>
+    </dgm:txFillClrLst>
+    <dgm:txEffectClrLst/>
+  </dgm:styleLbl>
+  <dgm:styleLbl name="trAlignAcc1">
+    <dgm:fillClrLst meth="repeat">
+      <a:schemeClr val="lt1">
+        <a:alpha val="40000"/>
+      </a:schemeClr>
+    </dgm:fillClrLst>
+    <dgm:linClrLst meth="repeat">
+      <a:schemeClr val="accent1"/>
+    </dgm:linClrLst>
+    <dgm:effectClrLst/>
+    <dgm:txLinClrLst/>
+    <dgm:txFillClrLst meth="repeat">
+      <a:schemeClr val="dk1"/>
+    </dgm:txFillClrLst>
+    <dgm:txEffectClrLst/>
+  </dgm:styleLbl>
+  <dgm:styleLbl name="bgAcc1">
+    <dgm:fillClrLst meth="repeat">
+      <a:schemeClr val="lt1">
+        <a:alpha val="90000"/>
+      </a:schemeClr>
+    </dgm:fillClrLst>
+    <dgm:linClrLst meth="repeat">
+      <a:schemeClr val="accent1"/>
+    </dgm:linClrLst>
+    <dgm:effectClrLst/>
+    <dgm:txLinClrLst/>
+    <dgm:txFillClrLst meth="repeat">
+      <a:schemeClr val="dk1"/>
+    </dgm:txFillClrLst>
+    <dgm:txEffectClrLst/>
+  </dgm:styleLbl>
+  <dgm:styleLbl name="solidFgAcc1">
+    <dgm:fillClrLst meth="repeat">
+      <a:schemeClr val="lt1"/>
+    </dgm:fillClrLst>
+    <dgm:linClrLst meth="repeat">
+      <a:schemeClr val="accent1"/>
+    </dgm:linClrLst>
+    <dgm:effectClrLst/>
+    <dgm:txLinClrLst/>
+    <dgm:txFillClrLst meth="repeat">
+      <a:schemeClr val="dk1"/>
+    </dgm:txFillClrLst>
+    <dgm:txEffectClrLst/>
+  </dgm:styleLbl>
+  <dgm:styleLbl name="solidAlignAcc1">
+    <dgm:fillClrLst meth="repeat">
+      <a:schemeClr val="lt1"/>
+    </dgm:fillClrLst>
+    <dgm:linClrLst meth="repeat">
+      <a:schemeClr val="accent1"/>
+    </dgm:linClrLst>
+    <dgm:effectClrLst/>
+    <dgm:txLinClrLst/>
+    <dgm:txFillClrLst meth="repeat">
+      <a:schemeClr val="dk1"/>
+    </dgm:txFillClrLst>
+    <dgm:txEffectClrLst/>
+  </dgm:styleLbl>
+  <dgm:styleLbl name="solidBgAcc1">
+    <dgm:fillClrLst meth="repeat">
+      <a:schemeClr val="lt1"/>
+    </dgm:fillClrLst>
+    <dgm:linClrLst meth="repeat">
+      <a:schemeClr val="accent1"/>
+    </dgm:linClrLst>
+    <dgm:effectClrLst/>
+    <dgm:txLinClrLst/>
+    <dgm:txFillClrLst meth="repeat">
+      <a:schemeClr val="dk1"/>
+    </dgm:txFillClrLst>
+    <dgm:txEffectClrLst/>
+  </dgm:styleLbl>
+  <dgm:styleLbl name="fgAccFollowNode1">
+    <dgm:fillClrLst meth="repeat">
+      <a:schemeClr val="accent1">
+        <a:alpha val="90000"/>
+        <a:tint val="40000"/>
+      </a:schemeClr>
+    </dgm:fillClrLst>
+    <dgm:linClrLst meth="repeat">
+      <a:schemeClr val="accent1">
+        <a:alpha val="90000"/>
+        <a:tint val="40000"/>
+      </a:schemeClr>
+    </dgm:linClrLst>
+    <dgm:effectClrLst/>
+    <dgm:txLinClrLst/>
+    <dgm:txFillClrLst meth="repeat">
+      <a:schemeClr val="dk1"/>
+    </dgm:txFillClrLst>
+    <dgm:txEffectClrLst/>
+  </dgm:styleLbl>
+  <dgm:styleLbl name="alignAccFollowNode1">
+    <dgm:fillClrLst meth="repeat">
+      <a:schemeClr val="accent1">
+        <a:alpha val="90000"/>
+        <a:tint val="40000"/>
+      </a:schemeClr>
+    </dgm:fillClrLst>
+    <dgm:linClrLst meth="repeat">
+      <a:schemeClr val="accent1">
+        <a:alpha val="90000"/>
+        <a:tint val="40000"/>
+      </a:schemeClr>
+    </dgm:linClrLst>
+    <dgm:effectClrLst/>
+    <dgm:txLinClrLst/>
+    <dgm:txFillClrLst meth="repeat">
+      <a:schemeClr val="dk1"/>
+    </dgm:txFillClrLst>
+    <dgm:txEffectClrLst/>
+  </dgm:styleLbl>
+  <dgm:styleLbl name="bgAccFollowNode1">
+    <dgm:fillClrLst meth="repeat">
+      <a:schemeClr val="accent1">
+        <a:alpha val="90000"/>
+        <a:tint val="40000"/>
+      </a:schemeClr>
+    </dgm:fillClrLst>
+    <dgm:linClrLst meth="repeat">
+      <a:schemeClr val="accent1">
+        <a:alpha val="90000"/>
+        <a:tint val="40000"/>
+      </a:schemeClr>
+    </dgm:linClrLst>
+    <dgm:effectClrLst/>
+    <dgm:txLinClrLst/>
+    <dgm:txFillClrLst meth="repeat">
+      <a:schemeClr val="dk1"/>
+    </dgm:txFillClrLst>
+    <dgm:txEffectClrLst/>
+  </dgm:styleLbl>
+  <dgm:styleLbl name="fgAcc0">
+    <dgm:fillClrLst meth="repeat">
+      <a:schemeClr val="lt1">
+        <a:alpha val="90000"/>
+      </a:schemeClr>
+    </dgm:fillClrLst>
+    <dgm:linClrLst meth="repeat">
+      <a:schemeClr val="accent1"/>
+    </dgm:linClrLst>
+    <dgm:effectClrLst/>
+    <dgm:txLinClrLst/>
+    <dgm:txFillClrLst meth="repeat">
+      <a:schemeClr val="dk1"/>
+    </dgm:txFillClrLst>
+    <dgm:txEffectClrLst/>
+  </dgm:styleLbl>
+  <dgm:styleLbl name="fgAcc2">
+    <dgm:fillClrLst meth="repeat">
+      <a:schemeClr val="lt1">
+        <a:alpha val="90000"/>
+      </a:schemeClr>
+    </dgm:fillClrLst>
+    <dgm:linClrLst meth="repeat">
+      <a:schemeClr val="accent1"/>
+    </dgm:linClrLst>
+    <dgm:effectClrLst/>
+    <dgm:txLinClrLst/>
+    <dgm:txFillClrLst meth="repeat">
+      <a:schemeClr val="dk1"/>
+    </dgm:txFillClrLst>
+    <dgm:txEffectClrLst/>
+  </dgm:styleLbl>
+  <dgm:styleLbl name="fgAcc3">
+    <dgm:fillClrLst meth="repeat">
+      <a:schemeClr val="lt1">
+        <a:alpha val="90000"/>
+      </a:schemeClr>
+    </dgm:fillClrLst>
+    <dgm:linClrLst meth="repeat">
+      <a:schemeClr val="accent1"/>
+    </dgm:linClrLst>
+    <dgm:effectClrLst/>
+    <dgm:txLinClrLst/>
+    <dgm:txFillClrLst meth="repeat">
+      <a:schemeClr val="dk1"/>
+    </dgm:txFillClrLst>
+    <dgm:txEffectClrLst/>
+  </dgm:styleLbl>
+  <dgm:styleLbl name="fgAcc4">
+    <dgm:fillClrLst meth="repeat">
+      <a:schemeClr val="lt1">
+        <a:alpha val="90000"/>
+      </a:schemeClr>
+    </dgm:fillClrLst>
+    <dgm:linClrLst meth="repeat">
+      <a:schemeClr val="accent1"/>
+    </dgm:linClrLst>
+    <dgm:effectClrLst/>
+    <dgm:txLinClrLst/>
+    <dgm:txFillClrLst meth="repeat">
+      <a:schemeClr val="dk1"/>
+    </dgm:txFillClrLst>
+    <dgm:txEffectClrLst/>
+  </dgm:styleLbl>
+  <dgm:styleLbl name="bgShp">
+    <dgm:fillClrLst meth="repeat">
+      <a:schemeClr val="accent1">
+        <a:tint val="40000"/>
+      </a:schemeClr>
+    </dgm:fillClrLst>
+    <dgm:linClrLst meth="repeat">
+      <a:schemeClr val="accent1"/>
+    </dgm:linClrLst>
+    <dgm:effectClrLst/>
+    <dgm:txLinClrLst/>
+    <dgm:txFillClrLst meth="repeat">
+      <a:schemeClr val="dk1"/>
+    </dgm:txFillClrLst>
+    <dgm:txEffectClrLst/>
+  </dgm:styleLbl>
+  <dgm:styleLbl name="dkBgShp">
+    <dgm:fillClrLst meth="repeat">
+      <a:schemeClr val="accent1">
+        <a:shade val="80000"/>
+      </a:schemeClr>
+    </dgm:fillClrLst>
+    <dgm:linClrLst meth="repeat">
+      <a:schemeClr val="accent1"/>
+    </dgm:linClrLst>
+    <dgm:effectClrLst/>
+    <dgm:txLinClrLst/>
+    <dgm:txFillClrLst meth="repeat">
+      <a:schemeClr val="lt1"/>
+    </dgm:txFillClrLst>
+    <dgm:txEffectClrLst/>
+  </dgm:styleLbl>
+  <dgm:styleLbl name="trBgShp">
+    <dgm:fillClrLst meth="repeat">
+      <a:schemeClr val="accent1">
+        <a:tint val="50000"/>
+        <a:alpha val="40000"/>
+      </a:schemeClr>
+    </dgm:fillClrLst>
+    <dgm:linClrLst meth="repeat">
+      <a:schemeClr val="accent1"/>
+    </dgm:linClrLst>
+    <dgm:effectClrLst/>
+    <dgm:txLinClrLst/>
+    <dgm:txFillClrLst meth="repeat">
+      <a:schemeClr val="lt1"/>
+    </dgm:txFillClrLst>
+    <dgm:txEffectClrLst/>
+  </dgm:styleLbl>
+  <dgm:styleLbl name="fgShp">
+    <dgm:fillClrLst meth="repeat">
+      <a:schemeClr val="accent1">
+        <a:tint val="60000"/>
+      </a:schemeClr>
+    </dgm:fillClrLst>
+    <dgm:linClrLst meth="repeat">
+      <a:schemeClr val="lt1"/>
+    </dgm:linClrLst>
+    <dgm:effectClrLst/>
+    <dgm:txLinClrLst/>
+    <dgm:txFillClrLst meth="repeat">
+      <a:schemeClr val="dk1"/>
+    </dgm:txFillClrLst>
+    <dgm:txEffectClrLst/>
+  </dgm:styleLbl>
+  <dgm:styleLbl name="revTx">
+    <dgm:fillClrLst meth="repeat">
+      <a:schemeClr val="lt1">
+        <a:alpha val="0"/>
+      </a:schemeClr>
+    </dgm:fillClrLst>
+    <dgm:linClrLst meth="repeat">
+      <a:schemeClr val="dk1">
+        <a:alpha val="0"/>
+      </a:schemeClr>
+    </dgm:linClrLst>
+    <dgm:effectClrLst/>
+    <dgm:txLinClrLst/>
+    <dgm:txFillClrLst meth="repeat">
+      <a:schemeClr val="tx1"/>
+    </dgm:txFillClrLst>
+    <dgm:txEffectClrLst/>
+  </dgm:styleLbl>
+</dgm:colorsDef>
+</file>
+
+<file path=ppt/diagrams/data1.xml><?xml version="1.0" encoding="utf-8"?>
+<dgm:dataModel xmlns:dgm="http://schemas.openxmlformats.org/drawingml/2006/diagram" xmlns:a="http://schemas.openxmlformats.org/drawingml/2006/main">
+  <dgm:ptLst>
+    <dgm:pt modelId="{A1056C05-777B-4DA7-B2BD-CBAC4BDC35D9}" type="doc">
+      <dgm:prSet loTypeId="urn:microsoft.com/office/officeart/2005/8/layout/list1" loCatId="list" qsTypeId="urn:microsoft.com/office/officeart/2005/8/quickstyle/simple1" qsCatId="simple" csTypeId="urn:microsoft.com/office/officeart/2005/8/colors/accent1_1" csCatId="accent1" phldr="1"/>
+      <dgm:spPr/>
+      <dgm:t>
+        <a:bodyPr/>
+        <a:lstStyle/>
+        <a:p>
+          <a:endParaRPr lang="en-GB"/>
+        </a:p>
+      </dgm:t>
+    </dgm:pt>
+    <dgm:pt modelId="{249A04DA-4D2B-4BB4-91B2-9D58039F3432}">
+      <dgm:prSet phldrT="[Text]"/>
+      <dgm:spPr/>
+      <dgm:t>
+        <a:bodyPr/>
+        <a:lstStyle/>
+        <a:p>
+          <a:r>
+            <a:rPr lang="en-GB" dirty="0"/>
+            <a:t>Team Size</a:t>
+          </a:r>
+        </a:p>
+      </dgm:t>
+    </dgm:pt>
+    <dgm:pt modelId="{E654C0C2-1668-43C6-BEC4-A81DC8DD6D9F}" type="parTrans" cxnId="{19F6F536-15BF-4750-8ACF-28B8975812E0}">
+      <dgm:prSet/>
+      <dgm:spPr/>
+      <dgm:t>
+        <a:bodyPr/>
+        <a:lstStyle/>
+        <a:p>
+          <a:endParaRPr lang="en-GB"/>
+        </a:p>
+      </dgm:t>
+    </dgm:pt>
+    <dgm:pt modelId="{5BCEF824-B3FF-46DE-A0F6-3A6E790A455F}" type="sibTrans" cxnId="{19F6F536-15BF-4750-8ACF-28B8975812E0}">
+      <dgm:prSet/>
+      <dgm:spPr/>
+      <dgm:t>
+        <a:bodyPr/>
+        <a:lstStyle/>
+        <a:p>
+          <a:endParaRPr lang="en-GB"/>
+        </a:p>
+      </dgm:t>
+    </dgm:pt>
+    <dgm:pt modelId="{F2BCBA5B-71DA-4353-BAA6-74F5804F2C64}">
+      <dgm:prSet/>
+      <dgm:spPr/>
+      <dgm:t>
+        <a:bodyPr/>
+        <a:lstStyle/>
+        <a:p>
+          <a:r>
+            <a:rPr lang="en-GB" dirty="0"/>
+            <a:t>Number of Teams</a:t>
+          </a:r>
+        </a:p>
+      </dgm:t>
+    </dgm:pt>
+    <dgm:pt modelId="{C61C99FA-3ADE-4E25-8A78-2668306ABE15}" type="parTrans" cxnId="{1390DEC2-85CC-4C39-BE18-DB950FEB43EF}">
+      <dgm:prSet/>
+      <dgm:spPr/>
+      <dgm:t>
+        <a:bodyPr/>
+        <a:lstStyle/>
+        <a:p>
+          <a:endParaRPr lang="en-GB"/>
+        </a:p>
+      </dgm:t>
+    </dgm:pt>
+    <dgm:pt modelId="{9E06FD39-A0E1-4691-B015-713D3529E19F}" type="sibTrans" cxnId="{1390DEC2-85CC-4C39-BE18-DB950FEB43EF}">
+      <dgm:prSet/>
+      <dgm:spPr/>
+      <dgm:t>
+        <a:bodyPr/>
+        <a:lstStyle/>
+        <a:p>
+          <a:endParaRPr lang="en-GB"/>
+        </a:p>
+      </dgm:t>
+    </dgm:pt>
+    <dgm:pt modelId="{18D2779D-F6C6-43FF-AB2A-5DCAF97F0EC8}">
+      <dgm:prSet/>
+      <dgm:spPr/>
+      <dgm:t>
+        <a:bodyPr/>
+        <a:lstStyle/>
+        <a:p>
+          <a:r>
+            <a:rPr lang="en-GB" dirty="0"/>
+            <a:t>Dependencies</a:t>
+          </a:r>
+        </a:p>
+      </dgm:t>
+    </dgm:pt>
+    <dgm:pt modelId="{A07F2116-35EF-469F-BFFB-BBFB5C3691F8}" type="parTrans" cxnId="{D2A0AFD8-E651-4F51-B1F2-1578C5DAACFC}">
+      <dgm:prSet/>
+      <dgm:spPr/>
+      <dgm:t>
+        <a:bodyPr/>
+        <a:lstStyle/>
+        <a:p>
+          <a:endParaRPr lang="en-GB"/>
+        </a:p>
+      </dgm:t>
+    </dgm:pt>
+    <dgm:pt modelId="{37D70F16-AAD1-41BD-AF89-696ED6563A77}" type="sibTrans" cxnId="{D2A0AFD8-E651-4F51-B1F2-1578C5DAACFC}">
+      <dgm:prSet/>
+      <dgm:spPr/>
+      <dgm:t>
+        <a:bodyPr/>
+        <a:lstStyle/>
+        <a:p>
+          <a:endParaRPr lang="en-GB"/>
+        </a:p>
+      </dgm:t>
+    </dgm:pt>
+    <dgm:pt modelId="{1CB4F6ED-6D6F-4DB5-87F2-DBA7D8A061AC}">
+      <dgm:prSet/>
+      <dgm:spPr/>
+      <dgm:t>
+        <a:bodyPr/>
+        <a:lstStyle/>
+        <a:p>
+          <a:r>
+            <a:rPr lang="en-GB" dirty="0"/>
+            <a:t>Complexity</a:t>
+          </a:r>
+        </a:p>
+      </dgm:t>
+    </dgm:pt>
+    <dgm:pt modelId="{985E8AF3-F6F1-4A5A-8C62-FEC435496BAA}" type="parTrans" cxnId="{8B744181-F530-4FE0-AABF-4AE901F3D44D}">
+      <dgm:prSet/>
+      <dgm:spPr/>
+      <dgm:t>
+        <a:bodyPr/>
+        <a:lstStyle/>
+        <a:p>
+          <a:endParaRPr lang="en-GB"/>
+        </a:p>
+      </dgm:t>
+    </dgm:pt>
+    <dgm:pt modelId="{D9294331-29E5-4DAA-B7FA-1237CAE5C247}" type="sibTrans" cxnId="{8B744181-F530-4FE0-AABF-4AE901F3D44D}">
+      <dgm:prSet/>
+      <dgm:spPr/>
+      <dgm:t>
+        <a:bodyPr/>
+        <a:lstStyle/>
+        <a:p>
+          <a:endParaRPr lang="en-GB"/>
+        </a:p>
+      </dgm:t>
+    </dgm:pt>
+    <dgm:pt modelId="{C73C557E-4725-4580-9954-8010D1C75281}">
+      <dgm:prSet phldrT="[Text]"/>
+      <dgm:spPr/>
+      <dgm:t>
+        <a:bodyPr/>
+        <a:lstStyle/>
+        <a:p>
+          <a:r>
+            <a:rPr lang="en-GB" dirty="0"/>
+            <a:t>Traditional approaches can lead to teams becoming very large and difficult to manage</a:t>
+          </a:r>
+        </a:p>
+      </dgm:t>
+    </dgm:pt>
+    <dgm:pt modelId="{6363BE29-0567-4DEF-B1C1-79E7DA174F40}" type="parTrans" cxnId="{57C2111B-AE0A-46E6-9A2E-B63CFE736ED1}">
+      <dgm:prSet/>
+      <dgm:spPr/>
+      <dgm:t>
+        <a:bodyPr/>
+        <a:lstStyle/>
+        <a:p>
+          <a:endParaRPr lang="en-GB"/>
+        </a:p>
+      </dgm:t>
+    </dgm:pt>
+    <dgm:pt modelId="{CDA1005D-9BE9-4697-A17F-1CCC528D3659}" type="sibTrans" cxnId="{57C2111B-AE0A-46E6-9A2E-B63CFE736ED1}">
+      <dgm:prSet/>
+      <dgm:spPr/>
+      <dgm:t>
+        <a:bodyPr/>
+        <a:lstStyle/>
+        <a:p>
+          <a:endParaRPr lang="en-GB"/>
+        </a:p>
+      </dgm:t>
+    </dgm:pt>
+    <dgm:pt modelId="{314FE184-1AEB-4528-A225-BABFBAD0ECDC}">
+      <dgm:prSet/>
+      <dgm:spPr/>
+      <dgm:t>
+        <a:bodyPr/>
+        <a:lstStyle/>
+        <a:p>
+          <a:r>
+            <a:rPr lang="en-GB" dirty="0"/>
+            <a:t>Monolithic architectures can make it challenging to split work between multiple teams who are forced to work on the same platform, necessitating stringent change controls</a:t>
+          </a:r>
+        </a:p>
+      </dgm:t>
+    </dgm:pt>
+    <dgm:pt modelId="{5B587769-3702-4852-898D-9F1002089E99}" type="parTrans" cxnId="{08F850CF-0601-410E-9353-E1028C80B10A}">
+      <dgm:prSet/>
+      <dgm:spPr/>
+      <dgm:t>
+        <a:bodyPr/>
+        <a:lstStyle/>
+        <a:p>
+          <a:endParaRPr lang="en-GB"/>
+        </a:p>
+      </dgm:t>
+    </dgm:pt>
+    <dgm:pt modelId="{675C7885-1572-43F0-AE04-C9195FEB86C2}" type="sibTrans" cxnId="{08F850CF-0601-410E-9353-E1028C80B10A}">
+      <dgm:prSet/>
+      <dgm:spPr/>
+      <dgm:t>
+        <a:bodyPr/>
+        <a:lstStyle/>
+        <a:p>
+          <a:endParaRPr lang="en-GB"/>
+        </a:p>
+      </dgm:t>
+    </dgm:pt>
+    <dgm:pt modelId="{1C3105BF-893C-42FC-8213-1699F2A92379}">
+      <dgm:prSet/>
+      <dgm:spPr/>
+      <dgm:t>
+        <a:bodyPr/>
+        <a:lstStyle/>
+        <a:p>
+          <a:r>
+            <a:rPr lang="en-GB" dirty="0"/>
+            <a:t>End to end design requires every component to align to others. A more modular encapsulated approach reduces this and encourages components and stages to be well defined in their own right</a:t>
+          </a:r>
+        </a:p>
+      </dgm:t>
+    </dgm:pt>
+    <dgm:pt modelId="{0133DD37-44CE-4815-B570-5AE6E764497B}" type="parTrans" cxnId="{8E1365C2-E52D-4DEC-B41B-92B700754480}">
+      <dgm:prSet/>
+      <dgm:spPr/>
+      <dgm:t>
+        <a:bodyPr/>
+        <a:lstStyle/>
+        <a:p>
+          <a:endParaRPr lang="en-GB"/>
+        </a:p>
+      </dgm:t>
+    </dgm:pt>
+    <dgm:pt modelId="{026FFEB5-657E-42C2-80B5-4297573E6916}" type="sibTrans" cxnId="{8E1365C2-E52D-4DEC-B41B-92B700754480}">
+      <dgm:prSet/>
+      <dgm:spPr/>
+      <dgm:t>
+        <a:bodyPr/>
+        <a:lstStyle/>
+        <a:p>
+          <a:endParaRPr lang="en-GB"/>
+        </a:p>
+      </dgm:t>
+    </dgm:pt>
+    <dgm:pt modelId="{69F225F2-5B50-4350-A59C-6F2C7964CC11}">
+      <dgm:prSet/>
+      <dgm:spPr/>
+      <dgm:t>
+        <a:bodyPr/>
+        <a:lstStyle/>
+        <a:p>
+          <a:r>
+            <a:rPr lang="en-GB" dirty="0"/>
+            <a:t>As the size of an architecture increases, complexity will increase in an exponential way. Keeping each architecture small ensures simplicity and makes change faster and lowers risk</a:t>
+          </a:r>
+        </a:p>
+      </dgm:t>
+    </dgm:pt>
+    <dgm:pt modelId="{968208D5-4FA8-427F-903C-19D2A755F783}" type="parTrans" cxnId="{1F0A1937-DEB6-4FE9-9F56-1F66FA4B2A46}">
+      <dgm:prSet/>
+      <dgm:spPr/>
+      <dgm:t>
+        <a:bodyPr/>
+        <a:lstStyle/>
+        <a:p>
+          <a:endParaRPr lang="en-GB"/>
+        </a:p>
+      </dgm:t>
+    </dgm:pt>
+    <dgm:pt modelId="{73DE19C9-3283-4D09-A16B-D9977FEEED4E}" type="sibTrans" cxnId="{1F0A1937-DEB6-4FE9-9F56-1F66FA4B2A46}">
+      <dgm:prSet/>
+      <dgm:spPr/>
+      <dgm:t>
+        <a:bodyPr/>
+        <a:lstStyle/>
+        <a:p>
+          <a:endParaRPr lang="en-GB"/>
+        </a:p>
+      </dgm:t>
+    </dgm:pt>
+    <dgm:pt modelId="{D0EA76BC-F59E-4917-B621-7DCCE58D765A}" type="pres">
+      <dgm:prSet presAssocID="{A1056C05-777B-4DA7-B2BD-CBAC4BDC35D9}" presName="linear" presStyleCnt="0">
+        <dgm:presLayoutVars>
+          <dgm:dir/>
+          <dgm:animLvl val="lvl"/>
+          <dgm:resizeHandles val="exact"/>
+        </dgm:presLayoutVars>
+      </dgm:prSet>
+      <dgm:spPr/>
+    </dgm:pt>
+    <dgm:pt modelId="{3599E524-8443-49C1-9AF4-AA5AC3919E8F}" type="pres">
+      <dgm:prSet presAssocID="{249A04DA-4D2B-4BB4-91B2-9D58039F3432}" presName="parentLin" presStyleCnt="0"/>
+      <dgm:spPr/>
+    </dgm:pt>
+    <dgm:pt modelId="{AF2E6AA2-EC7E-4E7B-9B7B-0249B5075749}" type="pres">
+      <dgm:prSet presAssocID="{249A04DA-4D2B-4BB4-91B2-9D58039F3432}" presName="parentLeftMargin" presStyleLbl="node1" presStyleIdx="0" presStyleCnt="4"/>
+      <dgm:spPr/>
+    </dgm:pt>
+    <dgm:pt modelId="{50686B2A-C421-4020-814A-13C3459B8CE0}" type="pres">
+      <dgm:prSet presAssocID="{249A04DA-4D2B-4BB4-91B2-9D58039F3432}" presName="parentText" presStyleLbl="node1" presStyleIdx="0" presStyleCnt="4">
+        <dgm:presLayoutVars>
+          <dgm:chMax val="0"/>
+          <dgm:bulletEnabled val="1"/>
+        </dgm:presLayoutVars>
+      </dgm:prSet>
+      <dgm:spPr/>
+    </dgm:pt>
+    <dgm:pt modelId="{AFB08982-4367-49A7-97EB-085A22A813B0}" type="pres">
+      <dgm:prSet presAssocID="{249A04DA-4D2B-4BB4-91B2-9D58039F3432}" presName="negativeSpace" presStyleCnt="0"/>
+      <dgm:spPr/>
+    </dgm:pt>
+    <dgm:pt modelId="{081DAC4B-B47A-443F-A14D-E621746C835A}" type="pres">
+      <dgm:prSet presAssocID="{249A04DA-4D2B-4BB4-91B2-9D58039F3432}" presName="childText" presStyleLbl="conFgAcc1" presStyleIdx="0" presStyleCnt="4">
+        <dgm:presLayoutVars>
+          <dgm:bulletEnabled val="1"/>
+        </dgm:presLayoutVars>
+      </dgm:prSet>
+      <dgm:spPr/>
+    </dgm:pt>
+    <dgm:pt modelId="{4AB3F984-4BB3-4730-AD91-008B86C4175B}" type="pres">
+      <dgm:prSet presAssocID="{5BCEF824-B3FF-46DE-A0F6-3A6E790A455F}" presName="spaceBetweenRectangles" presStyleCnt="0"/>
+      <dgm:spPr/>
+    </dgm:pt>
+    <dgm:pt modelId="{46E1A921-C7EA-43F7-BA81-DF3620138F60}" type="pres">
+      <dgm:prSet presAssocID="{F2BCBA5B-71DA-4353-BAA6-74F5804F2C64}" presName="parentLin" presStyleCnt="0"/>
+      <dgm:spPr/>
+    </dgm:pt>
+    <dgm:pt modelId="{0BF6D99D-60F3-45B8-A137-EB5761581635}" type="pres">
+      <dgm:prSet presAssocID="{F2BCBA5B-71DA-4353-BAA6-74F5804F2C64}" presName="parentLeftMargin" presStyleLbl="node1" presStyleIdx="0" presStyleCnt="4"/>
+      <dgm:spPr/>
+    </dgm:pt>
+    <dgm:pt modelId="{4A30E9E0-B22A-4279-A38B-27336C87C45A}" type="pres">
+      <dgm:prSet presAssocID="{F2BCBA5B-71DA-4353-BAA6-74F5804F2C64}" presName="parentText" presStyleLbl="node1" presStyleIdx="1" presStyleCnt="4">
+        <dgm:presLayoutVars>
+          <dgm:chMax val="0"/>
+          <dgm:bulletEnabled val="1"/>
+        </dgm:presLayoutVars>
+      </dgm:prSet>
+      <dgm:spPr/>
+    </dgm:pt>
+    <dgm:pt modelId="{23CA0E9B-2005-4C6D-A8AF-11EDD54A1E6F}" type="pres">
+      <dgm:prSet presAssocID="{F2BCBA5B-71DA-4353-BAA6-74F5804F2C64}" presName="negativeSpace" presStyleCnt="0"/>
+      <dgm:spPr/>
+    </dgm:pt>
+    <dgm:pt modelId="{90F80BFC-24B8-46E9-BA0F-5A694B77C7DE}" type="pres">
+      <dgm:prSet presAssocID="{F2BCBA5B-71DA-4353-BAA6-74F5804F2C64}" presName="childText" presStyleLbl="conFgAcc1" presStyleIdx="1" presStyleCnt="4">
+        <dgm:presLayoutVars>
+          <dgm:bulletEnabled val="1"/>
+        </dgm:presLayoutVars>
+      </dgm:prSet>
+      <dgm:spPr/>
+    </dgm:pt>
+    <dgm:pt modelId="{1E7B9300-7669-40FC-A8EE-F18167553812}" type="pres">
+      <dgm:prSet presAssocID="{9E06FD39-A0E1-4691-B015-713D3529E19F}" presName="spaceBetweenRectangles" presStyleCnt="0"/>
+      <dgm:spPr/>
+    </dgm:pt>
+    <dgm:pt modelId="{02C6BE61-6438-4D49-80B9-9562DCFF3CB4}" type="pres">
+      <dgm:prSet presAssocID="{18D2779D-F6C6-43FF-AB2A-5DCAF97F0EC8}" presName="parentLin" presStyleCnt="0"/>
+      <dgm:spPr/>
+    </dgm:pt>
+    <dgm:pt modelId="{0D5DFA58-9415-4F6D-A49B-99C27C8396D6}" type="pres">
+      <dgm:prSet presAssocID="{18D2779D-F6C6-43FF-AB2A-5DCAF97F0EC8}" presName="parentLeftMargin" presStyleLbl="node1" presStyleIdx="1" presStyleCnt="4"/>
+      <dgm:spPr/>
+    </dgm:pt>
+    <dgm:pt modelId="{B6737261-AC44-4119-A792-C08C4D6722ED}" type="pres">
+      <dgm:prSet presAssocID="{18D2779D-F6C6-43FF-AB2A-5DCAF97F0EC8}" presName="parentText" presStyleLbl="node1" presStyleIdx="2" presStyleCnt="4">
+        <dgm:presLayoutVars>
+          <dgm:chMax val="0"/>
+          <dgm:bulletEnabled val="1"/>
+        </dgm:presLayoutVars>
+      </dgm:prSet>
+      <dgm:spPr/>
+    </dgm:pt>
+    <dgm:pt modelId="{17C794FA-E2E9-4820-9D5A-9D3B8988BFBA}" type="pres">
+      <dgm:prSet presAssocID="{18D2779D-F6C6-43FF-AB2A-5DCAF97F0EC8}" presName="negativeSpace" presStyleCnt="0"/>
+      <dgm:spPr/>
+    </dgm:pt>
+    <dgm:pt modelId="{AB6EAF72-13E8-4271-ABB7-7B9289EE1006}" type="pres">
+      <dgm:prSet presAssocID="{18D2779D-F6C6-43FF-AB2A-5DCAF97F0EC8}" presName="childText" presStyleLbl="conFgAcc1" presStyleIdx="2" presStyleCnt="4">
+        <dgm:presLayoutVars>
+          <dgm:bulletEnabled val="1"/>
+        </dgm:presLayoutVars>
+      </dgm:prSet>
+      <dgm:spPr/>
+    </dgm:pt>
+    <dgm:pt modelId="{5FB65498-072D-42DD-A1AA-9F88D1ADA105}" type="pres">
+      <dgm:prSet presAssocID="{37D70F16-AAD1-41BD-AF89-696ED6563A77}" presName="spaceBetweenRectangles" presStyleCnt="0"/>
+      <dgm:spPr/>
+    </dgm:pt>
+    <dgm:pt modelId="{8976A5C4-1654-4DD1-900F-A67E738F4D2A}" type="pres">
+      <dgm:prSet presAssocID="{1CB4F6ED-6D6F-4DB5-87F2-DBA7D8A061AC}" presName="parentLin" presStyleCnt="0"/>
+      <dgm:spPr/>
+    </dgm:pt>
+    <dgm:pt modelId="{CC125AED-6B21-4029-A475-4C9F2D769676}" type="pres">
+      <dgm:prSet presAssocID="{1CB4F6ED-6D6F-4DB5-87F2-DBA7D8A061AC}" presName="parentLeftMargin" presStyleLbl="node1" presStyleIdx="2" presStyleCnt="4"/>
+      <dgm:spPr/>
+    </dgm:pt>
+    <dgm:pt modelId="{70501708-A4DA-4434-9D48-CB4BEFE849E7}" type="pres">
+      <dgm:prSet presAssocID="{1CB4F6ED-6D6F-4DB5-87F2-DBA7D8A061AC}" presName="parentText" presStyleLbl="node1" presStyleIdx="3" presStyleCnt="4">
+        <dgm:presLayoutVars>
+          <dgm:chMax val="0"/>
+          <dgm:bulletEnabled val="1"/>
+        </dgm:presLayoutVars>
+      </dgm:prSet>
+      <dgm:spPr/>
+    </dgm:pt>
+    <dgm:pt modelId="{F7311911-A4CC-470E-9844-406DB8DFCE3E}" type="pres">
+      <dgm:prSet presAssocID="{1CB4F6ED-6D6F-4DB5-87F2-DBA7D8A061AC}" presName="negativeSpace" presStyleCnt="0"/>
+      <dgm:spPr/>
+    </dgm:pt>
+    <dgm:pt modelId="{678C03A0-B931-4F44-A153-BB7FA5B478F7}" type="pres">
+      <dgm:prSet presAssocID="{1CB4F6ED-6D6F-4DB5-87F2-DBA7D8A061AC}" presName="childText" presStyleLbl="conFgAcc1" presStyleIdx="3" presStyleCnt="4">
+        <dgm:presLayoutVars>
+          <dgm:bulletEnabled val="1"/>
+        </dgm:presLayoutVars>
+      </dgm:prSet>
+      <dgm:spPr/>
+    </dgm:pt>
+  </dgm:ptLst>
+  <dgm:cxnLst>
+    <dgm:cxn modelId="{1D07F913-5447-405B-A74F-5D0B434FD180}" type="presOf" srcId="{F2BCBA5B-71DA-4353-BAA6-74F5804F2C64}" destId="{0BF6D99D-60F3-45B8-A137-EB5761581635}" srcOrd="0" destOrd="0" presId="urn:microsoft.com/office/officeart/2005/8/layout/list1"/>
+    <dgm:cxn modelId="{F2F3D814-8A79-42C4-BEB3-3855045F9D2F}" type="presOf" srcId="{A1056C05-777B-4DA7-B2BD-CBAC4BDC35D9}" destId="{D0EA76BC-F59E-4917-B621-7DCCE58D765A}" srcOrd="0" destOrd="0" presId="urn:microsoft.com/office/officeart/2005/8/layout/list1"/>
+    <dgm:cxn modelId="{4BC91E18-A45C-4B6A-9193-99F483B30B5B}" type="presOf" srcId="{18D2779D-F6C6-43FF-AB2A-5DCAF97F0EC8}" destId="{B6737261-AC44-4119-A792-C08C4D6722ED}" srcOrd="1" destOrd="0" presId="urn:microsoft.com/office/officeart/2005/8/layout/list1"/>
+    <dgm:cxn modelId="{57C2111B-AE0A-46E6-9A2E-B63CFE736ED1}" srcId="{249A04DA-4D2B-4BB4-91B2-9D58039F3432}" destId="{C73C557E-4725-4580-9954-8010D1C75281}" srcOrd="0" destOrd="0" parTransId="{6363BE29-0567-4DEF-B1C1-79E7DA174F40}" sibTransId="{CDA1005D-9BE9-4697-A17F-1CCC528D3659}"/>
+    <dgm:cxn modelId="{C4265536-7B2A-4215-9418-6B8BCCDF2971}" type="presOf" srcId="{C73C557E-4725-4580-9954-8010D1C75281}" destId="{081DAC4B-B47A-443F-A14D-E621746C835A}" srcOrd="0" destOrd="0" presId="urn:microsoft.com/office/officeart/2005/8/layout/list1"/>
+    <dgm:cxn modelId="{19F6F536-15BF-4750-8ACF-28B8975812E0}" srcId="{A1056C05-777B-4DA7-B2BD-CBAC4BDC35D9}" destId="{249A04DA-4D2B-4BB4-91B2-9D58039F3432}" srcOrd="0" destOrd="0" parTransId="{E654C0C2-1668-43C6-BEC4-A81DC8DD6D9F}" sibTransId="{5BCEF824-B3FF-46DE-A0F6-3A6E790A455F}"/>
+    <dgm:cxn modelId="{1F0A1937-DEB6-4FE9-9F56-1F66FA4B2A46}" srcId="{1CB4F6ED-6D6F-4DB5-87F2-DBA7D8A061AC}" destId="{69F225F2-5B50-4350-A59C-6F2C7964CC11}" srcOrd="0" destOrd="0" parTransId="{968208D5-4FA8-427F-903C-19D2A755F783}" sibTransId="{73DE19C9-3283-4D09-A16B-D9977FEEED4E}"/>
+    <dgm:cxn modelId="{5CB92740-1986-415E-95CF-58D42278551A}" type="presOf" srcId="{314FE184-1AEB-4528-A225-BABFBAD0ECDC}" destId="{90F80BFC-24B8-46E9-BA0F-5A694B77C7DE}" srcOrd="0" destOrd="0" presId="urn:microsoft.com/office/officeart/2005/8/layout/list1"/>
+    <dgm:cxn modelId="{9FF65B4D-86D3-4AEF-A63D-CF54707C1D1D}" type="presOf" srcId="{69F225F2-5B50-4350-A59C-6F2C7964CC11}" destId="{678C03A0-B931-4F44-A153-BB7FA5B478F7}" srcOrd="0" destOrd="0" presId="urn:microsoft.com/office/officeart/2005/8/layout/list1"/>
+    <dgm:cxn modelId="{8B744181-F530-4FE0-AABF-4AE901F3D44D}" srcId="{A1056C05-777B-4DA7-B2BD-CBAC4BDC35D9}" destId="{1CB4F6ED-6D6F-4DB5-87F2-DBA7D8A061AC}" srcOrd="3" destOrd="0" parTransId="{985E8AF3-F6F1-4A5A-8C62-FEC435496BAA}" sibTransId="{D9294331-29E5-4DAA-B7FA-1237CAE5C247}"/>
+    <dgm:cxn modelId="{BEF47A84-C1C2-4CFD-B8E7-A4945CD6963E}" type="presOf" srcId="{1CB4F6ED-6D6F-4DB5-87F2-DBA7D8A061AC}" destId="{70501708-A4DA-4434-9D48-CB4BEFE849E7}" srcOrd="1" destOrd="0" presId="urn:microsoft.com/office/officeart/2005/8/layout/list1"/>
+    <dgm:cxn modelId="{61C2E184-489D-41A9-A22B-80C8D1E2B5CD}" type="presOf" srcId="{18D2779D-F6C6-43FF-AB2A-5DCAF97F0EC8}" destId="{0D5DFA58-9415-4F6D-A49B-99C27C8396D6}" srcOrd="0" destOrd="0" presId="urn:microsoft.com/office/officeart/2005/8/layout/list1"/>
+    <dgm:cxn modelId="{E75E06C0-50FA-434F-8310-E36D9C7ADE74}" type="presOf" srcId="{249A04DA-4D2B-4BB4-91B2-9D58039F3432}" destId="{50686B2A-C421-4020-814A-13C3459B8CE0}" srcOrd="1" destOrd="0" presId="urn:microsoft.com/office/officeart/2005/8/layout/list1"/>
+    <dgm:cxn modelId="{8E1365C2-E52D-4DEC-B41B-92B700754480}" srcId="{18D2779D-F6C6-43FF-AB2A-5DCAF97F0EC8}" destId="{1C3105BF-893C-42FC-8213-1699F2A92379}" srcOrd="0" destOrd="0" parTransId="{0133DD37-44CE-4815-B570-5AE6E764497B}" sibTransId="{026FFEB5-657E-42C2-80B5-4297573E6916}"/>
+    <dgm:cxn modelId="{1390DEC2-85CC-4C39-BE18-DB950FEB43EF}" srcId="{A1056C05-777B-4DA7-B2BD-CBAC4BDC35D9}" destId="{F2BCBA5B-71DA-4353-BAA6-74F5804F2C64}" srcOrd="1" destOrd="0" parTransId="{C61C99FA-3ADE-4E25-8A78-2668306ABE15}" sibTransId="{9E06FD39-A0E1-4691-B015-713D3529E19F}"/>
+    <dgm:cxn modelId="{08F850CF-0601-410E-9353-E1028C80B10A}" srcId="{F2BCBA5B-71DA-4353-BAA6-74F5804F2C64}" destId="{314FE184-1AEB-4528-A225-BABFBAD0ECDC}" srcOrd="0" destOrd="0" parTransId="{5B587769-3702-4852-898D-9F1002089E99}" sibTransId="{675C7885-1572-43F0-AE04-C9195FEB86C2}"/>
+    <dgm:cxn modelId="{42020AD8-BD98-4DA8-9D40-B5101202AB5D}" type="presOf" srcId="{1CB4F6ED-6D6F-4DB5-87F2-DBA7D8A061AC}" destId="{CC125AED-6B21-4029-A475-4C9F2D769676}" srcOrd="0" destOrd="0" presId="urn:microsoft.com/office/officeart/2005/8/layout/list1"/>
+    <dgm:cxn modelId="{D2A0AFD8-E651-4F51-B1F2-1578C5DAACFC}" srcId="{A1056C05-777B-4DA7-B2BD-CBAC4BDC35D9}" destId="{18D2779D-F6C6-43FF-AB2A-5DCAF97F0EC8}" srcOrd="2" destOrd="0" parTransId="{A07F2116-35EF-469F-BFFB-BBFB5C3691F8}" sibTransId="{37D70F16-AAD1-41BD-AF89-696ED6563A77}"/>
+    <dgm:cxn modelId="{E66F25DF-76A1-4093-9992-2F3970B28947}" type="presOf" srcId="{1C3105BF-893C-42FC-8213-1699F2A92379}" destId="{AB6EAF72-13E8-4271-ABB7-7B9289EE1006}" srcOrd="0" destOrd="0" presId="urn:microsoft.com/office/officeart/2005/8/layout/list1"/>
+    <dgm:cxn modelId="{C628CDDF-16C3-437E-AFD2-3C5730EADF7D}" type="presOf" srcId="{249A04DA-4D2B-4BB4-91B2-9D58039F3432}" destId="{AF2E6AA2-EC7E-4E7B-9B7B-0249B5075749}" srcOrd="0" destOrd="0" presId="urn:microsoft.com/office/officeart/2005/8/layout/list1"/>
+    <dgm:cxn modelId="{30C5BEF3-A4D2-4395-9294-4D1706F7519B}" type="presOf" srcId="{F2BCBA5B-71DA-4353-BAA6-74F5804F2C64}" destId="{4A30E9E0-B22A-4279-A38B-27336C87C45A}" srcOrd="1" destOrd="0" presId="urn:microsoft.com/office/officeart/2005/8/layout/list1"/>
+    <dgm:cxn modelId="{6EACFB1C-7CA1-41E1-95BB-6A3E961649D2}" type="presParOf" srcId="{D0EA76BC-F59E-4917-B621-7DCCE58D765A}" destId="{3599E524-8443-49C1-9AF4-AA5AC3919E8F}" srcOrd="0" destOrd="0" presId="urn:microsoft.com/office/officeart/2005/8/layout/list1"/>
+    <dgm:cxn modelId="{DE22BF65-A101-46FE-8958-0227E4A71AFB}" type="presParOf" srcId="{3599E524-8443-49C1-9AF4-AA5AC3919E8F}" destId="{AF2E6AA2-EC7E-4E7B-9B7B-0249B5075749}" srcOrd="0" destOrd="0" presId="urn:microsoft.com/office/officeart/2005/8/layout/list1"/>
+    <dgm:cxn modelId="{B40E9E11-2A60-4777-BB64-41D2C92ED363}" type="presParOf" srcId="{3599E524-8443-49C1-9AF4-AA5AC3919E8F}" destId="{50686B2A-C421-4020-814A-13C3459B8CE0}" srcOrd="1" destOrd="0" presId="urn:microsoft.com/office/officeart/2005/8/layout/list1"/>
+    <dgm:cxn modelId="{780B7A36-2B23-419E-B29E-B576CAEEFCFD}" type="presParOf" srcId="{D0EA76BC-F59E-4917-B621-7DCCE58D765A}" destId="{AFB08982-4367-49A7-97EB-085A22A813B0}" srcOrd="1" destOrd="0" presId="urn:microsoft.com/office/officeart/2005/8/layout/list1"/>
+    <dgm:cxn modelId="{FEB8ADA0-1633-44A0-A442-0C761AAD9CB9}" type="presParOf" srcId="{D0EA76BC-F59E-4917-B621-7DCCE58D765A}" destId="{081DAC4B-B47A-443F-A14D-E621746C835A}" srcOrd="2" destOrd="0" presId="urn:microsoft.com/office/officeart/2005/8/layout/list1"/>
+    <dgm:cxn modelId="{04F00086-961F-4B4D-8499-F1E29ADCEB1F}" type="presParOf" srcId="{D0EA76BC-F59E-4917-B621-7DCCE58D765A}" destId="{4AB3F984-4BB3-4730-AD91-008B86C4175B}" srcOrd="3" destOrd="0" presId="urn:microsoft.com/office/officeart/2005/8/layout/list1"/>
+    <dgm:cxn modelId="{F13768A7-CBFD-490D-8B37-39F8834A7F29}" type="presParOf" srcId="{D0EA76BC-F59E-4917-B621-7DCCE58D765A}" destId="{46E1A921-C7EA-43F7-BA81-DF3620138F60}" srcOrd="4" destOrd="0" presId="urn:microsoft.com/office/officeart/2005/8/layout/list1"/>
+    <dgm:cxn modelId="{3ADE7FBB-00FE-4437-A365-8037B0E980BC}" type="presParOf" srcId="{46E1A921-C7EA-43F7-BA81-DF3620138F60}" destId="{0BF6D99D-60F3-45B8-A137-EB5761581635}" srcOrd="0" destOrd="0" presId="urn:microsoft.com/office/officeart/2005/8/layout/list1"/>
+    <dgm:cxn modelId="{E8741A47-F34B-4A94-B3FF-D21370F02DED}" type="presParOf" srcId="{46E1A921-C7EA-43F7-BA81-DF3620138F60}" destId="{4A30E9E0-B22A-4279-A38B-27336C87C45A}" srcOrd="1" destOrd="0" presId="urn:microsoft.com/office/officeart/2005/8/layout/list1"/>
+    <dgm:cxn modelId="{FAD43DEC-3F31-4E45-9BBB-B427C8F243CF}" type="presParOf" srcId="{D0EA76BC-F59E-4917-B621-7DCCE58D765A}" destId="{23CA0E9B-2005-4C6D-A8AF-11EDD54A1E6F}" srcOrd="5" destOrd="0" presId="urn:microsoft.com/office/officeart/2005/8/layout/list1"/>
+    <dgm:cxn modelId="{F3E3AC20-4C28-4613-94F8-BC1F0A8992AF}" type="presParOf" srcId="{D0EA76BC-F59E-4917-B621-7DCCE58D765A}" destId="{90F80BFC-24B8-46E9-BA0F-5A694B77C7DE}" srcOrd="6" destOrd="0" presId="urn:microsoft.com/office/officeart/2005/8/layout/list1"/>
+    <dgm:cxn modelId="{E4CE48B2-8C6C-4864-B9E0-A079A326DBB6}" type="presParOf" srcId="{D0EA76BC-F59E-4917-B621-7DCCE58D765A}" destId="{1E7B9300-7669-40FC-A8EE-F18167553812}" srcOrd="7" destOrd="0" presId="urn:microsoft.com/office/officeart/2005/8/layout/list1"/>
+    <dgm:cxn modelId="{B2D5FCC4-792B-4DB2-941F-BA794F72768C}" type="presParOf" srcId="{D0EA76BC-F59E-4917-B621-7DCCE58D765A}" destId="{02C6BE61-6438-4D49-80B9-9562DCFF3CB4}" srcOrd="8" destOrd="0" presId="urn:microsoft.com/office/officeart/2005/8/layout/list1"/>
+    <dgm:cxn modelId="{32D26F46-1DCD-48B6-B050-70C3C8ECA4E1}" type="presParOf" srcId="{02C6BE61-6438-4D49-80B9-9562DCFF3CB4}" destId="{0D5DFA58-9415-4F6D-A49B-99C27C8396D6}" srcOrd="0" destOrd="0" presId="urn:microsoft.com/office/officeart/2005/8/layout/list1"/>
+    <dgm:cxn modelId="{2FA4F24C-7FDF-4BF9-B2CD-CAA1841079B2}" type="presParOf" srcId="{02C6BE61-6438-4D49-80B9-9562DCFF3CB4}" destId="{B6737261-AC44-4119-A792-C08C4D6722ED}" srcOrd="1" destOrd="0" presId="urn:microsoft.com/office/officeart/2005/8/layout/list1"/>
+    <dgm:cxn modelId="{7FBB1945-A13E-49ED-B3E6-42B9129CFA74}" type="presParOf" srcId="{D0EA76BC-F59E-4917-B621-7DCCE58D765A}" destId="{17C794FA-E2E9-4820-9D5A-9D3B8988BFBA}" srcOrd="9" destOrd="0" presId="urn:microsoft.com/office/officeart/2005/8/layout/list1"/>
+    <dgm:cxn modelId="{A9811D67-B3B1-4A60-A7D1-D14A890723E9}" type="presParOf" srcId="{D0EA76BC-F59E-4917-B621-7DCCE58D765A}" destId="{AB6EAF72-13E8-4271-ABB7-7B9289EE1006}" srcOrd="10" destOrd="0" presId="urn:microsoft.com/office/officeart/2005/8/layout/list1"/>
+    <dgm:cxn modelId="{C8706C6D-523B-4BE4-A0FD-5B3E38818460}" type="presParOf" srcId="{D0EA76BC-F59E-4917-B621-7DCCE58D765A}" destId="{5FB65498-072D-42DD-A1AA-9F88D1ADA105}" srcOrd="11" destOrd="0" presId="urn:microsoft.com/office/officeart/2005/8/layout/list1"/>
+    <dgm:cxn modelId="{8FE68F4E-B7C0-46E1-A0AC-582724E25613}" type="presParOf" srcId="{D0EA76BC-F59E-4917-B621-7DCCE58D765A}" destId="{8976A5C4-1654-4DD1-900F-A67E738F4D2A}" srcOrd="12" destOrd="0" presId="urn:microsoft.com/office/officeart/2005/8/layout/list1"/>
+    <dgm:cxn modelId="{E9405BE1-D89E-4576-9235-1E885774D9C7}" type="presParOf" srcId="{8976A5C4-1654-4DD1-900F-A67E738F4D2A}" destId="{CC125AED-6B21-4029-A475-4C9F2D769676}" srcOrd="0" destOrd="0" presId="urn:microsoft.com/office/officeart/2005/8/layout/list1"/>
+    <dgm:cxn modelId="{92F27BE9-772A-42D1-8DEB-C4D8C6B310D8}" type="presParOf" srcId="{8976A5C4-1654-4DD1-900F-A67E738F4D2A}" destId="{70501708-A4DA-4434-9D48-CB4BEFE849E7}" srcOrd="1" destOrd="0" presId="urn:microsoft.com/office/officeart/2005/8/layout/list1"/>
+    <dgm:cxn modelId="{0DB61E37-638C-4B26-BE7E-DA99AD0D7A62}" type="presParOf" srcId="{D0EA76BC-F59E-4917-B621-7DCCE58D765A}" destId="{F7311911-A4CC-470E-9844-406DB8DFCE3E}" srcOrd="13" destOrd="0" presId="urn:microsoft.com/office/officeart/2005/8/layout/list1"/>
+    <dgm:cxn modelId="{4308CA91-C0DA-4412-AC55-831405C686D7}" type="presParOf" srcId="{D0EA76BC-F59E-4917-B621-7DCCE58D765A}" destId="{678C03A0-B931-4F44-A153-BB7FA5B478F7}" srcOrd="14" destOrd="0" presId="urn:microsoft.com/office/officeart/2005/8/layout/list1"/>
+  </dgm:cxnLst>
+  <dgm:bg/>
+  <dgm:whole/>
+  <dgm:extLst>
+    <a:ext uri="http://schemas.microsoft.com/office/drawing/2008/diagram">
+      <dsp:dataModelExt xmlns:dsp="http://schemas.microsoft.com/office/drawing/2008/diagram" relId="rId6" minVer="http://schemas.openxmlformats.org/drawingml/2006/diagram"/>
+    </a:ext>
+  </dgm:extLst>
+</dgm:dataModel>
+</file>
+
+<file path=ppt/diagrams/data2.xml><?xml version="1.0" encoding="utf-8"?>
+<dgm:dataModel xmlns:dgm="http://schemas.openxmlformats.org/drawingml/2006/diagram" xmlns:a="http://schemas.openxmlformats.org/drawingml/2006/main">
+  <dgm:ptLst>
+    <dgm:pt modelId="{DDA1709C-F92C-4CCD-AE94-D83A4153D7BB}" type="doc">
+      <dgm:prSet loTypeId="urn:microsoft.com/office/officeart/2005/8/layout/hList1" loCatId="list" qsTypeId="urn:microsoft.com/office/officeart/2005/8/quickstyle/simple1" qsCatId="simple" csTypeId="urn:microsoft.com/office/officeart/2005/8/colors/accent1_2" csCatId="accent1" phldr="1"/>
+      <dgm:spPr/>
+      <dgm:t>
+        <a:bodyPr/>
+        <a:lstStyle/>
+        <a:p>
+          <a:endParaRPr lang="en-GB"/>
+        </a:p>
+      </dgm:t>
+    </dgm:pt>
+    <dgm:pt modelId="{E1CB76CF-8E6B-4BD7-AE69-CA88D36F7D95}">
+      <dgm:prSet phldrT="[Text]"/>
+      <dgm:spPr>
+        <a:noFill/>
+        <a:ln>
+          <a:solidFill>
+            <a:schemeClr val="accent1"/>
+          </a:solidFill>
+        </a:ln>
+      </dgm:spPr>
+      <dgm:t>
+        <a:bodyPr/>
+        <a:lstStyle/>
+        <a:p>
+          <a:r>
+            <a:rPr lang="en-GB" dirty="0">
+              <a:solidFill>
+                <a:sysClr val="windowText" lastClr="000000"/>
+              </a:solidFill>
+            </a:rPr>
+            <a:t>Tightly Coupled</a:t>
+          </a:r>
+        </a:p>
+      </dgm:t>
+    </dgm:pt>
+    <dgm:pt modelId="{954AC2BB-9C7A-4472-AB8F-6DAC7C2BCC1D}" type="parTrans" cxnId="{C14B5CE2-69A6-4CE4-9662-667C69098125}">
+      <dgm:prSet/>
+      <dgm:spPr/>
+      <dgm:t>
+        <a:bodyPr/>
+        <a:lstStyle/>
+        <a:p>
+          <a:endParaRPr lang="en-GB"/>
+        </a:p>
+      </dgm:t>
+    </dgm:pt>
+    <dgm:pt modelId="{B8DE3829-F2B7-4F58-8947-C7216781FA6D}" type="sibTrans" cxnId="{C14B5CE2-69A6-4CE4-9662-667C69098125}">
+      <dgm:prSet/>
+      <dgm:spPr/>
+      <dgm:t>
+        <a:bodyPr/>
+        <a:lstStyle/>
+        <a:p>
+          <a:endParaRPr lang="en-GB"/>
+        </a:p>
+      </dgm:t>
+    </dgm:pt>
+    <dgm:pt modelId="{B0C19921-18AA-4CED-81DD-3DB37C9C9076}">
+      <dgm:prSet phldrT="[Text]"/>
+      <dgm:spPr>
+        <a:noFill/>
+        <a:ln>
+          <a:solidFill>
+            <a:schemeClr val="accent1"/>
+          </a:solidFill>
+        </a:ln>
+      </dgm:spPr>
+      <dgm:t>
+        <a:bodyPr/>
+        <a:lstStyle/>
+        <a:p>
+          <a:r>
+            <a:rPr lang="en-GB" dirty="0">
+              <a:solidFill>
+                <a:sysClr val="windowText" lastClr="000000"/>
+              </a:solidFill>
+            </a:rPr>
+            <a:t>Loosely Coupled</a:t>
+          </a:r>
+        </a:p>
+      </dgm:t>
+    </dgm:pt>
+    <dgm:pt modelId="{5FE8E8FF-EE36-448F-AFD6-5E88838CD7BB}" type="parTrans" cxnId="{041514F3-5790-4A68-8536-277FB9E8B4DB}">
+      <dgm:prSet/>
+      <dgm:spPr/>
+      <dgm:t>
+        <a:bodyPr/>
+        <a:lstStyle/>
+        <a:p>
+          <a:endParaRPr lang="en-GB"/>
+        </a:p>
+      </dgm:t>
+    </dgm:pt>
+    <dgm:pt modelId="{DEB2E2FE-474B-4884-92E2-1BAAFF5D0C20}" type="sibTrans" cxnId="{041514F3-5790-4A68-8536-277FB9E8B4DB}">
+      <dgm:prSet/>
+      <dgm:spPr/>
+      <dgm:t>
+        <a:bodyPr/>
+        <a:lstStyle/>
+        <a:p>
+          <a:endParaRPr lang="en-GB"/>
+        </a:p>
+      </dgm:t>
+    </dgm:pt>
+    <dgm:pt modelId="{0404EE0F-EF33-43BE-A7B5-D748589CF01E}">
+      <dgm:prSet phldrT="[Text]"/>
+      <dgm:spPr/>
+      <dgm:t>
+        <a:bodyPr/>
+        <a:lstStyle/>
+        <a:p>
+          <a:r>
+            <a:rPr lang="en-GB" dirty="0"/>
+            <a:t>Changes are small</a:t>
+          </a:r>
+        </a:p>
+      </dgm:t>
+    </dgm:pt>
+    <dgm:pt modelId="{66BC6BEB-0BB1-41DD-97DB-9F592F16CD43}" type="parTrans" cxnId="{A0AE9086-C4E9-4A43-8322-DE11D9F09028}">
+      <dgm:prSet/>
+      <dgm:spPr/>
+      <dgm:t>
+        <a:bodyPr/>
+        <a:lstStyle/>
+        <a:p>
+          <a:endParaRPr lang="en-GB"/>
+        </a:p>
+      </dgm:t>
+    </dgm:pt>
+    <dgm:pt modelId="{E85FE05B-E776-4EF3-AD35-B2EFC55CCB07}" type="sibTrans" cxnId="{A0AE9086-C4E9-4A43-8322-DE11D9F09028}">
+      <dgm:prSet/>
+      <dgm:spPr/>
+      <dgm:t>
+        <a:bodyPr/>
+        <a:lstStyle/>
+        <a:p>
+          <a:endParaRPr lang="en-GB"/>
+        </a:p>
+      </dgm:t>
+    </dgm:pt>
+    <dgm:pt modelId="{5C0F9109-A261-48C2-8F9C-E936C807A893}">
+      <dgm:prSet phldrT="[Text]"/>
+      <dgm:spPr/>
+      <dgm:t>
+        <a:bodyPr/>
+        <a:lstStyle/>
+        <a:p>
+          <a:r>
+            <a:rPr lang="en-GB" dirty="0"/>
+            <a:t>Changes are big</a:t>
+          </a:r>
+        </a:p>
+      </dgm:t>
+    </dgm:pt>
+    <dgm:pt modelId="{196F0BEF-BFDC-4AD0-A37D-32A40D3C9B71}" type="parTrans" cxnId="{DF070CBA-0DF1-4BE0-98ED-A3F7964C9D13}">
+      <dgm:prSet/>
+      <dgm:spPr/>
+      <dgm:t>
+        <a:bodyPr/>
+        <a:lstStyle/>
+        <a:p>
+          <a:endParaRPr lang="en-GB"/>
+        </a:p>
+      </dgm:t>
+    </dgm:pt>
+    <dgm:pt modelId="{5C51BF0A-6B65-408A-94CE-AD55764D1F0F}" type="sibTrans" cxnId="{DF070CBA-0DF1-4BE0-98ED-A3F7964C9D13}">
+      <dgm:prSet/>
+      <dgm:spPr/>
+      <dgm:t>
+        <a:bodyPr/>
+        <a:lstStyle/>
+        <a:p>
+          <a:endParaRPr lang="en-GB"/>
+        </a:p>
+      </dgm:t>
+    </dgm:pt>
+    <dgm:pt modelId="{1AB1CE10-D74F-4A55-BCC6-6D87E7272453}">
+      <dgm:prSet phldrT="[Text]"/>
+      <dgm:spPr/>
+      <dgm:t>
+        <a:bodyPr/>
+        <a:lstStyle/>
+        <a:p>
+          <a:r>
+            <a:rPr lang="en-GB" dirty="0"/>
+            <a:t>Hard to experiment</a:t>
+          </a:r>
+        </a:p>
+      </dgm:t>
+    </dgm:pt>
+    <dgm:pt modelId="{558575AE-BA4C-4E66-AAF4-A96CEB59B41C}" type="parTrans" cxnId="{391983D9-7816-42A3-B292-20FC06E6CA19}">
+      <dgm:prSet/>
+      <dgm:spPr/>
+      <dgm:t>
+        <a:bodyPr/>
+        <a:lstStyle/>
+        <a:p>
+          <a:endParaRPr lang="en-GB"/>
+        </a:p>
+      </dgm:t>
+    </dgm:pt>
+    <dgm:pt modelId="{D2A65077-6C52-4DFA-943C-7C368B23071E}" type="sibTrans" cxnId="{391983D9-7816-42A3-B292-20FC06E6CA19}">
+      <dgm:prSet/>
+      <dgm:spPr/>
+      <dgm:t>
+        <a:bodyPr/>
+        <a:lstStyle/>
+        <a:p>
+          <a:endParaRPr lang="en-GB"/>
+        </a:p>
+      </dgm:t>
+    </dgm:pt>
+    <dgm:pt modelId="{E3DDD090-FFFB-406A-BEC7-6CE488500F61}">
+      <dgm:prSet phldrT="[Text]"/>
+      <dgm:spPr/>
+      <dgm:t>
+        <a:bodyPr/>
+        <a:lstStyle/>
+        <a:p>
+          <a:r>
+            <a:rPr lang="en-GB" dirty="0"/>
+            <a:t>Experimentation is easy</a:t>
+          </a:r>
+        </a:p>
+      </dgm:t>
+    </dgm:pt>
+    <dgm:pt modelId="{1015B2AA-F446-49D4-8EA7-C904D952E4A6}" type="parTrans" cxnId="{6F04396D-EAE6-4074-91C3-F9F260A0406F}">
+      <dgm:prSet/>
+      <dgm:spPr/>
+      <dgm:t>
+        <a:bodyPr/>
+        <a:lstStyle/>
+        <a:p>
+          <a:endParaRPr lang="en-GB"/>
+        </a:p>
+      </dgm:t>
+    </dgm:pt>
+    <dgm:pt modelId="{6840E3EE-E20B-4F31-8374-863E2B60167A}" type="sibTrans" cxnId="{6F04396D-EAE6-4074-91C3-F9F260A0406F}">
+      <dgm:prSet/>
+      <dgm:spPr/>
+      <dgm:t>
+        <a:bodyPr/>
+        <a:lstStyle/>
+        <a:p>
+          <a:endParaRPr lang="en-GB"/>
+        </a:p>
+      </dgm:t>
+    </dgm:pt>
+    <dgm:pt modelId="{B4AA7DA4-91B5-434E-A157-0F4B8133E82A}">
+      <dgm:prSet phldrT="[Text]"/>
+      <dgm:spPr/>
+      <dgm:t>
+        <a:bodyPr/>
+        <a:lstStyle/>
+        <a:p>
+          <a:r>
+            <a:rPr lang="en-GB" dirty="0"/>
+            <a:t>Evolution is resisted</a:t>
+          </a:r>
+        </a:p>
+      </dgm:t>
+    </dgm:pt>
+    <dgm:pt modelId="{57F7329E-3B52-4710-B524-D41F8B3E3C34}" type="parTrans" cxnId="{09A79BBC-3350-4D26-854F-9F354BDF75EE}">
+      <dgm:prSet/>
+      <dgm:spPr/>
+      <dgm:t>
+        <a:bodyPr/>
+        <a:lstStyle/>
+        <a:p>
+          <a:endParaRPr lang="en-GB"/>
+        </a:p>
+      </dgm:t>
+    </dgm:pt>
+    <dgm:pt modelId="{5683CCA4-D543-4BE6-8A19-D2B0310D7125}" type="sibTrans" cxnId="{09A79BBC-3350-4D26-854F-9F354BDF75EE}">
+      <dgm:prSet/>
+      <dgm:spPr/>
+      <dgm:t>
+        <a:bodyPr/>
+        <a:lstStyle/>
+        <a:p>
+          <a:endParaRPr lang="en-GB"/>
+        </a:p>
+      </dgm:t>
+    </dgm:pt>
+    <dgm:pt modelId="{D83ACD6F-7410-499B-822A-F046983E1D97}">
+      <dgm:prSet phldrT="[Text]"/>
+      <dgm:spPr/>
+      <dgm:t>
+        <a:bodyPr/>
+        <a:lstStyle/>
+        <a:p>
+          <a:r>
+            <a:rPr lang="en-GB" dirty="0"/>
+            <a:t>Evolution is natural</a:t>
+          </a:r>
+        </a:p>
+      </dgm:t>
+    </dgm:pt>
+    <dgm:pt modelId="{18628A3E-5890-4911-9EAF-17A14E43928C}" type="parTrans" cxnId="{4C394F4C-FCAF-467A-ACA8-762869A267D5}">
+      <dgm:prSet/>
+      <dgm:spPr/>
+      <dgm:t>
+        <a:bodyPr/>
+        <a:lstStyle/>
+        <a:p>
+          <a:endParaRPr lang="en-GB"/>
+        </a:p>
+      </dgm:t>
+    </dgm:pt>
+    <dgm:pt modelId="{948B91F7-5803-43DA-B937-F4DD55F36599}" type="sibTrans" cxnId="{4C394F4C-FCAF-467A-ACA8-762869A267D5}">
+      <dgm:prSet/>
+      <dgm:spPr/>
+      <dgm:t>
+        <a:bodyPr/>
+        <a:lstStyle/>
+        <a:p>
+          <a:endParaRPr lang="en-GB"/>
+        </a:p>
+      </dgm:t>
+    </dgm:pt>
+    <dgm:pt modelId="{3D4F6243-2687-41E7-A086-DB0316090301}">
+      <dgm:prSet phldrT="[Text]"/>
+      <dgm:spPr/>
+      <dgm:t>
+        <a:bodyPr/>
+        <a:lstStyle/>
+        <a:p>
+          <a:r>
+            <a:rPr lang="en-GB" dirty="0"/>
+            <a:t>Costs is built in</a:t>
+          </a:r>
+        </a:p>
+      </dgm:t>
+    </dgm:pt>
+    <dgm:pt modelId="{A95AD8A7-D850-4A85-B1FA-3E874D4B6FFD}" type="parTrans" cxnId="{853C478C-7E64-4C76-A6E5-DA186564164D}">
+      <dgm:prSet/>
+      <dgm:spPr/>
+      <dgm:t>
+        <a:bodyPr/>
+        <a:lstStyle/>
+        <a:p>
+          <a:endParaRPr lang="en-GB"/>
+        </a:p>
+      </dgm:t>
+    </dgm:pt>
+    <dgm:pt modelId="{40CB041A-3F6D-4176-AC31-D4C964AC0B51}" type="sibTrans" cxnId="{853C478C-7E64-4C76-A6E5-DA186564164D}">
+      <dgm:prSet/>
+      <dgm:spPr/>
+      <dgm:t>
+        <a:bodyPr/>
+        <a:lstStyle/>
+        <a:p>
+          <a:endParaRPr lang="en-GB"/>
+        </a:p>
+      </dgm:t>
+    </dgm:pt>
+    <dgm:pt modelId="{CF9C549A-F240-4397-964B-EEDCAC4B7F3B}">
+      <dgm:prSet phldrT="[Text]"/>
+      <dgm:spPr/>
+      <dgm:t>
+        <a:bodyPr/>
+        <a:lstStyle/>
+        <a:p>
+          <a:r>
+            <a:rPr lang="en-GB" dirty="0"/>
+            <a:t>Cost is easier to optimise</a:t>
+          </a:r>
+        </a:p>
+      </dgm:t>
+    </dgm:pt>
+    <dgm:pt modelId="{17547E8E-0B81-4D59-99C4-FA2E6C439776}" type="parTrans" cxnId="{43B9756E-79AF-49EC-B63A-F948BFC61FA0}">
+      <dgm:prSet/>
+      <dgm:spPr/>
+      <dgm:t>
+        <a:bodyPr/>
+        <a:lstStyle/>
+        <a:p>
+          <a:endParaRPr lang="en-GB"/>
+        </a:p>
+      </dgm:t>
+    </dgm:pt>
+    <dgm:pt modelId="{7EE7F489-7A23-4E18-8123-A1ED09F87518}" type="sibTrans" cxnId="{43B9756E-79AF-49EC-B63A-F948BFC61FA0}">
+      <dgm:prSet/>
+      <dgm:spPr/>
+      <dgm:t>
+        <a:bodyPr/>
+        <a:lstStyle/>
+        <a:p>
+          <a:endParaRPr lang="en-GB"/>
+        </a:p>
+      </dgm:t>
+    </dgm:pt>
+    <dgm:pt modelId="{ADF6C777-F36D-4710-9F6C-1F85794E1341}">
+      <dgm:prSet phldrT="[Text]"/>
+      <dgm:spPr/>
+      <dgm:t>
+        <a:bodyPr/>
+        <a:lstStyle/>
+        <a:p>
+          <a:r>
+            <a:rPr lang="en-GB" dirty="0"/>
+            <a:t>On-prem design patterns</a:t>
+          </a:r>
+        </a:p>
+      </dgm:t>
+    </dgm:pt>
+    <dgm:pt modelId="{6D4B46B5-1B6F-45A7-91F3-57729462FCED}" type="parTrans" cxnId="{ABEAE14F-434D-4ED5-A604-21078C84EB38}">
+      <dgm:prSet/>
+      <dgm:spPr/>
+      <dgm:t>
+        <a:bodyPr/>
+        <a:lstStyle/>
+        <a:p>
+          <a:endParaRPr lang="en-GB"/>
+        </a:p>
+      </dgm:t>
+    </dgm:pt>
+    <dgm:pt modelId="{C03BB300-AC94-4C97-82A7-21D89D53755E}" type="sibTrans" cxnId="{ABEAE14F-434D-4ED5-A604-21078C84EB38}">
+      <dgm:prSet/>
+      <dgm:spPr/>
+      <dgm:t>
+        <a:bodyPr/>
+        <a:lstStyle/>
+        <a:p>
+          <a:endParaRPr lang="en-GB"/>
+        </a:p>
+      </dgm:t>
+    </dgm:pt>
+    <dgm:pt modelId="{278FCC98-949C-40A7-8071-0432D82CF860}">
+      <dgm:prSet phldrT="[Text]"/>
+      <dgm:spPr/>
+      <dgm:t>
+        <a:bodyPr/>
+        <a:lstStyle/>
+        <a:p>
+          <a:r>
+            <a:rPr lang="en-GB" dirty="0"/>
+            <a:t>Cloud design patterns</a:t>
+          </a:r>
+        </a:p>
+      </dgm:t>
+    </dgm:pt>
+    <dgm:pt modelId="{1507CA3A-6711-440B-B064-3A3C5714BA5F}" type="parTrans" cxnId="{A0D66ACA-FECD-4017-98D2-435226E3E5EE}">
+      <dgm:prSet/>
+      <dgm:spPr/>
+      <dgm:t>
+        <a:bodyPr/>
+        <a:lstStyle/>
+        <a:p>
+          <a:endParaRPr lang="en-GB"/>
+        </a:p>
+      </dgm:t>
+    </dgm:pt>
+    <dgm:pt modelId="{D0E137E5-2199-4EE7-BEB4-70762E944CB9}" type="sibTrans" cxnId="{A0D66ACA-FECD-4017-98D2-435226E3E5EE}">
+      <dgm:prSet/>
+      <dgm:spPr/>
+      <dgm:t>
+        <a:bodyPr/>
+        <a:lstStyle/>
+        <a:p>
+          <a:endParaRPr lang="en-GB"/>
+        </a:p>
+      </dgm:t>
+    </dgm:pt>
+    <dgm:pt modelId="{8DDF98E3-67E9-4644-A8CC-48191AD02EA9}">
+      <dgm:prSet phldrT="[Text]"/>
+      <dgm:spPr/>
+      <dgm:t>
+        <a:bodyPr/>
+        <a:lstStyle/>
+        <a:p>
+          <a:r>
+            <a:rPr lang="en-GB" dirty="0"/>
+            <a:t>Solution scales together</a:t>
+          </a:r>
+        </a:p>
+      </dgm:t>
+    </dgm:pt>
+    <dgm:pt modelId="{4C74C141-54BC-4351-95E7-21E2B7F83343}" type="parTrans" cxnId="{92C7ED6E-21DE-442F-9B4F-44EDB8CE2155}">
+      <dgm:prSet/>
+      <dgm:spPr/>
+      <dgm:t>
+        <a:bodyPr/>
+        <a:lstStyle/>
+        <a:p>
+          <a:endParaRPr lang="en-GB"/>
+        </a:p>
+      </dgm:t>
+    </dgm:pt>
+    <dgm:pt modelId="{2881EB56-A1D3-41D5-8580-3E4903091B2D}" type="sibTrans" cxnId="{92C7ED6E-21DE-442F-9B4F-44EDB8CE2155}">
+      <dgm:prSet/>
+      <dgm:spPr/>
+      <dgm:t>
+        <a:bodyPr/>
+        <a:lstStyle/>
+        <a:p>
+          <a:endParaRPr lang="en-GB"/>
+        </a:p>
+      </dgm:t>
+    </dgm:pt>
+    <dgm:pt modelId="{D3658653-7113-4A47-84E1-FB946D50F2E3}">
+      <dgm:prSet phldrT="[Text]"/>
+      <dgm:spPr/>
+      <dgm:t>
+        <a:bodyPr/>
+        <a:lstStyle/>
+        <a:p>
+          <a:r>
+            <a:rPr lang="en-GB" dirty="0"/>
+            <a:t>Components scale independently</a:t>
+          </a:r>
+        </a:p>
+      </dgm:t>
+    </dgm:pt>
+    <dgm:pt modelId="{789CDC94-1734-4EB4-8FD4-294F207E8522}" type="parTrans" cxnId="{797CF0E8-AF47-48DF-9692-417D4EF528D9}">
+      <dgm:prSet/>
+      <dgm:spPr/>
+      <dgm:t>
+        <a:bodyPr/>
+        <a:lstStyle/>
+        <a:p>
+          <a:endParaRPr lang="en-GB"/>
+        </a:p>
+      </dgm:t>
+    </dgm:pt>
+    <dgm:pt modelId="{489453FC-C1F6-4CC4-9C31-9240BD7323EE}" type="sibTrans" cxnId="{797CF0E8-AF47-48DF-9692-417D4EF528D9}">
+      <dgm:prSet/>
+      <dgm:spPr/>
+      <dgm:t>
+        <a:bodyPr/>
+        <a:lstStyle/>
+        <a:p>
+          <a:endParaRPr lang="en-GB"/>
+        </a:p>
+      </dgm:t>
+    </dgm:pt>
+    <dgm:pt modelId="{2EF2AD02-2781-4935-BD0E-716F5C729B51}" type="pres">
+      <dgm:prSet presAssocID="{DDA1709C-F92C-4CCD-AE94-D83A4153D7BB}" presName="Name0" presStyleCnt="0">
+        <dgm:presLayoutVars>
+          <dgm:dir/>
+          <dgm:animLvl val="lvl"/>
+          <dgm:resizeHandles val="exact"/>
+        </dgm:presLayoutVars>
+      </dgm:prSet>
+      <dgm:spPr/>
+    </dgm:pt>
+    <dgm:pt modelId="{4011C982-105A-47FC-8380-FF6EBB9D9068}" type="pres">
+      <dgm:prSet presAssocID="{E1CB76CF-8E6B-4BD7-AE69-CA88D36F7D95}" presName="composite" presStyleCnt="0"/>
+      <dgm:spPr/>
+    </dgm:pt>
+    <dgm:pt modelId="{91978D2C-8907-4CF3-A966-9DA7123B6A61}" type="pres">
+      <dgm:prSet presAssocID="{E1CB76CF-8E6B-4BD7-AE69-CA88D36F7D95}" presName="parTx" presStyleLbl="alignNode1" presStyleIdx="0" presStyleCnt="2">
+        <dgm:presLayoutVars>
+          <dgm:chMax val="0"/>
+          <dgm:chPref val="0"/>
+          <dgm:bulletEnabled val="1"/>
+        </dgm:presLayoutVars>
+      </dgm:prSet>
+      <dgm:spPr/>
+    </dgm:pt>
+    <dgm:pt modelId="{1AF0361B-8678-449A-B84C-78493C519F68}" type="pres">
+      <dgm:prSet presAssocID="{E1CB76CF-8E6B-4BD7-AE69-CA88D36F7D95}" presName="desTx" presStyleLbl="alignAccFollowNode1" presStyleIdx="0" presStyleCnt="2">
+        <dgm:presLayoutVars>
+          <dgm:bulletEnabled val="1"/>
+        </dgm:presLayoutVars>
+      </dgm:prSet>
+      <dgm:spPr/>
+    </dgm:pt>
+    <dgm:pt modelId="{1D3D2F46-6DB2-4050-B1AD-01B49E37B3C3}" type="pres">
+      <dgm:prSet presAssocID="{B8DE3829-F2B7-4F58-8947-C7216781FA6D}" presName="space" presStyleCnt="0"/>
+      <dgm:spPr/>
+    </dgm:pt>
+    <dgm:pt modelId="{EA573D01-6E76-4093-8350-05F6479882F0}" type="pres">
+      <dgm:prSet presAssocID="{B0C19921-18AA-4CED-81DD-3DB37C9C9076}" presName="composite" presStyleCnt="0"/>
+      <dgm:spPr/>
+    </dgm:pt>
+    <dgm:pt modelId="{96B23F5E-1EC1-4066-BA76-94974BD77999}" type="pres">
+      <dgm:prSet presAssocID="{B0C19921-18AA-4CED-81DD-3DB37C9C9076}" presName="parTx" presStyleLbl="alignNode1" presStyleIdx="1" presStyleCnt="2">
+        <dgm:presLayoutVars>
+          <dgm:chMax val="0"/>
+          <dgm:chPref val="0"/>
+          <dgm:bulletEnabled val="1"/>
+        </dgm:presLayoutVars>
+      </dgm:prSet>
+      <dgm:spPr/>
+    </dgm:pt>
+    <dgm:pt modelId="{4D17DA0E-1C8B-4771-887D-DF9959A1A884}" type="pres">
+      <dgm:prSet presAssocID="{B0C19921-18AA-4CED-81DD-3DB37C9C9076}" presName="desTx" presStyleLbl="alignAccFollowNode1" presStyleIdx="1" presStyleCnt="2">
+        <dgm:presLayoutVars>
+          <dgm:bulletEnabled val="1"/>
+        </dgm:presLayoutVars>
+      </dgm:prSet>
+      <dgm:spPr/>
+    </dgm:pt>
+  </dgm:ptLst>
+  <dgm:cxnLst>
+    <dgm:cxn modelId="{4D4AD505-28E3-4FFE-B146-DDF472840937}" type="presOf" srcId="{ADF6C777-F36D-4710-9F6C-1F85794E1341}" destId="{1AF0361B-8678-449A-B84C-78493C519F68}" srcOrd="0" destOrd="4" presId="urn:microsoft.com/office/officeart/2005/8/layout/hList1"/>
+    <dgm:cxn modelId="{D48FEC10-8A0F-48B9-98D9-C73469B0EEC5}" type="presOf" srcId="{B4AA7DA4-91B5-434E-A157-0F4B8133E82A}" destId="{1AF0361B-8678-449A-B84C-78493C519F68}" srcOrd="0" destOrd="2" presId="urn:microsoft.com/office/officeart/2005/8/layout/hList1"/>
+    <dgm:cxn modelId="{732D911C-403E-4F63-8BD0-A70B734A0D15}" type="presOf" srcId="{5C0F9109-A261-48C2-8F9C-E936C807A893}" destId="{1AF0361B-8678-449A-B84C-78493C519F68}" srcOrd="0" destOrd="0" presId="urn:microsoft.com/office/officeart/2005/8/layout/hList1"/>
+    <dgm:cxn modelId="{82BB4437-A4EB-44FF-B285-E0978EDF82E5}" type="presOf" srcId="{D83ACD6F-7410-499B-822A-F046983E1D97}" destId="{4D17DA0E-1C8B-4771-887D-DF9959A1A884}" srcOrd="0" destOrd="2" presId="urn:microsoft.com/office/officeart/2005/8/layout/hList1"/>
+    <dgm:cxn modelId="{16DE965F-8FA4-4F25-841A-639F79AF6D90}" type="presOf" srcId="{E1CB76CF-8E6B-4BD7-AE69-CA88D36F7D95}" destId="{91978D2C-8907-4CF3-A966-9DA7123B6A61}" srcOrd="0" destOrd="0" presId="urn:microsoft.com/office/officeart/2005/8/layout/hList1"/>
+    <dgm:cxn modelId="{4C394F4C-FCAF-467A-ACA8-762869A267D5}" srcId="{B0C19921-18AA-4CED-81DD-3DB37C9C9076}" destId="{D83ACD6F-7410-499B-822A-F046983E1D97}" srcOrd="2" destOrd="0" parTransId="{18628A3E-5890-4911-9EAF-17A14E43928C}" sibTransId="{948B91F7-5803-43DA-B937-F4DD55F36599}"/>
+    <dgm:cxn modelId="{8986D74C-FE71-4F2B-B1BA-C99C206BD3AB}" type="presOf" srcId="{1AB1CE10-D74F-4A55-BCC6-6D87E7272453}" destId="{1AF0361B-8678-449A-B84C-78493C519F68}" srcOrd="0" destOrd="1" presId="urn:microsoft.com/office/officeart/2005/8/layout/hList1"/>
+    <dgm:cxn modelId="{6F04396D-EAE6-4074-91C3-F9F260A0406F}" srcId="{B0C19921-18AA-4CED-81DD-3DB37C9C9076}" destId="{E3DDD090-FFFB-406A-BEC7-6CE488500F61}" srcOrd="1" destOrd="0" parTransId="{1015B2AA-F446-49D4-8EA7-C904D952E4A6}" sibTransId="{6840E3EE-E20B-4F31-8374-863E2B60167A}"/>
+    <dgm:cxn modelId="{43B9756E-79AF-49EC-B63A-F948BFC61FA0}" srcId="{B0C19921-18AA-4CED-81DD-3DB37C9C9076}" destId="{CF9C549A-F240-4397-964B-EEDCAC4B7F3B}" srcOrd="3" destOrd="0" parTransId="{17547E8E-0B81-4D59-99C4-FA2E6C439776}" sibTransId="{7EE7F489-7A23-4E18-8123-A1ED09F87518}"/>
+    <dgm:cxn modelId="{92C7ED6E-21DE-442F-9B4F-44EDB8CE2155}" srcId="{E1CB76CF-8E6B-4BD7-AE69-CA88D36F7D95}" destId="{8DDF98E3-67E9-4644-A8CC-48191AD02EA9}" srcOrd="5" destOrd="0" parTransId="{4C74C141-54BC-4351-95E7-21E2B7F83343}" sibTransId="{2881EB56-A1D3-41D5-8580-3E4903091B2D}"/>
+    <dgm:cxn modelId="{ABEAE14F-434D-4ED5-A604-21078C84EB38}" srcId="{E1CB76CF-8E6B-4BD7-AE69-CA88D36F7D95}" destId="{ADF6C777-F36D-4710-9F6C-1F85794E1341}" srcOrd="4" destOrd="0" parTransId="{6D4B46B5-1B6F-45A7-91F3-57729462FCED}" sibTransId="{C03BB300-AC94-4C97-82A7-21D89D53755E}"/>
+    <dgm:cxn modelId="{D8DBFB83-0727-472C-B86D-B31F0D75D37D}" type="presOf" srcId="{3D4F6243-2687-41E7-A086-DB0316090301}" destId="{1AF0361B-8678-449A-B84C-78493C519F68}" srcOrd="0" destOrd="3" presId="urn:microsoft.com/office/officeart/2005/8/layout/hList1"/>
+    <dgm:cxn modelId="{A0AE9086-C4E9-4A43-8322-DE11D9F09028}" srcId="{B0C19921-18AA-4CED-81DD-3DB37C9C9076}" destId="{0404EE0F-EF33-43BE-A7B5-D748589CF01E}" srcOrd="0" destOrd="0" parTransId="{66BC6BEB-0BB1-41DD-97DB-9F592F16CD43}" sibTransId="{E85FE05B-E776-4EF3-AD35-B2EFC55CCB07}"/>
+    <dgm:cxn modelId="{185F5688-E8C5-4473-B25F-ED37C3EDD7B1}" type="presOf" srcId="{278FCC98-949C-40A7-8071-0432D82CF860}" destId="{4D17DA0E-1C8B-4771-887D-DF9959A1A884}" srcOrd="0" destOrd="4" presId="urn:microsoft.com/office/officeart/2005/8/layout/hList1"/>
+    <dgm:cxn modelId="{853C478C-7E64-4C76-A6E5-DA186564164D}" srcId="{E1CB76CF-8E6B-4BD7-AE69-CA88D36F7D95}" destId="{3D4F6243-2687-41E7-A086-DB0316090301}" srcOrd="3" destOrd="0" parTransId="{A95AD8A7-D850-4A85-B1FA-3E874D4B6FFD}" sibTransId="{40CB041A-3F6D-4176-AC31-D4C964AC0B51}"/>
+    <dgm:cxn modelId="{A37D1D9C-7FFD-43EF-80A6-56063E6BEA17}" type="presOf" srcId="{E3DDD090-FFFB-406A-BEC7-6CE488500F61}" destId="{4D17DA0E-1C8B-4771-887D-DF9959A1A884}" srcOrd="0" destOrd="1" presId="urn:microsoft.com/office/officeart/2005/8/layout/hList1"/>
+    <dgm:cxn modelId="{DF070CBA-0DF1-4BE0-98ED-A3F7964C9D13}" srcId="{E1CB76CF-8E6B-4BD7-AE69-CA88D36F7D95}" destId="{5C0F9109-A261-48C2-8F9C-E936C807A893}" srcOrd="0" destOrd="0" parTransId="{196F0BEF-BFDC-4AD0-A37D-32A40D3C9B71}" sibTransId="{5C51BF0A-6B65-408A-94CE-AD55764D1F0F}"/>
+    <dgm:cxn modelId="{09A79BBC-3350-4D26-854F-9F354BDF75EE}" srcId="{E1CB76CF-8E6B-4BD7-AE69-CA88D36F7D95}" destId="{B4AA7DA4-91B5-434E-A157-0F4B8133E82A}" srcOrd="2" destOrd="0" parTransId="{57F7329E-3B52-4710-B524-D41F8B3E3C34}" sibTransId="{5683CCA4-D543-4BE6-8A19-D2B0310D7125}"/>
+    <dgm:cxn modelId="{166F00C1-8729-42A5-9C44-F915B71B171F}" type="presOf" srcId="{B0C19921-18AA-4CED-81DD-3DB37C9C9076}" destId="{96B23F5E-1EC1-4066-BA76-94974BD77999}" srcOrd="0" destOrd="0" presId="urn:microsoft.com/office/officeart/2005/8/layout/hList1"/>
+    <dgm:cxn modelId="{F80DB1C9-E7EC-4CAC-B740-A101FCBC720F}" type="presOf" srcId="{D3658653-7113-4A47-84E1-FB946D50F2E3}" destId="{4D17DA0E-1C8B-4771-887D-DF9959A1A884}" srcOrd="0" destOrd="5" presId="urn:microsoft.com/office/officeart/2005/8/layout/hList1"/>
+    <dgm:cxn modelId="{A0D66ACA-FECD-4017-98D2-435226E3E5EE}" srcId="{B0C19921-18AA-4CED-81DD-3DB37C9C9076}" destId="{278FCC98-949C-40A7-8071-0432D82CF860}" srcOrd="4" destOrd="0" parTransId="{1507CA3A-6711-440B-B064-3A3C5714BA5F}" sibTransId="{D0E137E5-2199-4EE7-BEB4-70762E944CB9}"/>
+    <dgm:cxn modelId="{D57998CE-8A7E-4F5A-B853-D5CD5EA4BDF8}" type="presOf" srcId="{8DDF98E3-67E9-4644-A8CC-48191AD02EA9}" destId="{1AF0361B-8678-449A-B84C-78493C519F68}" srcOrd="0" destOrd="5" presId="urn:microsoft.com/office/officeart/2005/8/layout/hList1"/>
+    <dgm:cxn modelId="{391983D9-7816-42A3-B292-20FC06E6CA19}" srcId="{E1CB76CF-8E6B-4BD7-AE69-CA88D36F7D95}" destId="{1AB1CE10-D74F-4A55-BCC6-6D87E7272453}" srcOrd="1" destOrd="0" parTransId="{558575AE-BA4C-4E66-AAF4-A96CEB59B41C}" sibTransId="{D2A65077-6C52-4DFA-943C-7C368B23071E}"/>
+    <dgm:cxn modelId="{F30DADDC-FA40-4B69-8504-311B2997724F}" type="presOf" srcId="{0404EE0F-EF33-43BE-A7B5-D748589CF01E}" destId="{4D17DA0E-1C8B-4771-887D-DF9959A1A884}" srcOrd="0" destOrd="0" presId="urn:microsoft.com/office/officeart/2005/8/layout/hList1"/>
+    <dgm:cxn modelId="{C14B5CE2-69A6-4CE4-9662-667C69098125}" srcId="{DDA1709C-F92C-4CCD-AE94-D83A4153D7BB}" destId="{E1CB76CF-8E6B-4BD7-AE69-CA88D36F7D95}" srcOrd="0" destOrd="0" parTransId="{954AC2BB-9C7A-4472-AB8F-6DAC7C2BCC1D}" sibTransId="{B8DE3829-F2B7-4F58-8947-C7216781FA6D}"/>
+    <dgm:cxn modelId="{797CF0E8-AF47-48DF-9692-417D4EF528D9}" srcId="{B0C19921-18AA-4CED-81DD-3DB37C9C9076}" destId="{D3658653-7113-4A47-84E1-FB946D50F2E3}" srcOrd="5" destOrd="0" parTransId="{789CDC94-1734-4EB4-8FD4-294F207E8522}" sibTransId="{489453FC-C1F6-4CC4-9C31-9240BD7323EE}"/>
+    <dgm:cxn modelId="{1545E6EA-0C2F-43F9-BB5A-AE6639ECFBAB}" type="presOf" srcId="{DDA1709C-F92C-4CCD-AE94-D83A4153D7BB}" destId="{2EF2AD02-2781-4935-BD0E-716F5C729B51}" srcOrd="0" destOrd="0" presId="urn:microsoft.com/office/officeart/2005/8/layout/hList1"/>
+    <dgm:cxn modelId="{C316A3EE-2BA7-4E98-B250-E43539E0D7FE}" type="presOf" srcId="{CF9C549A-F240-4397-964B-EEDCAC4B7F3B}" destId="{4D17DA0E-1C8B-4771-887D-DF9959A1A884}" srcOrd="0" destOrd="3" presId="urn:microsoft.com/office/officeart/2005/8/layout/hList1"/>
+    <dgm:cxn modelId="{041514F3-5790-4A68-8536-277FB9E8B4DB}" srcId="{DDA1709C-F92C-4CCD-AE94-D83A4153D7BB}" destId="{B0C19921-18AA-4CED-81DD-3DB37C9C9076}" srcOrd="1" destOrd="0" parTransId="{5FE8E8FF-EE36-448F-AFD6-5E88838CD7BB}" sibTransId="{DEB2E2FE-474B-4884-92E2-1BAAFF5D0C20}"/>
+    <dgm:cxn modelId="{69CDF3FB-CF0F-4788-B615-467EA463B002}" type="presParOf" srcId="{2EF2AD02-2781-4935-BD0E-716F5C729B51}" destId="{4011C982-105A-47FC-8380-FF6EBB9D9068}" srcOrd="0" destOrd="0" presId="urn:microsoft.com/office/officeart/2005/8/layout/hList1"/>
+    <dgm:cxn modelId="{C6114681-3002-42B0-A3D5-DA74DADB802E}" type="presParOf" srcId="{4011C982-105A-47FC-8380-FF6EBB9D9068}" destId="{91978D2C-8907-4CF3-A966-9DA7123B6A61}" srcOrd="0" destOrd="0" presId="urn:microsoft.com/office/officeart/2005/8/layout/hList1"/>
+    <dgm:cxn modelId="{7D8DF835-594B-40B7-B12B-97F6B59C0DCF}" type="presParOf" srcId="{4011C982-105A-47FC-8380-FF6EBB9D9068}" destId="{1AF0361B-8678-449A-B84C-78493C519F68}" srcOrd="1" destOrd="0" presId="urn:microsoft.com/office/officeart/2005/8/layout/hList1"/>
+    <dgm:cxn modelId="{3774B6FE-CE8C-4D08-94C7-5F8697A1537E}" type="presParOf" srcId="{2EF2AD02-2781-4935-BD0E-716F5C729B51}" destId="{1D3D2F46-6DB2-4050-B1AD-01B49E37B3C3}" srcOrd="1" destOrd="0" presId="urn:microsoft.com/office/officeart/2005/8/layout/hList1"/>
+    <dgm:cxn modelId="{F19146FC-4D07-40CC-9DD1-67539E3E1087}" type="presParOf" srcId="{2EF2AD02-2781-4935-BD0E-716F5C729B51}" destId="{EA573D01-6E76-4093-8350-05F6479882F0}" srcOrd="2" destOrd="0" presId="urn:microsoft.com/office/officeart/2005/8/layout/hList1"/>
+    <dgm:cxn modelId="{A5BC1862-2703-420F-960D-104327E13748}" type="presParOf" srcId="{EA573D01-6E76-4093-8350-05F6479882F0}" destId="{96B23F5E-1EC1-4066-BA76-94974BD77999}" srcOrd="0" destOrd="0" presId="urn:microsoft.com/office/officeart/2005/8/layout/hList1"/>
+    <dgm:cxn modelId="{731F35C5-250E-4602-BD7D-D469B8ED9667}" type="presParOf" srcId="{EA573D01-6E76-4093-8350-05F6479882F0}" destId="{4D17DA0E-1C8B-4771-887D-DF9959A1A884}" srcOrd="1" destOrd="0" presId="urn:microsoft.com/office/officeart/2005/8/layout/hList1"/>
+  </dgm:cxnLst>
+  <dgm:bg/>
+  <dgm:whole/>
+  <dgm:extLst>
+    <a:ext uri="http://schemas.microsoft.com/office/drawing/2008/diagram">
+      <dsp:dataModelExt xmlns:dsp="http://schemas.microsoft.com/office/drawing/2008/diagram" relId="rId6" minVer="http://schemas.openxmlformats.org/drawingml/2006/diagram"/>
+    </a:ext>
+  </dgm:extLst>
+</dgm:dataModel>
+</file>
+
+<file path=ppt/diagrams/drawing1.xml><?xml version="1.0" encoding="utf-8"?>
+<dsp:drawing xmlns:dgm="http://schemas.openxmlformats.org/drawingml/2006/diagram" xmlns:dsp="http://schemas.microsoft.com/office/drawing/2008/diagram" xmlns:a="http://schemas.openxmlformats.org/drawingml/2006/main">
+  <dsp:spTree>
+    <dsp:nvGrpSpPr>
+      <dsp:cNvPr id="0" name=""/>
+      <dsp:cNvGrpSpPr/>
+    </dsp:nvGrpSpPr>
+    <dsp:grpSpPr/>
+    <dsp:sp modelId="{081DAC4B-B47A-443F-A14D-E621746C835A}">
+      <dsp:nvSpPr>
+        <dsp:cNvPr id="0" name=""/>
+        <dsp:cNvSpPr/>
+      </dsp:nvSpPr>
+      <dsp:spPr>
+        <a:xfrm>
+          <a:off x="0" y="337049"/>
+          <a:ext cx="11018520" cy="649687"/>
+        </a:xfrm>
+        <a:prstGeom prst="rect">
+          <a:avLst/>
+        </a:prstGeom>
+        <a:solidFill>
+          <a:schemeClr val="accent1">
+            <a:alpha val="90000"/>
+            <a:tint val="40000"/>
+            <a:hueOff val="0"/>
+            <a:satOff val="0"/>
+            <a:lumOff val="0"/>
+            <a:alphaOff val="0"/>
+          </a:schemeClr>
+        </a:solidFill>
+        <a:ln w="10795" cap="flat" cmpd="sng" algn="ctr">
+          <a:solidFill>
+            <a:schemeClr val="accent1">
+              <a:hueOff val="0"/>
+              <a:satOff val="0"/>
+              <a:lumOff val="0"/>
+              <a:alphaOff val="0"/>
+            </a:schemeClr>
+          </a:solidFill>
+          <a:prstDash val="solid"/>
+        </a:ln>
+        <a:effectLst/>
+      </dsp:spPr>
+      <dsp:style>
+        <a:lnRef idx="2">
+          <a:scrgbClr r="0" g="0" b="0"/>
+        </a:lnRef>
+        <a:fillRef idx="1">
+          <a:scrgbClr r="0" g="0" b="0"/>
+        </a:fillRef>
+        <a:effectRef idx="0">
+          <a:scrgbClr r="0" g="0" b="0"/>
+        </a:effectRef>
+        <a:fontRef idx="minor"/>
+      </dsp:style>
+      <dsp:txBody>
+        <a:bodyPr spcFirstLastPara="0" vert="horz" wrap="square" lIns="855160" tIns="312420" rIns="855160" bIns="106680" numCol="1" spcCol="1270" anchor="t" anchorCtr="0">
+          <a:noAutofit/>
+        </a:bodyPr>
+        <a:lstStyle/>
+        <a:p>
+          <a:pPr marL="114300" lvl="1" indent="-114300" algn="l" defTabSz="666750">
+            <a:lnSpc>
+              <a:spcPct val="90000"/>
+            </a:lnSpc>
+            <a:spcBef>
+              <a:spcPct val="0"/>
+            </a:spcBef>
+            <a:spcAft>
+              <a:spcPct val="15000"/>
+            </a:spcAft>
+            <a:buChar char="•"/>
+          </a:pPr>
+          <a:r>
+            <a:rPr lang="en-GB" sz="1500" kern="1200" dirty="0"/>
+            <a:t>Traditional approaches can lead to teams becoming very large and difficult to manage</a:t>
+          </a:r>
+        </a:p>
+      </dsp:txBody>
+      <dsp:txXfrm>
+        <a:off x="0" y="337049"/>
+        <a:ext cx="11018520" cy="649687"/>
+      </dsp:txXfrm>
+    </dsp:sp>
+    <dsp:sp modelId="{50686B2A-C421-4020-814A-13C3459B8CE0}">
+      <dsp:nvSpPr>
+        <dsp:cNvPr id="0" name=""/>
+        <dsp:cNvSpPr/>
+      </dsp:nvSpPr>
+      <dsp:spPr>
+        <a:xfrm>
+          <a:off x="550926" y="115649"/>
+          <a:ext cx="7712964" cy="442800"/>
+        </a:xfrm>
+        <a:prstGeom prst="roundRect">
+          <a:avLst/>
+        </a:prstGeom>
+        <a:solidFill>
+          <a:schemeClr val="lt1">
+            <a:hueOff val="0"/>
+            <a:satOff val="0"/>
+            <a:lumOff val="0"/>
+            <a:alphaOff val="0"/>
+          </a:schemeClr>
+        </a:solidFill>
+        <a:ln w="10795" cap="flat" cmpd="sng" algn="ctr">
+          <a:solidFill>
+            <a:schemeClr val="accent1">
+              <a:shade val="80000"/>
+              <a:hueOff val="0"/>
+              <a:satOff val="0"/>
+              <a:lumOff val="0"/>
+              <a:alphaOff val="0"/>
+            </a:schemeClr>
+          </a:solidFill>
+          <a:prstDash val="solid"/>
+        </a:ln>
+        <a:effectLst/>
+      </dsp:spPr>
+      <dsp:style>
+        <a:lnRef idx="2">
+          <a:scrgbClr r="0" g="0" b="0"/>
+        </a:lnRef>
+        <a:fillRef idx="1">
+          <a:scrgbClr r="0" g="0" b="0"/>
+        </a:fillRef>
+        <a:effectRef idx="0">
+          <a:scrgbClr r="0" g="0" b="0"/>
+        </a:effectRef>
+        <a:fontRef idx="minor">
+          <a:schemeClr val="lt1"/>
+        </a:fontRef>
+      </dsp:style>
+      <dsp:txBody>
+        <a:bodyPr spcFirstLastPara="0" vert="horz" wrap="square" lIns="291532" tIns="0" rIns="291532" bIns="0" numCol="1" spcCol="1270" anchor="ctr" anchorCtr="0">
+          <a:noAutofit/>
+        </a:bodyPr>
+        <a:lstStyle/>
+        <a:p>
+          <a:pPr marL="0" lvl="0" indent="0" algn="l" defTabSz="666750">
+            <a:lnSpc>
+              <a:spcPct val="90000"/>
+            </a:lnSpc>
+            <a:spcBef>
+              <a:spcPct val="0"/>
+            </a:spcBef>
+            <a:spcAft>
+              <a:spcPct val="35000"/>
+            </a:spcAft>
+            <a:buNone/>
+          </a:pPr>
+          <a:r>
+            <a:rPr lang="en-GB" sz="1500" kern="1200" dirty="0"/>
+            <a:t>Team Size</a:t>
+          </a:r>
+        </a:p>
+      </dsp:txBody>
+      <dsp:txXfrm>
+        <a:off x="572542" y="137265"/>
+        <a:ext cx="7669732" cy="399568"/>
+      </dsp:txXfrm>
+    </dsp:sp>
+    <dsp:sp modelId="{90F80BFC-24B8-46E9-BA0F-5A694B77C7DE}">
+      <dsp:nvSpPr>
+        <dsp:cNvPr id="0" name=""/>
+        <dsp:cNvSpPr/>
+      </dsp:nvSpPr>
+      <dsp:spPr>
+        <a:xfrm>
+          <a:off x="0" y="1289136"/>
+          <a:ext cx="11018520" cy="897750"/>
+        </a:xfrm>
+        <a:prstGeom prst="rect">
+          <a:avLst/>
+        </a:prstGeom>
+        <a:solidFill>
+          <a:schemeClr val="accent1">
+            <a:alpha val="90000"/>
+            <a:tint val="40000"/>
+            <a:hueOff val="0"/>
+            <a:satOff val="0"/>
+            <a:lumOff val="0"/>
+            <a:alphaOff val="0"/>
+          </a:schemeClr>
+        </a:solidFill>
+        <a:ln w="10795" cap="flat" cmpd="sng" algn="ctr">
+          <a:solidFill>
+            <a:schemeClr val="accent1">
+              <a:hueOff val="0"/>
+              <a:satOff val="0"/>
+              <a:lumOff val="0"/>
+              <a:alphaOff val="0"/>
+            </a:schemeClr>
+          </a:solidFill>
+          <a:prstDash val="solid"/>
+        </a:ln>
+        <a:effectLst/>
+      </dsp:spPr>
+      <dsp:style>
+        <a:lnRef idx="2">
+          <a:scrgbClr r="0" g="0" b="0"/>
+        </a:lnRef>
+        <a:fillRef idx="1">
+          <a:scrgbClr r="0" g="0" b="0"/>
+        </a:fillRef>
+        <a:effectRef idx="0">
+          <a:scrgbClr r="0" g="0" b="0"/>
+        </a:effectRef>
+        <a:fontRef idx="minor"/>
+      </dsp:style>
+      <dsp:txBody>
+        <a:bodyPr spcFirstLastPara="0" vert="horz" wrap="square" lIns="855160" tIns="312420" rIns="855160" bIns="106680" numCol="1" spcCol="1270" anchor="t" anchorCtr="0">
+          <a:noAutofit/>
+        </a:bodyPr>
+        <a:lstStyle/>
+        <a:p>
+          <a:pPr marL="114300" lvl="1" indent="-114300" algn="l" defTabSz="666750">
+            <a:lnSpc>
+              <a:spcPct val="90000"/>
+            </a:lnSpc>
+            <a:spcBef>
+              <a:spcPct val="0"/>
+            </a:spcBef>
+            <a:spcAft>
+              <a:spcPct val="15000"/>
+            </a:spcAft>
+            <a:buChar char="•"/>
+          </a:pPr>
+          <a:r>
+            <a:rPr lang="en-GB" sz="1500" kern="1200" dirty="0"/>
+            <a:t>Monolithic architectures can make it challenging to split work between multiple teams who are forced to work on the same platform, necessitating stringent change controls</a:t>
+          </a:r>
+        </a:p>
+      </dsp:txBody>
+      <dsp:txXfrm>
+        <a:off x="0" y="1289136"/>
+        <a:ext cx="11018520" cy="897750"/>
+      </dsp:txXfrm>
+    </dsp:sp>
+    <dsp:sp modelId="{4A30E9E0-B22A-4279-A38B-27336C87C45A}">
+      <dsp:nvSpPr>
+        <dsp:cNvPr id="0" name=""/>
+        <dsp:cNvSpPr/>
+      </dsp:nvSpPr>
+      <dsp:spPr>
+        <a:xfrm>
+          <a:off x="550926" y="1067736"/>
+          <a:ext cx="7712964" cy="442800"/>
+        </a:xfrm>
+        <a:prstGeom prst="roundRect">
+          <a:avLst/>
+        </a:prstGeom>
+        <a:solidFill>
+          <a:schemeClr val="lt1">
+            <a:hueOff val="0"/>
+            <a:satOff val="0"/>
+            <a:lumOff val="0"/>
+            <a:alphaOff val="0"/>
+          </a:schemeClr>
+        </a:solidFill>
+        <a:ln w="10795" cap="flat" cmpd="sng" algn="ctr">
+          <a:solidFill>
+            <a:schemeClr val="accent1">
+              <a:shade val="80000"/>
+              <a:hueOff val="0"/>
+              <a:satOff val="0"/>
+              <a:lumOff val="0"/>
+              <a:alphaOff val="0"/>
+            </a:schemeClr>
+          </a:solidFill>
+          <a:prstDash val="solid"/>
+        </a:ln>
+        <a:effectLst/>
+      </dsp:spPr>
+      <dsp:style>
+        <a:lnRef idx="2">
+          <a:scrgbClr r="0" g="0" b="0"/>
+        </a:lnRef>
+        <a:fillRef idx="1">
+          <a:scrgbClr r="0" g="0" b="0"/>
+        </a:fillRef>
+        <a:effectRef idx="0">
+          <a:scrgbClr r="0" g="0" b="0"/>
+        </a:effectRef>
+        <a:fontRef idx="minor">
+          <a:schemeClr val="lt1"/>
+        </a:fontRef>
+      </dsp:style>
+      <dsp:txBody>
+        <a:bodyPr spcFirstLastPara="0" vert="horz" wrap="square" lIns="291532" tIns="0" rIns="291532" bIns="0" numCol="1" spcCol="1270" anchor="ctr" anchorCtr="0">
+          <a:noAutofit/>
+        </a:bodyPr>
+        <a:lstStyle/>
+        <a:p>
+          <a:pPr marL="0" lvl="0" indent="0" algn="l" defTabSz="666750">
+            <a:lnSpc>
+              <a:spcPct val="90000"/>
+            </a:lnSpc>
+            <a:spcBef>
+              <a:spcPct val="0"/>
+            </a:spcBef>
+            <a:spcAft>
+              <a:spcPct val="35000"/>
+            </a:spcAft>
+            <a:buNone/>
+          </a:pPr>
+          <a:r>
+            <a:rPr lang="en-GB" sz="1500" kern="1200" dirty="0"/>
+            <a:t>Number of Teams</a:t>
+          </a:r>
+        </a:p>
+      </dsp:txBody>
+      <dsp:txXfrm>
+        <a:off x="572542" y="1089352"/>
+        <a:ext cx="7669732" cy="399568"/>
+      </dsp:txXfrm>
+    </dsp:sp>
+    <dsp:sp modelId="{AB6EAF72-13E8-4271-ABB7-7B9289EE1006}">
+      <dsp:nvSpPr>
+        <dsp:cNvPr id="0" name=""/>
+        <dsp:cNvSpPr/>
+      </dsp:nvSpPr>
+      <dsp:spPr>
+        <a:xfrm>
+          <a:off x="0" y="2489286"/>
+          <a:ext cx="11018520" cy="897750"/>
+        </a:xfrm>
+        <a:prstGeom prst="rect">
+          <a:avLst/>
+        </a:prstGeom>
+        <a:solidFill>
+          <a:schemeClr val="accent1">
+            <a:alpha val="90000"/>
+            <a:tint val="40000"/>
+            <a:hueOff val="0"/>
+            <a:satOff val="0"/>
+            <a:lumOff val="0"/>
+            <a:alphaOff val="0"/>
+          </a:schemeClr>
+        </a:solidFill>
+        <a:ln w="10795" cap="flat" cmpd="sng" algn="ctr">
+          <a:solidFill>
+            <a:schemeClr val="accent1">
+              <a:hueOff val="0"/>
+              <a:satOff val="0"/>
+              <a:lumOff val="0"/>
+              <a:alphaOff val="0"/>
+            </a:schemeClr>
+          </a:solidFill>
+          <a:prstDash val="solid"/>
+        </a:ln>
+        <a:effectLst/>
+      </dsp:spPr>
+      <dsp:style>
+        <a:lnRef idx="2">
+          <a:scrgbClr r="0" g="0" b="0"/>
+        </a:lnRef>
+        <a:fillRef idx="1">
+          <a:scrgbClr r="0" g="0" b="0"/>
+        </a:fillRef>
+        <a:effectRef idx="0">
+          <a:scrgbClr r="0" g="0" b="0"/>
+        </a:effectRef>
+        <a:fontRef idx="minor"/>
+      </dsp:style>
+      <dsp:txBody>
+        <a:bodyPr spcFirstLastPara="0" vert="horz" wrap="square" lIns="855160" tIns="312420" rIns="855160" bIns="106680" numCol="1" spcCol="1270" anchor="t" anchorCtr="0">
+          <a:noAutofit/>
+        </a:bodyPr>
+        <a:lstStyle/>
+        <a:p>
+          <a:pPr marL="114300" lvl="1" indent="-114300" algn="l" defTabSz="666750">
+            <a:lnSpc>
+              <a:spcPct val="90000"/>
+            </a:lnSpc>
+            <a:spcBef>
+              <a:spcPct val="0"/>
+            </a:spcBef>
+            <a:spcAft>
+              <a:spcPct val="15000"/>
+            </a:spcAft>
+            <a:buChar char="•"/>
+          </a:pPr>
+          <a:r>
+            <a:rPr lang="en-GB" sz="1500" kern="1200" dirty="0"/>
+            <a:t>End to end design requires every component to align to others. A more modular encapsulated approach reduces this and encourages components and stages to be well defined in their own right</a:t>
+          </a:r>
+        </a:p>
+      </dsp:txBody>
+      <dsp:txXfrm>
+        <a:off x="0" y="2489286"/>
+        <a:ext cx="11018520" cy="897750"/>
+      </dsp:txXfrm>
+    </dsp:sp>
+    <dsp:sp modelId="{B6737261-AC44-4119-A792-C08C4D6722ED}">
+      <dsp:nvSpPr>
+        <dsp:cNvPr id="0" name=""/>
+        <dsp:cNvSpPr/>
+      </dsp:nvSpPr>
+      <dsp:spPr>
+        <a:xfrm>
+          <a:off x="550926" y="2267886"/>
+          <a:ext cx="7712964" cy="442800"/>
+        </a:xfrm>
+        <a:prstGeom prst="roundRect">
+          <a:avLst/>
+        </a:prstGeom>
+        <a:solidFill>
+          <a:schemeClr val="lt1">
+            <a:hueOff val="0"/>
+            <a:satOff val="0"/>
+            <a:lumOff val="0"/>
+            <a:alphaOff val="0"/>
+          </a:schemeClr>
+        </a:solidFill>
+        <a:ln w="10795" cap="flat" cmpd="sng" algn="ctr">
+          <a:solidFill>
+            <a:schemeClr val="accent1">
+              <a:shade val="80000"/>
+              <a:hueOff val="0"/>
+              <a:satOff val="0"/>
+              <a:lumOff val="0"/>
+              <a:alphaOff val="0"/>
+            </a:schemeClr>
+          </a:solidFill>
+          <a:prstDash val="solid"/>
+        </a:ln>
+        <a:effectLst/>
+      </dsp:spPr>
+      <dsp:style>
+        <a:lnRef idx="2">
+          <a:scrgbClr r="0" g="0" b="0"/>
+        </a:lnRef>
+        <a:fillRef idx="1">
+          <a:scrgbClr r="0" g="0" b="0"/>
+        </a:fillRef>
+        <a:effectRef idx="0">
+          <a:scrgbClr r="0" g="0" b="0"/>
+        </a:effectRef>
+        <a:fontRef idx="minor">
+          <a:schemeClr val="lt1"/>
+        </a:fontRef>
+      </dsp:style>
+      <dsp:txBody>
+        <a:bodyPr spcFirstLastPara="0" vert="horz" wrap="square" lIns="291532" tIns="0" rIns="291532" bIns="0" numCol="1" spcCol="1270" anchor="ctr" anchorCtr="0">
+          <a:noAutofit/>
+        </a:bodyPr>
+        <a:lstStyle/>
+        <a:p>
+          <a:pPr marL="0" lvl="0" indent="0" algn="l" defTabSz="666750">
+            <a:lnSpc>
+              <a:spcPct val="90000"/>
+            </a:lnSpc>
+            <a:spcBef>
+              <a:spcPct val="0"/>
+            </a:spcBef>
+            <a:spcAft>
+              <a:spcPct val="35000"/>
+            </a:spcAft>
+            <a:buNone/>
+          </a:pPr>
+          <a:r>
+            <a:rPr lang="en-GB" sz="1500" kern="1200" dirty="0"/>
+            <a:t>Dependencies</a:t>
+          </a:r>
+        </a:p>
+      </dsp:txBody>
+      <dsp:txXfrm>
+        <a:off x="572542" y="2289502"/>
+        <a:ext cx="7669732" cy="399568"/>
+      </dsp:txXfrm>
+    </dsp:sp>
+    <dsp:sp modelId="{678C03A0-B931-4F44-A153-BB7FA5B478F7}">
+      <dsp:nvSpPr>
+        <dsp:cNvPr id="0" name=""/>
+        <dsp:cNvSpPr/>
+      </dsp:nvSpPr>
+      <dsp:spPr>
+        <a:xfrm>
+          <a:off x="0" y="3689436"/>
+          <a:ext cx="11018520" cy="897750"/>
+        </a:xfrm>
+        <a:prstGeom prst="rect">
+          <a:avLst/>
+        </a:prstGeom>
+        <a:solidFill>
+          <a:schemeClr val="accent1">
+            <a:alpha val="90000"/>
+            <a:tint val="40000"/>
+            <a:hueOff val="0"/>
+            <a:satOff val="0"/>
+            <a:lumOff val="0"/>
+            <a:alphaOff val="0"/>
+          </a:schemeClr>
+        </a:solidFill>
+        <a:ln w="10795" cap="flat" cmpd="sng" algn="ctr">
+          <a:solidFill>
+            <a:schemeClr val="accent1">
+              <a:hueOff val="0"/>
+              <a:satOff val="0"/>
+              <a:lumOff val="0"/>
+              <a:alphaOff val="0"/>
+            </a:schemeClr>
+          </a:solidFill>
+          <a:prstDash val="solid"/>
+        </a:ln>
+        <a:effectLst/>
+      </dsp:spPr>
+      <dsp:style>
+        <a:lnRef idx="2">
+          <a:scrgbClr r="0" g="0" b="0"/>
+        </a:lnRef>
+        <a:fillRef idx="1">
+          <a:scrgbClr r="0" g="0" b="0"/>
+        </a:fillRef>
+        <a:effectRef idx="0">
+          <a:scrgbClr r="0" g="0" b="0"/>
+        </a:effectRef>
+        <a:fontRef idx="minor"/>
+      </dsp:style>
+      <dsp:txBody>
+        <a:bodyPr spcFirstLastPara="0" vert="horz" wrap="square" lIns="855160" tIns="312420" rIns="855160" bIns="106680" numCol="1" spcCol="1270" anchor="t" anchorCtr="0">
+          <a:noAutofit/>
+        </a:bodyPr>
+        <a:lstStyle/>
+        <a:p>
+          <a:pPr marL="114300" lvl="1" indent="-114300" algn="l" defTabSz="666750">
+            <a:lnSpc>
+              <a:spcPct val="90000"/>
+            </a:lnSpc>
+            <a:spcBef>
+              <a:spcPct val="0"/>
+            </a:spcBef>
+            <a:spcAft>
+              <a:spcPct val="15000"/>
+            </a:spcAft>
+            <a:buChar char="•"/>
+          </a:pPr>
+          <a:r>
+            <a:rPr lang="en-GB" sz="1500" kern="1200" dirty="0"/>
+            <a:t>As the size of an architecture increases, complexity will increase in an exponential way. Keeping each architecture small ensures simplicity and makes change faster and lowers risk</a:t>
+          </a:r>
+        </a:p>
+      </dsp:txBody>
+      <dsp:txXfrm>
+        <a:off x="0" y="3689436"/>
+        <a:ext cx="11018520" cy="897750"/>
+      </dsp:txXfrm>
+    </dsp:sp>
+    <dsp:sp modelId="{70501708-A4DA-4434-9D48-CB4BEFE849E7}">
+      <dsp:nvSpPr>
+        <dsp:cNvPr id="0" name=""/>
+        <dsp:cNvSpPr/>
+      </dsp:nvSpPr>
+      <dsp:spPr>
+        <a:xfrm>
+          <a:off x="550926" y="3468036"/>
+          <a:ext cx="7712964" cy="442800"/>
+        </a:xfrm>
+        <a:prstGeom prst="roundRect">
+          <a:avLst/>
+        </a:prstGeom>
+        <a:solidFill>
+          <a:schemeClr val="lt1">
+            <a:hueOff val="0"/>
+            <a:satOff val="0"/>
+            <a:lumOff val="0"/>
+            <a:alphaOff val="0"/>
+          </a:schemeClr>
+        </a:solidFill>
+        <a:ln w="10795" cap="flat" cmpd="sng" algn="ctr">
+          <a:solidFill>
+            <a:schemeClr val="accent1">
+              <a:shade val="80000"/>
+              <a:hueOff val="0"/>
+              <a:satOff val="0"/>
+              <a:lumOff val="0"/>
+              <a:alphaOff val="0"/>
+            </a:schemeClr>
+          </a:solidFill>
+          <a:prstDash val="solid"/>
+        </a:ln>
+        <a:effectLst/>
+      </dsp:spPr>
+      <dsp:style>
+        <a:lnRef idx="2">
+          <a:scrgbClr r="0" g="0" b="0"/>
+        </a:lnRef>
+        <a:fillRef idx="1">
+          <a:scrgbClr r="0" g="0" b="0"/>
+        </a:fillRef>
+        <a:effectRef idx="0">
+          <a:scrgbClr r="0" g="0" b="0"/>
+        </a:effectRef>
+        <a:fontRef idx="minor">
+          <a:schemeClr val="lt1"/>
+        </a:fontRef>
+      </dsp:style>
+      <dsp:txBody>
+        <a:bodyPr spcFirstLastPara="0" vert="horz" wrap="square" lIns="291532" tIns="0" rIns="291532" bIns="0" numCol="1" spcCol="1270" anchor="ctr" anchorCtr="0">
+          <a:noAutofit/>
+        </a:bodyPr>
+        <a:lstStyle/>
+        <a:p>
+          <a:pPr marL="0" lvl="0" indent="0" algn="l" defTabSz="666750">
+            <a:lnSpc>
+              <a:spcPct val="90000"/>
+            </a:lnSpc>
+            <a:spcBef>
+              <a:spcPct val="0"/>
+            </a:spcBef>
+            <a:spcAft>
+              <a:spcPct val="35000"/>
+            </a:spcAft>
+            <a:buNone/>
+          </a:pPr>
+          <a:r>
+            <a:rPr lang="en-GB" sz="1500" kern="1200" dirty="0"/>
+            <a:t>Complexity</a:t>
+          </a:r>
+        </a:p>
+      </dsp:txBody>
+      <dsp:txXfrm>
+        <a:off x="572542" y="3489652"/>
+        <a:ext cx="7669732" cy="399568"/>
+      </dsp:txXfrm>
+    </dsp:sp>
+  </dsp:spTree>
+</dsp:drawing>
+</file>
+
+<file path=ppt/diagrams/drawing2.xml><?xml version="1.0" encoding="utf-8"?>
+<dsp:drawing xmlns:dgm="http://schemas.openxmlformats.org/drawingml/2006/diagram" xmlns:dsp="http://schemas.microsoft.com/office/drawing/2008/diagram" xmlns:a="http://schemas.openxmlformats.org/drawingml/2006/main">
+  <dsp:spTree>
+    <dsp:nvGrpSpPr>
+      <dsp:cNvPr id="0" name=""/>
+      <dsp:cNvGrpSpPr/>
+    </dsp:nvGrpSpPr>
+    <dsp:grpSpPr/>
+    <dsp:sp modelId="{91978D2C-8907-4CF3-A966-9DA7123B6A61}">
+      <dsp:nvSpPr>
+        <dsp:cNvPr id="0" name=""/>
+        <dsp:cNvSpPr/>
+      </dsp:nvSpPr>
+      <dsp:spPr>
+        <a:xfrm>
+          <a:off x="53" y="58810"/>
+          <a:ext cx="5148790" cy="864000"/>
+        </a:xfrm>
+        <a:prstGeom prst="rect">
+          <a:avLst/>
+        </a:prstGeom>
+        <a:noFill/>
+        <a:ln w="10795" cap="flat" cmpd="sng" algn="ctr">
+          <a:solidFill>
+            <a:schemeClr val="accent1"/>
+          </a:solidFill>
+          <a:prstDash val="solid"/>
+        </a:ln>
+        <a:effectLst/>
+      </dsp:spPr>
+      <dsp:style>
+        <a:lnRef idx="2">
+          <a:scrgbClr r="0" g="0" b="0"/>
+        </a:lnRef>
+        <a:fillRef idx="1">
+          <a:scrgbClr r="0" g="0" b="0"/>
+        </a:fillRef>
+        <a:effectRef idx="0">
+          <a:scrgbClr r="0" g="0" b="0"/>
+        </a:effectRef>
+        <a:fontRef idx="minor">
+          <a:schemeClr val="lt1"/>
+        </a:fontRef>
+      </dsp:style>
+      <dsp:txBody>
+        <a:bodyPr spcFirstLastPara="0" vert="horz" wrap="square" lIns="213360" tIns="121920" rIns="213360" bIns="121920" numCol="1" spcCol="1270" anchor="ctr" anchorCtr="0">
+          <a:noAutofit/>
+        </a:bodyPr>
+        <a:lstStyle/>
+        <a:p>
+          <a:pPr marL="0" lvl="0" indent="0" algn="ctr" defTabSz="1333500">
+            <a:lnSpc>
+              <a:spcPct val="90000"/>
+            </a:lnSpc>
+            <a:spcBef>
+              <a:spcPct val="0"/>
+            </a:spcBef>
+            <a:spcAft>
+              <a:spcPct val="35000"/>
+            </a:spcAft>
+            <a:buNone/>
+          </a:pPr>
+          <a:r>
+            <a:rPr lang="en-GB" sz="3000" kern="1200" dirty="0">
+              <a:solidFill>
+                <a:sysClr val="windowText" lastClr="000000"/>
+              </a:solidFill>
+            </a:rPr>
+            <a:t>Tightly Coupled</a:t>
+          </a:r>
+        </a:p>
+      </dsp:txBody>
+      <dsp:txXfrm>
+        <a:off x="53" y="58810"/>
+        <a:ext cx="5148790" cy="864000"/>
+      </dsp:txXfrm>
+    </dsp:sp>
+    <dsp:sp modelId="{1AF0361B-8678-449A-B84C-78493C519F68}">
+      <dsp:nvSpPr>
+        <dsp:cNvPr id="0" name=""/>
+        <dsp:cNvSpPr/>
+      </dsp:nvSpPr>
+      <dsp:spPr>
+        <a:xfrm>
+          <a:off x="53" y="922810"/>
+          <a:ext cx="5148790" cy="3983681"/>
+        </a:xfrm>
+        <a:prstGeom prst="rect">
+          <a:avLst/>
+        </a:prstGeom>
+        <a:solidFill>
+          <a:schemeClr val="accent1">
+            <a:alpha val="90000"/>
+            <a:tint val="40000"/>
+            <a:hueOff val="0"/>
+            <a:satOff val="0"/>
+            <a:lumOff val="0"/>
+            <a:alphaOff val="0"/>
+          </a:schemeClr>
+        </a:solidFill>
+        <a:ln w="10795" cap="flat" cmpd="sng" algn="ctr">
+          <a:solidFill>
+            <a:schemeClr val="accent1">
+              <a:alpha val="90000"/>
+              <a:tint val="40000"/>
+              <a:hueOff val="0"/>
+              <a:satOff val="0"/>
+              <a:lumOff val="0"/>
+              <a:alphaOff val="0"/>
+            </a:schemeClr>
+          </a:solidFill>
+          <a:prstDash val="solid"/>
+        </a:ln>
+        <a:effectLst/>
+      </dsp:spPr>
+      <dsp:style>
+        <a:lnRef idx="2">
+          <a:scrgbClr r="0" g="0" b="0"/>
+        </a:lnRef>
+        <a:fillRef idx="1">
+          <a:scrgbClr r="0" g="0" b="0"/>
+        </a:fillRef>
+        <a:effectRef idx="0">
+          <a:scrgbClr r="0" g="0" b="0"/>
+        </a:effectRef>
+        <a:fontRef idx="minor"/>
+      </dsp:style>
+      <dsp:txBody>
+        <a:bodyPr spcFirstLastPara="0" vert="horz" wrap="square" lIns="160020" tIns="160020" rIns="213360" bIns="240030" numCol="1" spcCol="1270" anchor="t" anchorCtr="0">
+          <a:noAutofit/>
+        </a:bodyPr>
+        <a:lstStyle/>
+        <a:p>
+          <a:pPr marL="285750" lvl="1" indent="-285750" algn="l" defTabSz="1333500">
+            <a:lnSpc>
+              <a:spcPct val="90000"/>
+            </a:lnSpc>
+            <a:spcBef>
+              <a:spcPct val="0"/>
+            </a:spcBef>
+            <a:spcAft>
+              <a:spcPct val="15000"/>
+            </a:spcAft>
+            <a:buChar char="•"/>
+          </a:pPr>
+          <a:r>
+            <a:rPr lang="en-GB" sz="3000" kern="1200" dirty="0"/>
+            <a:t>Changes are big</a:t>
+          </a:r>
+        </a:p>
+        <a:p>
+          <a:pPr marL="285750" lvl="1" indent="-285750" algn="l" defTabSz="1333500">
+            <a:lnSpc>
+              <a:spcPct val="90000"/>
+            </a:lnSpc>
+            <a:spcBef>
+              <a:spcPct val="0"/>
+            </a:spcBef>
+            <a:spcAft>
+              <a:spcPct val="15000"/>
+            </a:spcAft>
+            <a:buChar char="•"/>
+          </a:pPr>
+          <a:r>
+            <a:rPr lang="en-GB" sz="3000" kern="1200" dirty="0"/>
+            <a:t>Hard to experiment</a:t>
+          </a:r>
+        </a:p>
+        <a:p>
+          <a:pPr marL="285750" lvl="1" indent="-285750" algn="l" defTabSz="1333500">
+            <a:lnSpc>
+              <a:spcPct val="90000"/>
+            </a:lnSpc>
+            <a:spcBef>
+              <a:spcPct val="0"/>
+            </a:spcBef>
+            <a:spcAft>
+              <a:spcPct val="15000"/>
+            </a:spcAft>
+            <a:buChar char="•"/>
+          </a:pPr>
+          <a:r>
+            <a:rPr lang="en-GB" sz="3000" kern="1200" dirty="0"/>
+            <a:t>Evolution is resisted</a:t>
+          </a:r>
+        </a:p>
+        <a:p>
+          <a:pPr marL="285750" lvl="1" indent="-285750" algn="l" defTabSz="1333500">
+            <a:lnSpc>
+              <a:spcPct val="90000"/>
+            </a:lnSpc>
+            <a:spcBef>
+              <a:spcPct val="0"/>
+            </a:spcBef>
+            <a:spcAft>
+              <a:spcPct val="15000"/>
+            </a:spcAft>
+            <a:buChar char="•"/>
+          </a:pPr>
+          <a:r>
+            <a:rPr lang="en-GB" sz="3000" kern="1200" dirty="0"/>
+            <a:t>Costs is built in</a:t>
+          </a:r>
+        </a:p>
+        <a:p>
+          <a:pPr marL="285750" lvl="1" indent="-285750" algn="l" defTabSz="1333500">
+            <a:lnSpc>
+              <a:spcPct val="90000"/>
+            </a:lnSpc>
+            <a:spcBef>
+              <a:spcPct val="0"/>
+            </a:spcBef>
+            <a:spcAft>
+              <a:spcPct val="15000"/>
+            </a:spcAft>
+            <a:buChar char="•"/>
+          </a:pPr>
+          <a:r>
+            <a:rPr lang="en-GB" sz="3000" kern="1200" dirty="0"/>
+            <a:t>On-prem design patterns</a:t>
+          </a:r>
+        </a:p>
+        <a:p>
+          <a:pPr marL="285750" lvl="1" indent="-285750" algn="l" defTabSz="1333500">
+            <a:lnSpc>
+              <a:spcPct val="90000"/>
+            </a:lnSpc>
+            <a:spcBef>
+              <a:spcPct val="0"/>
+            </a:spcBef>
+            <a:spcAft>
+              <a:spcPct val="15000"/>
+            </a:spcAft>
+            <a:buChar char="•"/>
+          </a:pPr>
+          <a:r>
+            <a:rPr lang="en-GB" sz="3000" kern="1200" dirty="0"/>
+            <a:t>Solution scales together</a:t>
+          </a:r>
+        </a:p>
+      </dsp:txBody>
+      <dsp:txXfrm>
+        <a:off x="53" y="922810"/>
+        <a:ext cx="5148790" cy="3983681"/>
+      </dsp:txXfrm>
+    </dsp:sp>
+    <dsp:sp modelId="{96B23F5E-1EC1-4066-BA76-94974BD77999}">
+      <dsp:nvSpPr>
+        <dsp:cNvPr id="0" name=""/>
+        <dsp:cNvSpPr/>
+      </dsp:nvSpPr>
+      <dsp:spPr>
+        <a:xfrm>
+          <a:off x="5869674" y="58810"/>
+          <a:ext cx="5148790" cy="864000"/>
+        </a:xfrm>
+        <a:prstGeom prst="rect">
+          <a:avLst/>
+        </a:prstGeom>
+        <a:noFill/>
+        <a:ln w="10795" cap="flat" cmpd="sng" algn="ctr">
+          <a:solidFill>
+            <a:schemeClr val="accent1"/>
+          </a:solidFill>
+          <a:prstDash val="solid"/>
+        </a:ln>
+        <a:effectLst/>
+      </dsp:spPr>
+      <dsp:style>
+        <a:lnRef idx="2">
+          <a:scrgbClr r="0" g="0" b="0"/>
+        </a:lnRef>
+        <a:fillRef idx="1">
+          <a:scrgbClr r="0" g="0" b="0"/>
+        </a:fillRef>
+        <a:effectRef idx="0">
+          <a:scrgbClr r="0" g="0" b="0"/>
+        </a:effectRef>
+        <a:fontRef idx="minor">
+          <a:schemeClr val="lt1"/>
+        </a:fontRef>
+      </dsp:style>
+      <dsp:txBody>
+        <a:bodyPr spcFirstLastPara="0" vert="horz" wrap="square" lIns="213360" tIns="121920" rIns="213360" bIns="121920" numCol="1" spcCol="1270" anchor="ctr" anchorCtr="0">
+          <a:noAutofit/>
+        </a:bodyPr>
+        <a:lstStyle/>
+        <a:p>
+          <a:pPr marL="0" lvl="0" indent="0" algn="ctr" defTabSz="1333500">
+            <a:lnSpc>
+              <a:spcPct val="90000"/>
+            </a:lnSpc>
+            <a:spcBef>
+              <a:spcPct val="0"/>
+            </a:spcBef>
+            <a:spcAft>
+              <a:spcPct val="35000"/>
+            </a:spcAft>
+            <a:buNone/>
+          </a:pPr>
+          <a:r>
+            <a:rPr lang="en-GB" sz="3000" kern="1200" dirty="0">
+              <a:solidFill>
+                <a:sysClr val="windowText" lastClr="000000"/>
+              </a:solidFill>
+            </a:rPr>
+            <a:t>Loosely Coupled</a:t>
+          </a:r>
+        </a:p>
+      </dsp:txBody>
+      <dsp:txXfrm>
+        <a:off x="5869674" y="58810"/>
+        <a:ext cx="5148790" cy="864000"/>
+      </dsp:txXfrm>
+    </dsp:sp>
+    <dsp:sp modelId="{4D17DA0E-1C8B-4771-887D-DF9959A1A884}">
+      <dsp:nvSpPr>
+        <dsp:cNvPr id="0" name=""/>
+        <dsp:cNvSpPr/>
+      </dsp:nvSpPr>
+      <dsp:spPr>
+        <a:xfrm>
+          <a:off x="5869674" y="922810"/>
+          <a:ext cx="5148790" cy="3983681"/>
+        </a:xfrm>
+        <a:prstGeom prst="rect">
+          <a:avLst/>
+        </a:prstGeom>
+        <a:solidFill>
+          <a:schemeClr val="accent1">
+            <a:alpha val="90000"/>
+            <a:tint val="40000"/>
+            <a:hueOff val="0"/>
+            <a:satOff val="0"/>
+            <a:lumOff val="0"/>
+            <a:alphaOff val="0"/>
+          </a:schemeClr>
+        </a:solidFill>
+        <a:ln w="10795" cap="flat" cmpd="sng" algn="ctr">
+          <a:solidFill>
+            <a:schemeClr val="accent1">
+              <a:alpha val="90000"/>
+              <a:tint val="40000"/>
+              <a:hueOff val="0"/>
+              <a:satOff val="0"/>
+              <a:lumOff val="0"/>
+              <a:alphaOff val="0"/>
+            </a:schemeClr>
+          </a:solidFill>
+          <a:prstDash val="solid"/>
+        </a:ln>
+        <a:effectLst/>
+      </dsp:spPr>
+      <dsp:style>
+        <a:lnRef idx="2">
+          <a:scrgbClr r="0" g="0" b="0"/>
+        </a:lnRef>
+        <a:fillRef idx="1">
+          <a:scrgbClr r="0" g="0" b="0"/>
+        </a:fillRef>
+        <a:effectRef idx="0">
+          <a:scrgbClr r="0" g="0" b="0"/>
+        </a:effectRef>
+        <a:fontRef idx="minor"/>
+      </dsp:style>
+      <dsp:txBody>
+        <a:bodyPr spcFirstLastPara="0" vert="horz" wrap="square" lIns="160020" tIns="160020" rIns="213360" bIns="240030" numCol="1" spcCol="1270" anchor="t" anchorCtr="0">
+          <a:noAutofit/>
+        </a:bodyPr>
+        <a:lstStyle/>
+        <a:p>
+          <a:pPr marL="285750" lvl="1" indent="-285750" algn="l" defTabSz="1333500">
+            <a:lnSpc>
+              <a:spcPct val="90000"/>
+            </a:lnSpc>
+            <a:spcBef>
+              <a:spcPct val="0"/>
+            </a:spcBef>
+            <a:spcAft>
+              <a:spcPct val="15000"/>
+            </a:spcAft>
+            <a:buChar char="•"/>
+          </a:pPr>
+          <a:r>
+            <a:rPr lang="en-GB" sz="3000" kern="1200" dirty="0"/>
+            <a:t>Changes are small</a:t>
+          </a:r>
+        </a:p>
+        <a:p>
+          <a:pPr marL="285750" lvl="1" indent="-285750" algn="l" defTabSz="1333500">
+            <a:lnSpc>
+              <a:spcPct val="90000"/>
+            </a:lnSpc>
+            <a:spcBef>
+              <a:spcPct val="0"/>
+            </a:spcBef>
+            <a:spcAft>
+              <a:spcPct val="15000"/>
+            </a:spcAft>
+            <a:buChar char="•"/>
+          </a:pPr>
+          <a:r>
+            <a:rPr lang="en-GB" sz="3000" kern="1200" dirty="0"/>
+            <a:t>Experimentation is easy</a:t>
+          </a:r>
+        </a:p>
+        <a:p>
+          <a:pPr marL="285750" lvl="1" indent="-285750" algn="l" defTabSz="1333500">
+            <a:lnSpc>
+              <a:spcPct val="90000"/>
+            </a:lnSpc>
+            <a:spcBef>
+              <a:spcPct val="0"/>
+            </a:spcBef>
+            <a:spcAft>
+              <a:spcPct val="15000"/>
+            </a:spcAft>
+            <a:buChar char="•"/>
+          </a:pPr>
+          <a:r>
+            <a:rPr lang="en-GB" sz="3000" kern="1200" dirty="0"/>
+            <a:t>Evolution is natural</a:t>
+          </a:r>
+        </a:p>
+        <a:p>
+          <a:pPr marL="285750" lvl="1" indent="-285750" algn="l" defTabSz="1333500">
+            <a:lnSpc>
+              <a:spcPct val="90000"/>
+            </a:lnSpc>
+            <a:spcBef>
+              <a:spcPct val="0"/>
+            </a:spcBef>
+            <a:spcAft>
+              <a:spcPct val="15000"/>
+            </a:spcAft>
+            <a:buChar char="•"/>
+          </a:pPr>
+          <a:r>
+            <a:rPr lang="en-GB" sz="3000" kern="1200" dirty="0"/>
+            <a:t>Cost is easier to optimise</a:t>
+          </a:r>
+        </a:p>
+        <a:p>
+          <a:pPr marL="285750" lvl="1" indent="-285750" algn="l" defTabSz="1333500">
+            <a:lnSpc>
+              <a:spcPct val="90000"/>
+            </a:lnSpc>
+            <a:spcBef>
+              <a:spcPct val="0"/>
+            </a:spcBef>
+            <a:spcAft>
+              <a:spcPct val="15000"/>
+            </a:spcAft>
+            <a:buChar char="•"/>
+          </a:pPr>
+          <a:r>
+            <a:rPr lang="en-GB" sz="3000" kern="1200" dirty="0"/>
+            <a:t>Cloud design patterns</a:t>
+          </a:r>
+        </a:p>
+        <a:p>
+          <a:pPr marL="285750" lvl="1" indent="-285750" algn="l" defTabSz="1333500">
+            <a:lnSpc>
+              <a:spcPct val="90000"/>
+            </a:lnSpc>
+            <a:spcBef>
+              <a:spcPct val="0"/>
+            </a:spcBef>
+            <a:spcAft>
+              <a:spcPct val="15000"/>
+            </a:spcAft>
+            <a:buChar char="•"/>
+          </a:pPr>
+          <a:r>
+            <a:rPr lang="en-GB" sz="3000" kern="1200" dirty="0"/>
+            <a:t>Components scale independently</a:t>
+          </a:r>
+        </a:p>
+      </dsp:txBody>
+      <dsp:txXfrm>
+        <a:off x="5869674" y="922810"/>
+        <a:ext cx="5148790" cy="3983681"/>
+      </dsp:txXfrm>
+    </dsp:sp>
+  </dsp:spTree>
+</dsp:drawing>
+</file>
+
+<file path=ppt/diagrams/layout1.xml><?xml version="1.0" encoding="utf-8"?>
+<dgm:layoutDef xmlns:dgm="http://schemas.openxmlformats.org/drawingml/2006/diagram" xmlns:a="http://schemas.openxmlformats.org/drawingml/2006/main" uniqueId="urn:microsoft.com/office/officeart/2005/8/layout/list1">
+  <dgm:title val=""/>
+  <dgm:desc val=""/>
+  <dgm:catLst>
+    <dgm:cat type="list" pri="4000"/>
+  </dgm:catLst>
+  <dgm:sampData>
+    <dgm:dataModel>
+      <dgm:ptLst>
+        <dgm:pt modelId="0" type="doc"/>
+        <dgm:pt modelId="1">
+          <dgm:prSet phldr="1"/>
+        </dgm:pt>
+        <dgm:pt modelId="2">
+          <dgm:prSet phldr="1"/>
+        </dgm:pt>
+        <dgm:pt modelId="3">
+          <dgm:prSet phldr="1"/>
+        </dgm:pt>
+      </dgm:ptLst>
+      <dgm:cxnLst>
+        <dgm:cxn modelId="4" srcId="0" destId="1" srcOrd="0" destOrd="0"/>
+        <dgm:cxn modelId="5" srcId="0" destId="2" srcOrd="1" destOrd="0"/>
+        <dgm:cxn modelId="6" srcId="0" destId="3" srcOrd="2" destOrd="0"/>
+      </dgm:cxnLst>
+      <dgm:bg/>
+      <dgm:whole/>
+    </dgm:dataModel>
+  </dgm:sampData>
+  <dgm:styleData>
+    <dgm:dataModel>
+      <dgm:ptLst>
+        <dgm:pt modelId="0" type="doc"/>
+        <dgm:pt modelId="1"/>
+        <dgm:pt modelId="2"/>
+      </dgm:ptLst>
+      <dgm:cxnLst>
+        <dgm:cxn modelId="4" srcId="0" destId="1" srcOrd="0" destOrd="0"/>
+        <dgm:cxn modelId="5" srcId="0" destId="2" srcOrd="1" destOrd="0"/>
+      </dgm:cxnLst>
+      <dgm:bg/>
+      <dgm:whole/>
+    </dgm:dataModel>
+  </dgm:styleData>
+  <dgm:clrData>
+    <dgm:dataModel>
+      <dgm:ptLst>
+        <dgm:pt modelId="0" type="doc"/>
+        <dgm:pt modelId="1"/>
+        <dgm:pt modelId="2"/>
+        <dgm:pt modelId="3"/>
+        <dgm:pt modelId="4"/>
+      </dgm:ptLst>
+      <dgm:cxnLst>
+        <dgm:cxn modelId="5" srcId="0" destId="1" srcOrd="0" destOrd="0"/>
+        <dgm:cxn modelId="6" srcId="0" destId="2" srcOrd="1" destOrd="0"/>
+        <dgm:cxn modelId="7" srcId="0" destId="3" srcOrd="2" destOrd="0"/>
+        <dgm:cxn modelId="8" srcId="0" destId="4" srcOrd="3" destOrd="0"/>
+      </dgm:cxnLst>
+      <dgm:bg/>
+      <dgm:whole/>
+    </dgm:dataModel>
+  </dgm:clrData>
+  <dgm:layoutNode name="linear">
+    <dgm:varLst>
+      <dgm:dir/>
+      <dgm:animLvl val="lvl"/>
+      <dgm:resizeHandles val="exact"/>
+    </dgm:varLst>
+    <dgm:choose name="Name0">
+      <dgm:if name="Name1" func="var" arg="dir" op="equ" val="norm">
+        <dgm:alg type="lin">
+          <dgm:param type="linDir" val="fromT"/>
+          <dgm:param type="vertAlign" val="mid"/>
+          <dgm:param type="horzAlign" val="l"/>
+          <dgm:param type="nodeHorzAlign" val="l"/>
+        </dgm:alg>
+      </dgm:if>
+      <dgm:else name="Name2">
+        <dgm:alg type="lin">
+          <dgm:param type="linDir" val="fromT"/>
+          <dgm:param type="vertAlign" val="mid"/>
+          <dgm:param type="horzAlign" val="r"/>
+          <dgm:param type="nodeHorzAlign" val="r"/>
+        </dgm:alg>
+      </dgm:else>
+    </dgm:choose>
+    <dgm:shape xmlns:r="http://schemas.openxmlformats.org/officeDocument/2006/relationships" r:blip="">
+      <dgm:adjLst/>
+    </dgm:shape>
+    <dgm:presOf/>
+    <dgm:constrLst>
+      <dgm:constr type="w" for="ch" forName="parentLin" refType="w"/>
+      <dgm:constr type="h" for="ch" forName="parentLin" val="INF"/>
+      <dgm:constr type="w" for="des" forName="parentLeftMargin" refType="w" fact="0.05"/>
+      <dgm:constr type="w" for="des" forName="parentText" refType="w" fact="0.7"/>
+      <dgm:constr type="h" for="des" forName="parentText" refType="primFontSz" refFor="des" refForName="parentText" fact="0.82"/>
+      <dgm:constr type="h" for="ch" forName="negativeSpace" refType="primFontSz" refFor="des" refForName="parentText" fact="-0.41"/>
+      <dgm:constr type="h" for="ch" forName="negativeSpace" refType="h" refFor="des" refForName="parentText" op="lte" fact="-0.82"/>
+      <dgm:constr type="h" for="ch" forName="negativeSpace" refType="h" refFor="des" refForName="parentText" op="gte" fact="-0.82"/>
+      <dgm:constr type="w" for="ch" forName="childText" refType="w"/>
+      <dgm:constr type="h" for="ch" forName="childText" refType="primFontSz" refFor="des" refForName="parentText" fact="0.7"/>
+      <dgm:constr type="primFontSz" for="des" forName="parentText" val="65"/>
+      <dgm:constr type="primFontSz" for="ch" forName="childText" refType="primFontSz" refFor="des" refForName="parentText"/>
+      <dgm:constr type="tMarg" for="ch" forName="childText" refType="primFontSz" refFor="des" refForName="parentText" fact="1.64"/>
+      <dgm:constr type="tMarg" for="ch" forName="childText" refType="h" refFor="des" refForName="parentText" op="lte" fact="3.28"/>
+      <dgm:constr type="tMarg" for="ch" forName="childText" refType="h" refFor="des" refForName="parentText" op="gte" fact="3.28"/>
+      <dgm:constr type="lMarg" for="ch" forName="childText" refType="w" fact="0.22"/>
+      <dgm:constr type="rMarg" for="ch" forName="childText" refType="lMarg" refFor="ch" refForName="childText"/>
+      <dgm:constr type="lMarg" for="des" forName="parentText" refType="w" fact="0.075"/>
+      <dgm:constr type="rMarg" for="des" forName="parentText" refType="lMarg" refFor="des" refForName="parentText"/>
+      <dgm:constr type="h" for="ch" forName="spaceBetweenRectangles" refType="primFontSz" refFor="des" refForName="parentText" fact="0.15"/>
+    </dgm:constrLst>
+    <dgm:ruleLst>
+      <dgm:rule type="primFontSz" for="des" forName="parentText" val="5" fact="NaN" max="NaN"/>
+    </dgm:ruleLst>
+    <dgm:forEach name="Name3" axis="ch" ptType="node">
+      <dgm:layoutNode name="parentLin">
+        <dgm:choose name="Name4">
+          <dgm:if name="Name5" func="var" arg="dir" op="equ" val="norm">
+            <dgm:alg type="lin">
+              <dgm:param type="linDir" val="fromL"/>
+              <dgm:param type="horzAlign" val="l"/>
+              <dgm:param type="nodeHorzAlign" val="l"/>
+            </dgm:alg>
+          </dgm:if>
+          <dgm:else name="Name6">
+            <dgm:alg type="lin">
+              <dgm:param type="linDir" val="fromR"/>
+              <dgm:param type="horzAlign" val="r"/>
+              <dgm:param type="nodeHorzAlign" val="r"/>
+            </dgm:alg>
+          </dgm:else>
+        </dgm:choose>
+        <dgm:shape xmlns:r="http://schemas.openxmlformats.org/officeDocument/2006/relationships" r:blip="">
+          <dgm:adjLst/>
+        </dgm:shape>
+        <dgm:presOf/>
+        <dgm:constrLst/>
+        <dgm:ruleLst/>
+        <dgm:layoutNode name="parentLeftMargin">
+          <dgm:alg type="sp"/>
+          <dgm:shape xmlns:r="http://schemas.openxmlformats.org/officeDocument/2006/relationships" type="rect" r:blip="" hideGeom="1">
+            <dgm:adjLst/>
+          </dgm:shape>
+          <dgm:presOf axis="self"/>
+          <dgm:constrLst>
+            <dgm:constr type="h"/>
+          </dgm:constrLst>
+          <dgm:ruleLst/>
+        </dgm:layoutNode>
+        <dgm:layoutNode name="parentText" styleLbl="node1">
+          <dgm:varLst>
+            <dgm:chMax val="0"/>
+            <dgm:bulletEnabled val="1"/>
+          </dgm:varLst>
+          <dgm:choose name="Name7">
+            <dgm:if name="Name8" func="var" arg="dir" op="equ" val="norm">
+              <dgm:alg type="tx">
+                <dgm:param type="parTxLTRAlign" val="l"/>
+                <dgm:param type="parTxRTLAlign" val="l"/>
+              </dgm:alg>
+            </dgm:if>
+            <dgm:else name="Name9">
+              <dgm:alg type="tx">
+                <dgm:param type="parTxLTRAlign" val="r"/>
+                <dgm:param type="parTxRTLAlign" val="r"/>
+              </dgm:alg>
+            </dgm:else>
+          </dgm:choose>
+          <dgm:shape xmlns:r="http://schemas.openxmlformats.org/officeDocument/2006/relationships" type="roundRect" r:blip="">
+            <dgm:adjLst/>
+          </dgm:shape>
+          <dgm:presOf axis="self" ptType="node"/>
+          <dgm:constrLst>
+            <dgm:constr type="tMarg"/>
+            <dgm:constr type="bMarg"/>
+          </dgm:constrLst>
+          <dgm:ruleLst/>
+        </dgm:layoutNode>
+      </dgm:layoutNode>
+      <dgm:layoutNode name="negativeSpace">
+        <dgm:alg type="sp"/>
+        <dgm:shape xmlns:r="http://schemas.openxmlformats.org/officeDocument/2006/relationships" r:blip="">
+          <dgm:adjLst/>
+        </dgm:shape>
+        <dgm:presOf/>
+        <dgm:constrLst/>
+        <dgm:ruleLst/>
+      </dgm:layoutNode>
+      <dgm:layoutNode name="childText" styleLbl="conFgAcc1">
+        <dgm:varLst>
+          <dgm:bulletEnabled val="1"/>
+        </dgm:varLst>
+        <dgm:alg type="tx">
+          <dgm:param type="stBulletLvl" val="1"/>
+        </dgm:alg>
+        <dgm:shape xmlns:r="http://schemas.openxmlformats.org/officeDocument/2006/relationships" type="rect" r:blip="" zOrderOff="-2">
+          <dgm:adjLst/>
+        </dgm:shape>
+        <dgm:presOf axis="des" ptType="node"/>
+        <dgm:constrLst>
+          <dgm:constr type="secFontSz" refType="primFontSz"/>
+        </dgm:constrLst>
+        <dgm:ruleLst>
+          <dgm:rule type="h" val="INF" fact="NaN" max="NaN"/>
+        </dgm:ruleLst>
+      </dgm:layoutNode>
+      <dgm:forEach name="Name10" axis="followSib" ptType="sibTrans" cnt="1">
+        <dgm:layoutNode name="spaceBetweenRectangles">
+          <dgm:alg type="sp"/>
+          <dgm:shape xmlns:r="http://schemas.openxmlformats.org/officeDocument/2006/relationships" r:blip="">
+            <dgm:adjLst/>
+          </dgm:shape>
+          <dgm:presOf/>
+          <dgm:constrLst/>
+          <dgm:ruleLst/>
+        </dgm:layoutNode>
+      </dgm:forEach>
+    </dgm:forEach>
+  </dgm:layoutNode>
+</dgm:layoutDef>
+</file>
+
+<file path=ppt/diagrams/layout2.xml><?xml version="1.0" encoding="utf-8"?>
+<dgm:layoutDef xmlns:dgm="http://schemas.openxmlformats.org/drawingml/2006/diagram" xmlns:a="http://schemas.openxmlformats.org/drawingml/2006/main" uniqueId="urn:microsoft.com/office/officeart/2005/8/layout/hList1">
+  <dgm:title val=""/>
+  <dgm:desc val=""/>
+  <dgm:catLst>
+    <dgm:cat type="list" pri="5000"/>
+    <dgm:cat type="convert" pri="5000"/>
+  </dgm:catLst>
+  <dgm:sampData>
+    <dgm:dataModel>
+      <dgm:ptLst>
+        <dgm:pt modelId="0" type="doc"/>
+        <dgm:pt modelId="1">
+          <dgm:prSet phldr="1"/>
+        </dgm:pt>
+        <dgm:pt modelId="11">
+          <dgm:prSet phldr="1"/>
+        </dgm:pt>
+        <dgm:pt modelId="12">
+          <dgm:prSet phldr="1"/>
+        </dgm:pt>
+        <dgm:pt modelId="2">
+          <dgm:prSet phldr="1"/>
+        </dgm:pt>
+        <dgm:pt modelId="21">
+          <dgm:prSet phldr="1"/>
+        </dgm:pt>
+        <dgm:pt modelId="22">
+          <dgm:prSet phldr="1"/>
+        </dgm:pt>
+        <dgm:pt modelId="3">
+          <dgm:prSet phldr="1"/>
+        </dgm:pt>
+        <dgm:pt modelId="31">
+          <dgm:prSet phldr="1"/>
+        </dgm:pt>
+        <dgm:pt modelId="32">
+          <dgm:prSet phldr="1"/>
+        </dgm:pt>
+      </dgm:ptLst>
+      <dgm:cxnLst>
+        <dgm:cxn modelId="4" srcId="0" destId="1" srcOrd="0" destOrd="0"/>
+        <dgm:cxn modelId="5" srcId="0" destId="2" srcOrd="1" destOrd="0"/>
+        <dgm:cxn modelId="6" srcId="0" destId="3" srcOrd="2" destOrd="0"/>
+        <dgm:cxn modelId="13" srcId="1" destId="11" srcOrd="0" destOrd="0"/>
+        <dgm:cxn modelId="14" srcId="1" destId="12" srcOrd="1" destOrd="0"/>
+        <dgm:cxn modelId="23" srcId="2" destId="21" srcOrd="0" destOrd="0"/>
+        <dgm:cxn modelId="24" srcId="2" destId="22" srcOrd="1" destOrd="0"/>
+        <dgm:cxn modelId="33" srcId="3" destId="31" srcOrd="0" destOrd="0"/>
+        <dgm:cxn modelId="34" srcId="3" destId="32" srcOrd="1" destOrd="0"/>
+      </dgm:cxnLst>
+      <dgm:bg/>
+      <dgm:whole/>
+    </dgm:dataModel>
+  </dgm:sampData>
+  <dgm:styleData>
+    <dgm:dataModel>
+      <dgm:ptLst>
+        <dgm:pt modelId="0" type="doc"/>
+        <dgm:pt modelId="1">
+          <dgm:prSet phldr="1"/>
+        </dgm:pt>
+        <dgm:pt modelId="2">
+          <dgm:prSet phldr="1"/>
+        </dgm:pt>
+      </dgm:ptLst>
+      <dgm:cxnLst>
+        <dgm:cxn modelId="3" srcId="0" destId="1" srcOrd="0" destOrd="0"/>
+        <dgm:cxn modelId="4" srcId="0" destId="2" srcOrd="1" destOrd="0"/>
+      </dgm:cxnLst>
+      <dgm:bg/>
+      <dgm:whole/>
+    </dgm:dataModel>
+  </dgm:styleData>
+  <dgm:clrData>
+    <dgm:dataModel>
+      <dgm:ptLst>
+        <dgm:pt modelId="0" type="doc"/>
+        <dgm:pt modelId="1">
+          <dgm:prSet phldr="1"/>
+        </dgm:pt>
+        <dgm:pt modelId="2">
+          <dgm:prSet phldr="1"/>
+        </dgm:pt>
+        <dgm:pt modelId="3">
+          <dgm:prSet phldr="1"/>
+        </dgm:pt>
+        <dgm:pt modelId="4">
+          <dgm:prSet phldr="1"/>
+        </dgm:pt>
+      </dgm:ptLst>
+      <dgm:cxnLst>
+        <dgm:cxn modelId="5" srcId="0" destId="1" srcOrd="0" destOrd="0"/>
+        <dgm:cxn modelId="6" srcId="0" destId="2" srcOrd="1" destOrd="0"/>
+        <dgm:cxn modelId="7" srcId="0" destId="3" srcOrd="2" destOrd="0"/>
+        <dgm:cxn modelId="8" srcId="0" destId="4" srcOrd="3" destOrd="0"/>
+      </dgm:cxnLst>
+      <dgm:bg/>
+      <dgm:whole/>
+    </dgm:dataModel>
+  </dgm:clrData>
+  <dgm:layoutNode name="Name0">
+    <dgm:varLst>
+      <dgm:dir/>
+      <dgm:animLvl val="lvl"/>
+      <dgm:resizeHandles val="exact"/>
+    </dgm:varLst>
+    <dgm:choose name="Name1">
+      <dgm:if name="Name2" func="var" arg="dir" op="equ" val="norm">
+        <dgm:alg type="lin"/>
+      </dgm:if>
+      <dgm:else name="Name3">
+        <dgm:alg type="lin">
+          <dgm:param type="linDir" val="fromR"/>
+        </dgm:alg>
+      </dgm:else>
+    </dgm:choose>
+    <dgm:shape xmlns:r="http://schemas.openxmlformats.org/officeDocument/2006/relationships" r:blip="">
+      <dgm:adjLst/>
+    </dgm:shape>
+    <dgm:presOf/>
+    <dgm:constrLst>
+      <dgm:constr type="h" for="ch" forName="composite" refType="h"/>
+      <dgm:constr type="w" for="ch" forName="composite" refType="w"/>
+      <dgm:constr type="w" for="des" forName="parTx"/>
+      <dgm:constr type="h" for="des" forName="parTx" op="equ"/>
+      <dgm:constr type="w" for="des" forName="desTx"/>
+      <dgm:constr type="h" for="des" forName="desTx" op="equ"/>
+      <dgm:constr type="primFontSz" for="des" forName="parTx" val="65"/>
+      <dgm:constr type="secFontSz" for="des" forName="desTx" refType="primFontSz" refFor="des" refForName="parTx" op="equ"/>
+      <dgm:constr type="h" for="des" forName="parTx" refType="primFontSz" refFor="des" refForName="parTx" fact="0.8"/>
+      <dgm:constr type="h" for="des" forName="desTx" refType="primFontSz" refFor="des" refForName="parTx" fact="1.22"/>
+      <dgm:constr type="w" for="ch" forName="space" refType="w" refFor="ch" refForName="composite" op="equ" fact="0.14"/>
+    </dgm:constrLst>
+    <dgm:ruleLst>
+      <dgm:rule type="w" for="ch" forName="composite" val="0" fact="NaN" max="NaN"/>
+      <dgm:rule type="primFontSz" for="des" forName="parTx" val="5" fact="NaN" max="NaN"/>
+    </dgm:ruleLst>
+    <dgm:forEach name="Name4" axis="ch" ptType="node">
+      <dgm:layoutNode name="composite">
+        <dgm:alg type="composite"/>
+        <dgm:shape xmlns:r="http://schemas.openxmlformats.org/officeDocument/2006/relationships" r:blip="">
+          <dgm:adjLst/>
+        </dgm:shape>
+        <dgm:presOf/>
+        <dgm:constrLst>
+          <dgm:constr type="l" for="ch" forName="parTx"/>
+          <dgm:constr type="w" for="ch" forName="parTx" refType="w"/>
+          <dgm:constr type="t" for="ch" forName="parTx"/>
+          <dgm:constr type="l" for="ch" forName="desTx"/>
+          <dgm:constr type="w" for="ch" forName="desTx" refType="w" refFor="ch" refForName="parTx"/>
+          <dgm:constr type="t" for="ch" forName="desTx" refType="h" refFor="ch" refForName="parTx"/>
+        </dgm:constrLst>
+        <dgm:ruleLst>
+          <dgm:rule type="h" val="INF" fact="NaN" max="NaN"/>
+        </dgm:ruleLst>
+        <dgm:layoutNode name="parTx" styleLbl="alignNode1">
+          <dgm:varLst>
+            <dgm:chMax val="0"/>
+            <dgm:chPref val="0"/>
+            <dgm:bulletEnabled val="1"/>
+          </dgm:varLst>
+          <dgm:alg type="tx"/>
+          <dgm:shape xmlns:r="http://schemas.openxmlformats.org/officeDocument/2006/relationships" type="rect" r:blip="">
+            <dgm:adjLst/>
+          </dgm:shape>
+          <dgm:presOf axis="self" ptType="node"/>
+          <dgm:constrLst>
+            <dgm:constr type="h" refType="w" op="lte" fact="0.4"/>
+            <dgm:constr type="h"/>
+            <dgm:constr type="tMarg" refType="primFontSz" fact="0.32"/>
+            <dgm:constr type="bMarg" refType="primFontSz" fact="0.32"/>
+          </dgm:constrLst>
+          <dgm:ruleLst>
+            <dgm:rule type="h" val="INF" fact="NaN" max="NaN"/>
+          </dgm:ruleLst>
+        </dgm:layoutNode>
+        <dgm:layoutNode name="desTx" styleLbl="alignAccFollowNode1">
+          <dgm:varLst>
+            <dgm:bulletEnabled val="1"/>
+          </dgm:varLst>
+          <dgm:alg type="tx">
+            <dgm:param type="stBulletLvl" val="1"/>
+          </dgm:alg>
+          <dgm:shape xmlns:r="http://schemas.openxmlformats.org/officeDocument/2006/relationships" type="rect" r:blip="">
+            <dgm:adjLst/>
+          </dgm:shape>
+          <dgm:presOf axis="des" ptType="node"/>
+          <dgm:constrLst>
+            <dgm:constr type="secFontSz" val="65"/>
+            <dgm:constr type="primFontSz" refType="secFontSz"/>
+            <dgm:constr type="h"/>
+            <dgm:constr type="lMarg" refType="primFontSz" fact="0.42"/>
+            <dgm:constr type="tMarg" refType="primFontSz" fact="0.42"/>
+            <dgm:constr type="bMarg" refType="primFontSz" fact="0.63"/>
+          </dgm:constrLst>
+          <dgm:ruleLst>
+            <dgm:rule type="h" val="INF" fact="NaN" max="NaN"/>
+          </dgm:ruleLst>
+        </dgm:layoutNode>
+      </dgm:layoutNode>
+      <dgm:forEach name="Name5" axis="followSib" ptType="sibTrans" cnt="1">
+        <dgm:layoutNode name="space">
+          <dgm:alg type="sp"/>
+          <dgm:shape xmlns:r="http://schemas.openxmlformats.org/officeDocument/2006/relationships" r:blip="">
+            <dgm:adjLst/>
+          </dgm:shape>
+          <dgm:presOf/>
+          <dgm:constrLst/>
+          <dgm:ruleLst/>
+        </dgm:layoutNode>
+      </dgm:forEach>
+    </dgm:forEach>
+  </dgm:layoutNode>
+</dgm:layoutDef>
+</file>
+
+<file path=ppt/diagrams/quickStyle1.xml><?xml version="1.0" encoding="utf-8"?>
+<dgm:styleDef xmlns:dgm="http://schemas.openxmlformats.org/drawingml/2006/diagram" xmlns:a="http://schemas.openxmlformats.org/drawingml/2006/main" uniqueId="urn:microsoft.com/office/officeart/2005/8/quickstyle/simple1">
+  <dgm:title val=""/>
+  <dgm:desc val=""/>
+  <dgm:catLst>
+    <dgm:cat type="simple" pri="10100"/>
+  </dgm:catLst>
+  <dgm:scene3d>
+    <a:camera prst="orthographicFront"/>
+    <a:lightRig rig="threePt" dir="t"/>
+  </dgm:scene3d>
+  <dgm:styleLbl name="node0">
+    <dgm:scene3d>
+      <a:camera prst="orthographicFront"/>
+      <a:lightRig rig="threePt" dir="t"/>
+    </dgm:scene3d>
+    <dgm:sp3d/>
+    <dgm:txPr/>
+    <dgm:style>
+      <a:lnRef idx="2">
+        <a:scrgbClr r="0" g="0" b="0"/>
+      </a:lnRef>
+      <a:fillRef idx="1">
+        <a:scrgbClr r="0" g="0" b="0"/>
+      </a:fillRef>
+      <a:effectRef idx="0">
+        <a:scrgbClr r="0" g="0" b="0"/>
+      </a:effectRef>
+      <a:fontRef idx="minor">
+        <a:schemeClr val="lt1"/>
+      </a:fontRef>
+    </dgm:style>
+  </dgm:styleLbl>
+  <dgm:styleLbl name="lnNode1">
+    <dgm:scene3d>
+      <a:camera prst="orthographicFront"/>
+      <a:lightRig rig="threePt" dir="t"/>
+    </dgm:scene3d>
+    <dgm:sp3d/>
+    <dgm:txPr/>
+    <dgm:style>
+      <a:lnRef idx="2">
+        <a:scrgbClr r="0" g="0" b="0"/>
+      </a:lnRef>
+      <a:fillRef idx="1">
+        <a:scrgbClr r="0" g="0" b="0"/>
+      </a:fillRef>
+      <a:effectRef idx="0">
+        <a:scrgbClr r="0" g="0" b="0"/>
+      </a:effectRef>
+      <a:fontRef idx="minor">
+        <a:schemeClr val="lt1"/>
+      </a:fontRef>
+    </dgm:style>
+  </dgm:styleLbl>
+  <dgm:styleLbl name="vennNode1">
+    <dgm:scene3d>
+      <a:camera prst="orthographicFront"/>
+      <a:lightRig rig="threePt" dir="t"/>
+    </dgm:scene3d>
+    <dgm:sp3d/>
+    <dgm:txPr/>
+    <dgm:style>
+      <a:lnRef idx="2">
+        <a:scrgbClr r="0" g="0" b="0"/>
+      </a:lnRef>
+      <a:fillRef idx="1">
+        <a:scrgbClr r="0" g="0" b="0"/>
+      </a:fillRef>
+      <a:effectRef idx="0">
+        <a:scrgbClr r="0" g="0" b="0"/>
+      </a:effectRef>
+      <a:fontRef idx="minor">
+        <a:schemeClr val="tx1"/>
+      </a:fontRef>
+    </dgm:style>
+  </dgm:styleLbl>
+  <dgm:styleLbl name="alignNode1">
+    <dgm:scene3d>
+      <a:camera prst="orthographicFront"/>
+      <a:lightRig rig="threePt" dir="t"/>
+    </dgm:scene3d>
+    <dgm:sp3d/>
+    <dgm:txPr/>
+    <dgm:style>
+      <a:lnRef idx="2">
+        <a:scrgbClr r="0" g="0" b="0"/>
+      </a:lnRef>
+      <a:fillRef idx="1">
+        <a:scrgbClr r="0" g="0" b="0"/>
+      </a:fillRef>
+      <a:effectRef idx="0">
+        <a:scrgbClr r="0" g="0" b="0"/>
+      </a:effectRef>
+      <a:fontRef idx="minor">
+        <a:schemeClr val="lt1"/>
+      </a:fontRef>
+    </dgm:style>
+  </dgm:styleLbl>
+  <dgm:styleLbl name="node1">
+    <dgm:scene3d>
+      <a:camera prst="orthographicFront"/>
+      <a:lightRig rig="threePt" dir="t"/>
+    </dgm:scene3d>
+    <dgm:sp3d/>
+    <dgm:txPr/>
+    <dgm:style>
+      <a:lnRef idx="2">
+        <a:scrgbClr r="0" g="0" b="0"/>
+      </a:lnRef>
+      <a:fillRef idx="1">
+        <a:scrgbClr r="0" g="0" b="0"/>
+      </a:fillRef>
+      <a:effectRef idx="0">
+        <a:scrgbClr r="0" g="0" b="0"/>
+      </a:effectRef>
+      <a:fontRef idx="minor">
+        <a:schemeClr val="lt1"/>
+      </a:fontRef>
+    </dgm:style>
+  </dgm:styleLbl>
+  <dgm:styleLbl name="node2">
+    <dgm:scene3d>
+      <a:camera prst="orthographicFront"/>
+      <a:lightRig rig="threePt" dir="t"/>
+    </dgm:scene3d>
+    <dgm:sp3d/>
+    <dgm:txPr/>
+    <dgm:style>
+      <a:lnRef idx="2">
+        <a:scrgbClr r="0" g="0" b="0"/>
+      </a:lnRef>
+      <a:fillRef idx="1">
+        <a:scrgbClr r="0" g="0" b="0"/>
+      </a:fillRef>
+      <a:effectRef idx="0">
+        <a:scrgbClr r="0" g="0" b="0"/>
+      </a:effectRef>
+      <a:fontRef idx="minor">
+        <a:schemeClr val="lt1"/>
+      </a:fontRef>
+    </dgm:style>
+  </dgm:styleLbl>
+  <dgm:styleLbl name="node3">
+    <dgm:scene3d>
+      <a:camera prst="orthographicFront"/>
+      <a:lightRig rig="threePt" dir="t"/>
+    </dgm:scene3d>
+    <dgm:sp3d/>
+    <dgm:txPr/>
+    <dgm:style>
+      <a:lnRef idx="2">
+        <a:scrgbClr r="0" g="0" b="0"/>
+      </a:lnRef>
+      <a:fillRef idx="1">
+        <a:scrgbClr r="0" g="0" b="0"/>
+      </a:fillRef>
+      <a:effectRef idx="0">
+        <a:scrgbClr r="0" g="0" b="0"/>
+      </a:effectRef>
+      <a:fontRef idx="minor">
+        <a:schemeClr val="lt1"/>
+      </a:fontRef>
+    </dgm:style>
+  </dgm:styleLbl>
+  <dgm:styleLbl name="node4">
+    <dgm:scene3d>
+      <a:camera prst="orthographicFront"/>
+      <a:lightRig rig="threePt" dir="t"/>
+    </dgm:scene3d>
+    <dgm:sp3d/>
+    <dgm:txPr/>
+    <dgm:style>
+      <a:lnRef idx="2">
+        <a:scrgbClr r="0" g="0" b="0"/>
+      </a:lnRef>
+      <a:fillRef idx="1">
+        <a:scrgbClr r="0" g="0" b="0"/>
+      </a:fillRef>
+      <a:effectRef idx="0">
+        <a:scrgbClr r="0" g="0" b="0"/>
+      </a:effectRef>
+      <a:fontRef idx="minor">
+        <a:schemeClr val="lt1"/>
+      </a:fontRef>
+    </dgm:style>
+  </dgm:styleLbl>
+  <dgm:styleLbl name="fgImgPlace1">
+    <dgm:scene3d>
+      <a:camera prst="orthographicFront"/>
+      <a:lightRig rig="threePt" dir="t"/>
+    </dgm:scene3d>
+    <dgm:sp3d/>
+    <dgm:txPr/>
+    <dgm:style>
+      <a:lnRef idx="2">
+        <a:scrgbClr r="0" g="0" b="0"/>
+      </a:lnRef>
+      <a:fillRef idx="1">
+        <a:scrgbClr r="0" g="0" b="0"/>
+      </a:fillRef>
+      <a:effectRef idx="0">
+        <a:scrgbClr r="0" g="0" b="0"/>
+      </a:effectRef>
+      <a:fontRef idx="minor"/>
+    </dgm:style>
+  </dgm:styleLbl>
+  <dgm:styleLbl name="alignImgPlace1">
+    <dgm:scene3d>
+      <a:camera prst="orthographicFront"/>
+      <a:lightRig rig="threePt" dir="t"/>
+    </dgm:scene3d>
+    <dgm:sp3d/>
+    <dgm:txPr/>
+    <dgm:style>
+      <a:lnRef idx="2">
+        <a:scrgbClr r="0" g="0" b="0"/>
+      </a:lnRef>
+      <a:fillRef idx="1">
+        <a:scrgbClr r="0" g="0" b="0"/>
+      </a:fillRef>
+      <a:effectRef idx="0">
+        <a:scrgbClr r="0" g="0" b="0"/>
+      </a:effectRef>
+      <a:fontRef idx="minor"/>
+    </dgm:style>
+  </dgm:styleLbl>
+  <dgm:styleLbl name="bgImgPlace1">
+    <dgm:scene3d>
+      <a:camera prst="orthographicFront"/>
+      <a:lightRig rig="threePt" dir="t"/>
+    </dgm:scene3d>
+    <dgm:sp3d/>
+    <dgm:txPr/>
+    <dgm:style>
+      <a:lnRef idx="2">
+        <a:scrgbClr r="0" g="0" b="0"/>
+      </a:lnRef>
+      <a:fillRef idx="1">
+        <a:scrgbClr r="0" g="0" b="0"/>
+      </a:fillRef>
+      <a:effectRef idx="0">
+        <a:scrgbClr r="0" g="0" b="0"/>
+      </a:effectRef>
+      <a:fontRef idx="minor"/>
+    </dgm:style>
+  </dgm:styleLbl>
+  <dgm:styleLbl name="sibTrans2D1">
+    <dgm:scene3d>
+      <a:camera prst="orthographicFront"/>
+      <a:lightRig rig="threePt" dir="t"/>
+    </dgm:scene3d>
+    <dgm:sp3d/>
+    <dgm:txPr/>
+    <dgm:style>
+      <a:lnRef idx="0">
+        <a:scrgbClr r="0" g="0" b="0"/>
+      </a:lnRef>
+      <a:fillRef idx="1">
+        <a:scrgbClr r="0" g="0" b="0"/>
+      </a:fillRef>
+      <a:effectRef idx="0">
+        <a:scrgbClr r="0" g="0" b="0"/>
+      </a:effectRef>
+      <a:fontRef idx="minor">
+        <a:schemeClr val="lt1"/>
+      </a:fontRef>
+    </dgm:style>
+  </dgm:styleLbl>
+  <dgm:styleLbl name="fgSibTrans2D1">
+    <dgm:scene3d>
+      <a:camera prst="orthographicFront"/>
+      <a:lightRig rig="threePt" dir="t"/>
+    </dgm:scene3d>
+    <dgm:sp3d/>
+    <dgm:txPr/>
+    <dgm:style>
+      <a:lnRef idx="0">
+        <a:scrgbClr r="0" g="0" b="0"/>
+      </a:lnRef>
+      <a:fillRef idx="1">
+        <a:scrgbClr r="0" g="0" b="0"/>
+      </a:fillRef>
+      <a:effectRef idx="0">
+        <a:scrgbClr r="0" g="0" b="0"/>
+      </a:effectRef>
+      <a:fontRef idx="minor">
+        <a:schemeClr val="lt1"/>
+      </a:fontRef>
+    </dgm:style>
+  </dgm:styleLbl>
+  <dgm:styleLbl name="bgSibTrans2D1">
+    <dgm:scene3d>
+      <a:camera prst="orthographicFront"/>
+      <a:lightRig rig="threePt" dir="t"/>
+    </dgm:scene3d>
+    <dgm:sp3d/>
+    <dgm:txPr/>
+    <dgm:style>
+      <a:lnRef idx="0">
+        <a:scrgbClr r="0" g="0" b="0"/>
+      </a:lnRef>
+      <a:fillRef idx="1">
+        <a:scrgbClr r="0" g="0" b="0"/>
+      </a:fillRef>
+      <a:effectRef idx="0">
+        <a:scrgbClr r="0" g="0" b="0"/>
+      </a:effectRef>
+      <a:fontRef idx="minor">
+        <a:schemeClr val="lt1"/>
+      </a:fontRef>
+    </dgm:style>
+  </dgm:styleLbl>
+  <dgm:styleLbl name="sibTrans1D1">
+    <dgm:scene3d>
+      <a:camera prst="orthographicFront"/>
+      <a:lightRig rig="threePt" dir="t"/>
+    </dgm:scene3d>
+    <dgm:sp3d/>
+    <dgm:txPr/>
+    <dgm:style>
+      <a:lnRef idx="1">
+        <a:scrgbClr r="0" g="0" b="0"/>
+      </a:lnRef>
+      <a:fillRef idx="0">
+        <a:scrgbClr r="0" g="0" b="0"/>
+      </a:fillRef>
+      <a:effectRef idx="0">
+        <a:scrgbClr r="0" g="0" b="0"/>
+      </a:effectRef>
+      <a:fontRef idx="minor"/>
+    </dgm:style>
+  </dgm:styleLbl>
+  <dgm:styleLbl name="callout">
+    <dgm:scene3d>
+      <a:camera prst="orthographicFront"/>
+      <a:lightRig rig="threePt" dir="t"/>
+    </dgm:scene3d>
+    <dgm:sp3d/>
+    <dgm:txPr/>
+    <dgm:style>
+      <a:lnRef idx="2">
+        <a:scrgbClr r="0" g="0" b="0"/>
+      </a:lnRef>
+      <a:fillRef idx="1">
+        <a:scrgbClr r="0" g="0" b="0"/>
+      </a:fillRef>
+      <a:effectRef idx="0">
+        <a:scrgbClr r="0" g="0" b="0"/>
+      </a:effectRef>
+      <a:fontRef idx="minor"/>
+    </dgm:style>
+  </dgm:styleLbl>
+  <dgm:styleLbl name="asst0">
+    <dgm:scene3d>
+      <a:camera prst="orthographicFront"/>
+      <a:lightRig rig="threePt" dir="t"/>
+    </dgm:scene3d>
+    <dgm:sp3d/>
+    <dgm:txPr/>
+    <dgm:style>
+      <a:lnRef idx="2">
+        <a:scrgbClr r="0" g="0" b="0"/>
+      </a:lnRef>
+      <a:fillRef idx="1">
+        <a:scrgbClr r="0" g="0" b="0"/>
+      </a:fillRef>
+      <a:effectRef idx="0">
+        <a:scrgbClr r="0" g="0" b="0"/>
+      </a:effectRef>
+      <a:fontRef idx="minor">
+        <a:schemeClr val="lt1"/>
+      </a:fontRef>
+    </dgm:style>
+  </dgm:styleLbl>
+  <dgm:styleLbl name="asst1">
+    <dgm:scene3d>
+      <a:camera prst="orthographicFront"/>
+      <a:lightRig rig="threePt" dir="t"/>
+    </dgm:scene3d>
+    <dgm:sp3d/>
+    <dgm:txPr/>
+    <dgm:style>
+      <a:lnRef idx="2">
+        <a:scrgbClr r="0" g="0" b="0"/>
+      </a:lnRef>
+      <a:fillRef idx="1">
+        <a:scrgbClr r="0" g="0" b="0"/>
+      </a:fillRef>
+      <a:effectRef idx="0">
+        <a:scrgbClr r="0" g="0" b="0"/>
+      </a:effectRef>
+      <a:fontRef idx="minor">
+        <a:schemeClr val="lt1"/>
+      </a:fontRef>
+    </dgm:style>
+  </dgm:styleLbl>
+  <dgm:styleLbl name="asst2">
+    <dgm:scene3d>
+      <a:camera prst="orthographicFront"/>
+      <a:lightRig rig="threePt" dir="t"/>
+    </dgm:scene3d>
+    <dgm:sp3d/>
+    <dgm:txPr/>
+    <dgm:style>
+      <a:lnRef idx="2">
+        <a:scrgbClr r="0" g="0" b="0"/>
+      </a:lnRef>
+      <a:fillRef idx="1">
+        <a:scrgbClr r="0" g="0" b="0"/>
+      </a:fillRef>
+      <a:effectRef idx="0">
+        <a:scrgbClr r="0" g="0" b="0"/>
+      </a:effectRef>
+      <a:fontRef idx="minor">
+        <a:schemeClr val="lt1"/>
+      </a:fontRef>
+    </dgm:style>
+  </dgm:styleLbl>
+  <dgm:styleLbl name="asst3">
+    <dgm:scene3d>
+      <a:camera prst="orthographicFront"/>
+      <a:lightRig rig="threePt" dir="t"/>
+    </dgm:scene3d>
+    <dgm:sp3d/>
+    <dgm:txPr/>
+    <dgm:style>
+      <a:lnRef idx="2">
+        <a:scrgbClr r="0" g="0" b="0"/>
+      </a:lnRef>
+      <a:fillRef idx="1">
+        <a:scrgbClr r="0" g="0" b="0"/>
+      </a:fillRef>
+      <a:effectRef idx="0">
+        <a:scrgbClr r="0" g="0" b="0"/>
+      </a:effectRef>
+      <a:fontRef idx="minor">
+        <a:schemeClr val="lt1"/>
+      </a:fontRef>
+    </dgm:style>
+  </dgm:styleLbl>
+  <dgm:styleLbl name="asst4">
+    <dgm:scene3d>
+      <a:camera prst="orthographicFront"/>
+      <a:lightRig rig="threePt" dir="t"/>
+    </dgm:scene3d>
+    <dgm:sp3d/>
+    <dgm:txPr/>
+    <dgm:style>
+      <a:lnRef idx="2">
+        <a:scrgbClr r="0" g="0" b="0"/>
+      </a:lnRef>
+      <a:fillRef idx="1">
+        <a:scrgbClr r="0" g="0" b="0"/>
+      </a:fillRef>
+      <a:effectRef idx="0">
+        <a:scrgbClr r="0" g="0" b="0"/>
+      </a:effectRef>
+      <a:fontRef idx="minor">
+        <a:schemeClr val="lt1"/>
+      </a:fontRef>
+    </dgm:style>
+  </dgm:styleLbl>
+  <dgm:styleLbl name="parChTrans2D1">
+    <dgm:scene3d>
+      <a:camera prst="orthographicFront"/>
+      <a:lightRig rig="threePt" dir="t"/>
+    </dgm:scene3d>
+    <dgm:sp3d/>
+    <dgm:txPr/>
+    <dgm:style>
+      <a:lnRef idx="2">
+        <a:scrgbClr r="0" g="0" b="0"/>
+      </a:lnRef>
+      <a:fillRef idx="1">
+        <a:scrgbClr r="0" g="0" b="0"/>
+      </a:fillRef>
+      <a:effectRef idx="0">
+        <a:scrgbClr r="0" g="0" b="0"/>
+      </a:effectRef>
+      <a:fontRef idx="minor">
+        <a:schemeClr val="lt1"/>
+      </a:fontRef>
+    </dgm:style>
+  </dgm:styleLbl>
+  <dgm:styleLbl name="parChTrans2D2">
+    <dgm:scene3d>
+      <a:camera prst="orthographicFront"/>
+      <a:lightRig rig="threePt" dir="t"/>
+    </dgm:scene3d>
+    <dgm:sp3d/>
+    <dgm:txPr/>
+    <dgm:style>
+      <a:lnRef idx="2">
+        <a:scrgbClr r="0" g="0" b="0"/>
+      </a:lnRef>
+      <a:fillRef idx="1">
+        <a:scrgbClr r="0" g="0" b="0"/>
+      </a:fillRef>
+      <a:effectRef idx="0">
+        <a:scrgbClr r="0" g="0" b="0"/>
+      </a:effectRef>
+      <a:fontRef idx="minor">
+        <a:schemeClr val="lt1"/>
+      </a:fontRef>
+    </dgm:style>
+  </dgm:styleLbl>
+  <dgm:styleLbl name="parChTrans2D3">
+    <dgm:scene3d>
+      <a:camera prst="orthographicFront"/>
+      <a:lightRig rig="threePt" dir="t"/>
+    </dgm:scene3d>
+    <dgm:sp3d/>
+    <dgm:txPr/>
+    <dgm:style>
+      <a:lnRef idx="2">
+        <a:scrgbClr r="0" g="0" b="0"/>
+      </a:lnRef>
+      <a:fillRef idx="1">
+        <a:scrgbClr r="0" g="0" b="0"/>
+      </a:fillRef>
+      <a:effectRef idx="0">
+        <a:scrgbClr r="0" g="0" b="0"/>
+      </a:effectRef>
+      <a:fontRef idx="minor">
+        <a:schemeClr val="lt1"/>
+      </a:fontRef>
+    </dgm:style>
+  </dgm:styleLbl>
+  <dgm:styleLbl name="parChTrans2D4">
+    <dgm:scene3d>
+      <a:camera prst="orthographicFront"/>
+      <a:lightRig rig="threePt" dir="t"/>
+    </dgm:scene3d>
+    <dgm:sp3d/>
+    <dgm:txPr/>
+    <dgm:style>
+      <a:lnRef idx="2">
+        <a:scrgbClr r="0" g="0" b="0"/>
+      </a:lnRef>
+      <a:fillRef idx="1">
+        <a:scrgbClr r="0" g="0" b="0"/>
+      </a:fillRef>
+      <a:effectRef idx="0">
+        <a:scrgbClr r="0" g="0" b="0"/>
+      </a:effectRef>
+      <a:fontRef idx="minor">
+        <a:schemeClr val="lt1"/>
+      </a:fontRef>
+    </dgm:style>
+  </dgm:styleLbl>
+  <dgm:styleLbl name="parChTrans1D1">
+    <dgm:scene3d>
+      <a:camera prst="orthographicFront"/>
+      <a:lightRig rig="threePt" dir="t"/>
+    </dgm:scene3d>
+    <dgm:sp3d/>
+    <dgm:txPr/>
+    <dgm:style>
+      <a:lnRef idx="2">
+        <a:scrgbClr r="0" g="0" b="0"/>
+      </a:lnRef>
+      <a:fillRef idx="0">
+        <a:scrgbClr r="0" g="0" b="0"/>
+      </a:fillRef>
+      <a:effectRef idx="0">
+        <a:scrgbClr r="0" g="0" b="0"/>
+      </a:effectRef>
+      <a:fontRef idx="minor"/>
+    </dgm:style>
+  </dgm:styleLbl>
+  <dgm:styleLbl name="parChTrans1D2">
+    <dgm:scene3d>
+      <a:camera prst="orthographicFront"/>
+      <a:lightRig rig="threePt" dir="t"/>
+    </dgm:scene3d>
+    <dgm:sp3d/>
+    <dgm:txPr/>
+    <dgm:style>
+      <a:lnRef idx="2">
+        <a:scrgbClr r="0" g="0" b="0"/>
+      </a:lnRef>
+      <a:fillRef idx="0">
+        <a:scrgbClr r="0" g="0" b="0"/>
+      </a:fillRef>
+      <a:effectRef idx="0">
+        <a:scrgbClr r="0" g="0" b="0"/>
+      </a:effectRef>
+      <a:fontRef idx="minor"/>
+    </dgm:style>
+  </dgm:styleLbl>
+  <dgm:styleLbl name="parChTrans1D3">
+    <dgm:scene3d>
+      <a:camera prst="orthographicFront"/>
+      <a:lightRig rig="threePt" dir="t"/>
+    </dgm:scene3d>
+    <dgm:sp3d/>
+    <dgm:txPr/>
+    <dgm:style>
+      <a:lnRef idx="2">
+        <a:scrgbClr r="0" g="0" b="0"/>
+      </a:lnRef>
+      <a:fillRef idx="0">
+        <a:scrgbClr r="0" g="0" b="0"/>
+      </a:fillRef>
+      <a:effectRef idx="0">
+        <a:scrgbClr r="0" g="0" b="0"/>
+      </a:effectRef>
+      <a:fontRef idx="minor"/>
+    </dgm:style>
+  </dgm:styleLbl>
+  <dgm:styleLbl name="parChTrans1D4">
+    <dgm:scene3d>
+      <a:camera prst="orthographicFront"/>
+      <a:lightRig rig="threePt" dir="t"/>
+    </dgm:scene3d>
+    <dgm:sp3d/>
+    <dgm:txPr/>
+    <dgm:style>
+      <a:lnRef idx="2">
+        <a:scrgbClr r="0" g="0" b="0"/>
+      </a:lnRef>
+      <a:fillRef idx="0">
+        <a:scrgbClr r="0" g="0" b="0"/>
+      </a:fillRef>
+      <a:effectRef idx="0">
+        <a:scrgbClr r="0" g="0" b="0"/>
+      </a:effectRef>
+      <a:fontRef idx="minor"/>
+    </dgm:style>
+  </dgm:styleLbl>
+  <dgm:styleLbl name="fgAcc1">
+    <dgm:scene3d>
+      <a:camera prst="orthographicFront"/>
+      <a:lightRig rig="threePt" dir="t"/>
+    </dgm:scene3d>
+    <dgm:sp3d/>
+    <dgm:txPr/>
+    <dgm:style>
+      <a:lnRef idx="2">
+        <a:scrgbClr r="0" g="0" b="0"/>
+      </a:lnRef>
+      <a:fillRef idx="1">
+        <a:scrgbClr r="0" g="0" b="0"/>
+      </a:fillRef>
+      <a:effectRef idx="0">
+        <a:scrgbClr r="0" g="0" b="0"/>
+      </a:effectRef>
+      <a:fontRef idx="minor"/>
+    </dgm:style>
+  </dgm:styleLbl>
+  <dgm:styleLbl name="conFgAcc1">
+    <dgm:scene3d>
+      <a:camera prst="orthographicFront"/>
+      <a:lightRig rig="threePt" dir="t"/>
+    </dgm:scene3d>
+    <dgm:sp3d/>
+    <dgm:txPr/>
+    <dgm:style>
+      <a:lnRef idx="2">
+        <a:scrgbClr r="0" g="0" b="0"/>
+      </a:lnRef>
+      <a:fillRef idx="1">
+        <a:scrgbClr r="0" g="0" b="0"/>
+      </a:fillRef>
+      <a:effectRef idx="0">
+        <a:scrgbClr r="0" g="0" b="0"/>
+      </a:effectRef>
+      <a:fontRef idx="minor"/>
+    </dgm:style>
+  </dgm:styleLbl>
+  <dgm:styleLbl name="alignAcc1">
+    <dgm:scene3d>
+      <a:camera prst="orthographicFront"/>
+      <a:lightRig rig="threePt" dir="t"/>
+    </dgm:scene3d>
+    <dgm:sp3d/>
+    <dgm:txPr/>
+    <dgm:style>
+      <a:lnRef idx="2">
+        <a:scrgbClr r="0" g="0" b="0"/>
+      </a:lnRef>
+      <a:fillRef idx="1">
+        <a:scrgbClr r="0" g="0" b="0"/>
+      </a:fillRef>
+      <a:effectRef idx="0">
+        <a:scrgbClr r="0" g="0" b="0"/>
+      </a:effectRef>
+      <a:fontRef idx="minor"/>
+    </dgm:style>
+  </dgm:styleLbl>
+  <dgm:styleLbl name="trAlignAcc1">
+    <dgm:scene3d>
+      <a:camera prst="orthographicFront"/>
+      <a:lightRig rig="threePt" dir="t"/>
+    </dgm:scene3d>
+    <dgm:sp3d/>
+    <dgm:txPr/>
+    <dgm:style>
+      <a:lnRef idx="1">
+        <a:scrgbClr r="0" g="0" b="0"/>
+      </a:lnRef>
+      <a:fillRef idx="1">
+        <a:scrgbClr r="0" g="0" b="0"/>
+      </a:fillRef>
+      <a:effectRef idx="0">
+        <a:scrgbClr r="0" g="0" b="0"/>
+      </a:effectRef>
+      <a:fontRef idx="minor"/>
+    </dgm:style>
+  </dgm:styleLbl>
+  <dgm:styleLbl name="bgAcc1">
+    <dgm:scene3d>
+      <a:camera prst="orthographicFront"/>
+      <a:lightRig rig="threePt" dir="t"/>
+    </dgm:scene3d>
+    <dgm:sp3d/>
+    <dgm:txPr/>
+    <dgm:style>
+      <a:lnRef idx="2">
+        <a:scrgbClr r="0" g="0" b="0"/>
+      </a:lnRef>
+      <a:fillRef idx="1">
+        <a:scrgbClr r="0" g="0" b="0"/>
+      </a:fillRef>
+      <a:effectRef idx="0">
+        <a:scrgbClr r="0" g="0" b="0"/>
+      </a:effectRef>
+      <a:fontRef idx="minor"/>
+    </dgm:style>
+  </dgm:styleLbl>
+  <dgm:styleLbl name="solidFgAcc1">
+    <dgm:scene3d>
+      <a:camera prst="orthographicFront"/>
+      <a:lightRig rig="threePt" dir="t"/>
+    </dgm:scene3d>
+    <dgm:sp3d/>
+    <dgm:txPr/>
+    <dgm:style>
+      <a:lnRef idx="2">
+        <a:scrgbClr r="0" g="0" b="0"/>
+      </a:lnRef>
+      <a:fillRef idx="1">
+        <a:scrgbClr r="0" g="0" b="0"/>
+      </a:fillRef>
+      <a:effectRef idx="0">
+        <a:scrgbClr r="0" g="0" b="0"/>
+      </a:effectRef>
+      <a:fontRef idx="minor"/>
+    </dgm:style>
+  </dgm:styleLbl>
+  <dgm:styleLbl name="solidAlignAcc1">
+    <dgm:scene3d>
+      <a:camera prst="orthographicFront"/>
+      <a:lightRig rig="threePt" dir="t"/>
+    </dgm:scene3d>
+    <dgm:sp3d/>
+    <dgm:txPr/>
+    <dgm:style>
+      <a:lnRef idx="2">
+        <a:scrgbClr r="0" g="0" b="0"/>
+      </a:lnRef>
+      <a:fillRef idx="1">
+        <a:scrgbClr r="0" g="0" b="0"/>
+      </a:fillRef>
+      <a:effectRef idx="0">
+        <a:scrgbClr r="0" g="0" b="0"/>
+      </a:effectRef>
+      <a:fontRef idx="minor"/>
+    </dgm:style>
+  </dgm:styleLbl>
+  <dgm:styleLbl name="solidBgAcc1">
+    <dgm:scene3d>
+      <a:camera prst="orthographicFront"/>
+      <a:lightRig rig="threePt" dir="t"/>
+    </dgm:scene3d>
+    <dgm:sp3d/>
+    <dgm:txPr/>
+    <dgm:style>
+      <a:lnRef idx="2">
+        <a:scrgbClr r="0" g="0" b="0"/>
+      </a:lnRef>
+      <a:fillRef idx="1">
+        <a:scrgbClr r="0" g="0" b="0"/>
+      </a:fillRef>
+      <a:effectRef idx="0">
+        <a:scrgbClr r="0" g="0" b="0"/>
+      </a:effectRef>
+      <a:fontRef idx="minor"/>
+    </dgm:style>
+  </dgm:styleLbl>
+  <dgm:styleLbl name="fgAccFollowNode1">
+    <dgm:scene3d>
+      <a:camera prst="orthographicFront"/>
+      <a:lightRig rig="threePt" dir="t"/>
+    </dgm:scene3d>
+    <dgm:sp3d/>
+    <dgm:txPr/>
+    <dgm:style>
+      <a:lnRef idx="2">
+        <a:scrgbClr r="0" g="0" b="0"/>
+      </a:lnRef>
+      <a:fillRef idx="1">
+        <a:scrgbClr r="0" g="0" b="0"/>
+      </a:fillRef>
+      <a:effectRef idx="0">
+        <a:scrgbClr r="0" g="0" b="0"/>
+      </a:effectRef>
+      <a:fontRef idx="minor"/>
+    </dgm:style>
+  </dgm:styleLbl>
+  <dgm:styleLbl name="alignAccFollowNode1">
+    <dgm:scene3d>
+      <a:camera prst="orthographicFront"/>
+      <a:lightRig rig="threePt" dir="t"/>
+    </dgm:scene3d>
+    <dgm:sp3d/>
+    <dgm:txPr/>
+    <dgm:style>
+      <a:lnRef idx="2">
+        <a:scrgbClr r="0" g="0" b="0"/>
+      </a:lnRef>
+      <a:fillRef idx="1">
+        <a:scrgbClr r="0" g="0" b="0"/>
+      </a:fillRef>
+      <a:effectRef idx="0">
+        <a:scrgbClr r="0" g="0" b="0"/>
+      </a:effectRef>
+      <a:fontRef idx="minor"/>
+    </dgm:style>
+  </dgm:styleLbl>
+  <dgm:styleLbl name="bgAccFollowNode1">
+    <dgm:scene3d>
+      <a:camera prst="orthographicFront"/>
+      <a:lightRig rig="threePt" dir="t"/>
+    </dgm:scene3d>
+    <dgm:sp3d/>
+    <dgm:txPr/>
+    <dgm:style>
+      <a:lnRef idx="2">
+        <a:scrgbClr r="0" g="0" b="0"/>
+      </a:lnRef>
+      <a:fillRef idx="1">
+        <a:scrgbClr r="0" g="0" b="0"/>
+      </a:fillRef>
+      <a:effectRef idx="0">
+        <a:scrgbClr r="0" g="0" b="0"/>
+      </a:effectRef>
+      <a:fontRef idx="minor"/>
+    </dgm:style>
+  </dgm:styleLbl>
+  <dgm:styleLbl name="fgAcc0">
+    <dgm:scene3d>
+      <a:camera prst="orthographicFront"/>
+      <a:lightRig rig="threePt" dir="t"/>
+    </dgm:scene3d>
+    <dgm:sp3d/>
+    <dgm:txPr/>
+    <dgm:style>
+      <a:lnRef idx="2">
+        <a:scrgbClr r="0" g="0" b="0"/>
+      </a:lnRef>
+      <a:fillRef idx="1">
+        <a:scrgbClr r="0" g="0" b="0"/>
+      </a:fillRef>
+      <a:effectRef idx="0">
+        <a:scrgbClr r="0" g="0" b="0"/>
+      </a:effectRef>
+      <a:fontRef idx="minor"/>
+    </dgm:style>
+  </dgm:styleLbl>
+  <dgm:styleLbl name="fgAcc2">
+    <dgm:scene3d>
+      <a:camera prst="orthographicFront"/>
+      <a:lightRig rig="threePt" dir="t"/>
+    </dgm:scene3d>
+    <dgm:sp3d/>
+    <dgm:txPr/>
+    <dgm:style>
+      <a:lnRef idx="2">
+        <a:scrgbClr r="0" g="0" b="0"/>
+      </a:lnRef>
+      <a:fillRef idx="1">
+        <a:scrgbClr r="0" g="0" b="0"/>
+      </a:fillRef>
+      <a:effectRef idx="0">
+        <a:scrgbClr r="0" g="0" b="0"/>
+      </a:effectRef>
+      <a:fontRef idx="minor"/>
+    </dgm:style>
+  </dgm:styleLbl>
+  <dgm:styleLbl name="fgAcc3">
+    <dgm:scene3d>
+      <a:camera prst="orthographicFront"/>
+      <a:lightRig rig="threePt" dir="t"/>
+    </dgm:scene3d>
+    <dgm:sp3d/>
+    <dgm:txPr/>
+    <dgm:style>
+      <a:lnRef idx="2">
+        <a:scrgbClr r="0" g="0" b="0"/>
+      </a:lnRef>
+      <a:fillRef idx="1">
+        <a:scrgbClr r="0" g="0" b="0"/>
+      </a:fillRef>
+      <a:effectRef idx="0">
+        <a:scrgbClr r="0" g="0" b="0"/>
+      </a:effectRef>
+      <a:fontRef idx="minor"/>
+    </dgm:style>
+  </dgm:styleLbl>
+  <dgm:styleLbl name="fgAcc4">
+    <dgm:scene3d>
+      <a:camera prst="orthographicFront"/>
+      <a:lightRig rig="threePt" dir="t"/>
+    </dgm:scene3d>
+    <dgm:sp3d/>
+    <dgm:txPr/>
+    <dgm:style>
+      <a:lnRef idx="2">
+        <a:scrgbClr r="0" g="0" b="0"/>
+      </a:lnRef>
+      <a:fillRef idx="1">
+        <a:scrgbClr r="0" g="0" b="0"/>
+      </a:fillRef>
+      <a:effectRef idx="0">
+        <a:scrgbClr r="0" g="0" b="0"/>
+      </a:effectRef>
+      <a:fontRef idx="minor"/>
+    </dgm:style>
+  </dgm:styleLbl>
+  <dgm:styleLbl name="bgShp">
+    <dgm:scene3d>
+      <a:camera prst="orthographicFront"/>
+      <a:lightRig rig="threePt" dir="t"/>
+    </dgm:scene3d>
+    <dgm:sp3d/>
+    <dgm:txPr/>
+    <dgm:style>
+      <a:lnRef idx="0">
+        <a:scrgbClr r="0" g="0" b="0"/>
+      </a:lnRef>
+      <a:fillRef idx="1">
+        <a:scrgbClr r="0" g="0" b="0"/>
+      </a:fillRef>
+      <a:effectRef idx="0">
+        <a:scrgbClr r="0" g="0" b="0"/>
+      </a:effectRef>
+      <a:fontRef idx="minor"/>
+    </dgm:style>
+  </dgm:styleLbl>
+  <dgm:styleLbl name="dkBgShp">
+    <dgm:scene3d>
+      <a:camera prst="orthographicFront"/>
+      <a:lightRig rig="threePt" dir="t"/>
+    </dgm:scene3d>
+    <dgm:sp3d/>
+    <dgm:txPr/>
+    <dgm:style>
+      <a:lnRef idx="0">
+        <a:scrgbClr r="0" g="0" b="0"/>
+      </a:lnRef>
+      <a:fillRef idx="1">
+        <a:scrgbClr r="0" g="0" b="0"/>
+      </a:fillRef>
+      <a:effectRef idx="0">
+        <a:scrgbClr r="0" g="0" b="0"/>
+      </a:effectRef>
+      <a:fontRef idx="minor"/>
+    </dgm:style>
+  </dgm:styleLbl>
+  <dgm:styleLbl name="trBgShp">
+    <dgm:scene3d>
+      <a:camera prst="orthographicFront"/>
+      <a:lightRig rig="threePt" dir="t"/>
+    </dgm:scene3d>
+    <dgm:sp3d/>
+    <dgm:txPr/>
+    <dgm:style>
+      <a:lnRef idx="0">
+        <a:scrgbClr r="0" g="0" b="0"/>
+      </a:lnRef>
+      <a:fillRef idx="1">
+        <a:scrgbClr r="0" g="0" b="0"/>
+      </a:fillRef>
+      <a:effectRef idx="0">
+        <a:scrgbClr r="0" g="0" b="0"/>
+      </a:effectRef>
+      <a:fontRef idx="minor"/>
+    </dgm:style>
+  </dgm:styleLbl>
+  <dgm:styleLbl name="fgShp">
+    <dgm:scene3d>
+      <a:camera prst="orthographicFront"/>
+      <a:lightRig rig="threePt" dir="t"/>
+    </dgm:scene3d>
+    <dgm:sp3d/>
+    <dgm:txPr/>
+    <dgm:style>
+      <a:lnRef idx="2">
+        <a:scrgbClr r="0" g="0" b="0"/>
+      </a:lnRef>
+      <a:fillRef idx="1">
+        <a:scrgbClr r="0" g="0" b="0"/>
+      </a:fillRef>
+      <a:effectRef idx="0">
+        <a:scrgbClr r="0" g="0" b="0"/>
+      </a:effectRef>
+      <a:fontRef idx="minor"/>
+    </dgm:style>
+  </dgm:styleLbl>
+  <dgm:styleLbl name="revTx">
+    <dgm:scene3d>
+      <a:camera prst="orthographicFront"/>
+      <a:lightRig rig="threePt" dir="t"/>
+    </dgm:scene3d>
+    <dgm:sp3d/>
+    <dgm:txPr/>
+    <dgm:style>
+      <a:lnRef idx="0">
+        <a:scrgbClr r="0" g="0" b="0"/>
+      </a:lnRef>
+      <a:fillRef idx="0">
+        <a:scrgbClr r="0" g="0" b="0"/>
+      </a:fillRef>
+      <a:effectRef idx="0">
+        <a:scrgbClr r="0" g="0" b="0"/>
+      </a:effectRef>
+      <a:fontRef idx="minor"/>
+    </dgm:style>
+  </dgm:styleLbl>
+</dgm:styleDef>
+</file>
+
+<file path=ppt/diagrams/quickStyle2.xml><?xml version="1.0" encoding="utf-8"?>
+<dgm:styleDef xmlns:dgm="http://schemas.openxmlformats.org/drawingml/2006/diagram" xmlns:a="http://schemas.openxmlformats.org/drawingml/2006/main" uniqueId="urn:microsoft.com/office/officeart/2005/8/quickstyle/simple1">
+  <dgm:title val=""/>
+  <dgm:desc val=""/>
+  <dgm:catLst>
+    <dgm:cat type="simple" pri="10100"/>
+  </dgm:catLst>
+  <dgm:scene3d>
+    <a:camera prst="orthographicFront"/>
+    <a:lightRig rig="threePt" dir="t"/>
+  </dgm:scene3d>
+  <dgm:styleLbl name="node0">
+    <dgm:scene3d>
+      <a:camera prst="orthographicFront"/>
+      <a:lightRig rig="threePt" dir="t"/>
+    </dgm:scene3d>
+    <dgm:sp3d/>
+    <dgm:txPr/>
+    <dgm:style>
+      <a:lnRef idx="2">
+        <a:scrgbClr r="0" g="0" b="0"/>
+      </a:lnRef>
+      <a:fillRef idx="1">
+        <a:scrgbClr r="0" g="0" b="0"/>
+      </a:fillRef>
+      <a:effectRef idx="0">
+        <a:scrgbClr r="0" g="0" b="0"/>
+      </a:effectRef>
+      <a:fontRef idx="minor">
+        <a:schemeClr val="lt1"/>
+      </a:fontRef>
+    </dgm:style>
+  </dgm:styleLbl>
+  <dgm:styleLbl name="lnNode1">
+    <dgm:scene3d>
+      <a:camera prst="orthographicFront"/>
+      <a:lightRig rig="threePt" dir="t"/>
+    </dgm:scene3d>
+    <dgm:sp3d/>
+    <dgm:txPr/>
+    <dgm:style>
+      <a:lnRef idx="2">
+        <a:scrgbClr r="0" g="0" b="0"/>
+      </a:lnRef>
+      <a:fillRef idx="1">
+        <a:scrgbClr r="0" g="0" b="0"/>
+      </a:fillRef>
+      <a:effectRef idx="0">
+        <a:scrgbClr r="0" g="0" b="0"/>
+      </a:effectRef>
+      <a:fontRef idx="minor">
+        <a:schemeClr val="lt1"/>
+      </a:fontRef>
+    </dgm:style>
+  </dgm:styleLbl>
+  <dgm:styleLbl name="vennNode1">
+    <dgm:scene3d>
+      <a:camera prst="orthographicFront"/>
+      <a:lightRig rig="threePt" dir="t"/>
+    </dgm:scene3d>
+    <dgm:sp3d/>
+    <dgm:txPr/>
+    <dgm:style>
+      <a:lnRef idx="2">
+        <a:scrgbClr r="0" g="0" b="0"/>
+      </a:lnRef>
+      <a:fillRef idx="1">
+        <a:scrgbClr r="0" g="0" b="0"/>
+      </a:fillRef>
+      <a:effectRef idx="0">
+        <a:scrgbClr r="0" g="0" b="0"/>
+      </a:effectRef>
+      <a:fontRef idx="minor">
+        <a:schemeClr val="tx1"/>
+      </a:fontRef>
+    </dgm:style>
+  </dgm:styleLbl>
+  <dgm:styleLbl name="alignNode1">
+    <dgm:scene3d>
+      <a:camera prst="orthographicFront"/>
+      <a:lightRig rig="threePt" dir="t"/>
+    </dgm:scene3d>
+    <dgm:sp3d/>
+    <dgm:txPr/>
+    <dgm:style>
+      <a:lnRef idx="2">
+        <a:scrgbClr r="0" g="0" b="0"/>
+      </a:lnRef>
+      <a:fillRef idx="1">
+        <a:scrgbClr r="0" g="0" b="0"/>
+      </a:fillRef>
+      <a:effectRef idx="0">
+        <a:scrgbClr r="0" g="0" b="0"/>
+      </a:effectRef>
+      <a:fontRef idx="minor">
+        <a:schemeClr val="lt1"/>
+      </a:fontRef>
+    </dgm:style>
+  </dgm:styleLbl>
+  <dgm:styleLbl name="node1">
+    <dgm:scene3d>
+      <a:camera prst="orthographicFront"/>
+      <a:lightRig rig="threePt" dir="t"/>
+    </dgm:scene3d>
+    <dgm:sp3d/>
+    <dgm:txPr/>
+    <dgm:style>
+      <a:lnRef idx="2">
+        <a:scrgbClr r="0" g="0" b="0"/>
+      </a:lnRef>
+      <a:fillRef idx="1">
+        <a:scrgbClr r="0" g="0" b="0"/>
+      </a:fillRef>
+      <a:effectRef idx="0">
+        <a:scrgbClr r="0" g="0" b="0"/>
+      </a:effectRef>
+      <a:fontRef idx="minor">
+        <a:schemeClr val="lt1"/>
+      </a:fontRef>
+    </dgm:style>
+  </dgm:styleLbl>
+  <dgm:styleLbl name="node2">
+    <dgm:scene3d>
+      <a:camera prst="orthographicFront"/>
+      <a:lightRig rig="threePt" dir="t"/>
+    </dgm:scene3d>
+    <dgm:sp3d/>
+    <dgm:txPr/>
+    <dgm:style>
+      <a:lnRef idx="2">
+        <a:scrgbClr r="0" g="0" b="0"/>
+      </a:lnRef>
+      <a:fillRef idx="1">
+        <a:scrgbClr r="0" g="0" b="0"/>
+      </a:fillRef>
+      <a:effectRef idx="0">
+        <a:scrgbClr r="0" g="0" b="0"/>
+      </a:effectRef>
+      <a:fontRef idx="minor">
+        <a:schemeClr val="lt1"/>
+      </a:fontRef>
+    </dgm:style>
+  </dgm:styleLbl>
+  <dgm:styleLbl name="node3">
+    <dgm:scene3d>
+      <a:camera prst="orthographicFront"/>
+      <a:lightRig rig="threePt" dir="t"/>
+    </dgm:scene3d>
+    <dgm:sp3d/>
+    <dgm:txPr/>
+    <dgm:style>
+      <a:lnRef idx="2">
+        <a:scrgbClr r="0" g="0" b="0"/>
+      </a:lnRef>
+      <a:fillRef idx="1">
+        <a:scrgbClr r="0" g="0" b="0"/>
+      </a:fillRef>
+      <a:effectRef idx="0">
+        <a:scrgbClr r="0" g="0" b="0"/>
+      </a:effectRef>
+      <a:fontRef idx="minor">
+        <a:schemeClr val="lt1"/>
+      </a:fontRef>
+    </dgm:style>
+  </dgm:styleLbl>
+  <dgm:styleLbl name="node4">
+    <dgm:scene3d>
+      <a:camera prst="orthographicFront"/>
+      <a:lightRig rig="threePt" dir="t"/>
+    </dgm:scene3d>
+    <dgm:sp3d/>
+    <dgm:txPr/>
+    <dgm:style>
+      <a:lnRef idx="2">
+        <a:scrgbClr r="0" g="0" b="0"/>
+      </a:lnRef>
+      <a:fillRef idx="1">
+        <a:scrgbClr r="0" g="0" b="0"/>
+      </a:fillRef>
+      <a:effectRef idx="0">
+        <a:scrgbClr r="0" g="0" b="0"/>
+      </a:effectRef>
+      <a:fontRef idx="minor">
+        <a:schemeClr val="lt1"/>
+      </a:fontRef>
+    </dgm:style>
+  </dgm:styleLbl>
+  <dgm:styleLbl name="fgImgPlace1">
+    <dgm:scene3d>
+      <a:camera prst="orthographicFront"/>
+      <a:lightRig rig="threePt" dir="t"/>
+    </dgm:scene3d>
+    <dgm:sp3d/>
+    <dgm:txPr/>
+    <dgm:style>
+      <a:lnRef idx="2">
+        <a:scrgbClr r="0" g="0" b="0"/>
+      </a:lnRef>
+      <a:fillRef idx="1">
+        <a:scrgbClr r="0" g="0" b="0"/>
+      </a:fillRef>
+      <a:effectRef idx="0">
+        <a:scrgbClr r="0" g="0" b="0"/>
+      </a:effectRef>
+      <a:fontRef idx="minor"/>
+    </dgm:style>
+  </dgm:styleLbl>
+  <dgm:styleLbl name="alignImgPlace1">
+    <dgm:scene3d>
+      <a:camera prst="orthographicFront"/>
+      <a:lightRig rig="threePt" dir="t"/>
+    </dgm:scene3d>
+    <dgm:sp3d/>
+    <dgm:txPr/>
+    <dgm:style>
+      <a:lnRef idx="2">
+        <a:scrgbClr r="0" g="0" b="0"/>
+      </a:lnRef>
+      <a:fillRef idx="1">
+        <a:scrgbClr r="0" g="0" b="0"/>
+      </a:fillRef>
+      <a:effectRef idx="0">
+        <a:scrgbClr r="0" g="0" b="0"/>
+      </a:effectRef>
+      <a:fontRef idx="minor"/>
+    </dgm:style>
+  </dgm:styleLbl>
+  <dgm:styleLbl name="bgImgPlace1">
+    <dgm:scene3d>
+      <a:camera prst="orthographicFront"/>
+      <a:lightRig rig="threePt" dir="t"/>
+    </dgm:scene3d>
+    <dgm:sp3d/>
+    <dgm:txPr/>
+    <dgm:style>
+      <a:lnRef idx="2">
+        <a:scrgbClr r="0" g="0" b="0"/>
+      </a:lnRef>
+      <a:fillRef idx="1">
+        <a:scrgbClr r="0" g="0" b="0"/>
+      </a:fillRef>
+      <a:effectRef idx="0">
+        <a:scrgbClr r="0" g="0" b="0"/>
+      </a:effectRef>
+      <a:fontRef idx="minor"/>
+    </dgm:style>
+  </dgm:styleLbl>
+  <dgm:styleLbl name="sibTrans2D1">
+    <dgm:scene3d>
+      <a:camera prst="orthographicFront"/>
+      <a:lightRig rig="threePt" dir="t"/>
+    </dgm:scene3d>
+    <dgm:sp3d/>
+    <dgm:txPr/>
+    <dgm:style>
+      <a:lnRef idx="0">
+        <a:scrgbClr r="0" g="0" b="0"/>
+      </a:lnRef>
+      <a:fillRef idx="1">
+        <a:scrgbClr r="0" g="0" b="0"/>
+      </a:fillRef>
+      <a:effectRef idx="0">
+        <a:scrgbClr r="0" g="0" b="0"/>
+      </a:effectRef>
+      <a:fontRef idx="minor">
+        <a:schemeClr val="lt1"/>
+      </a:fontRef>
+    </dgm:style>
+  </dgm:styleLbl>
+  <dgm:styleLbl name="fgSibTrans2D1">
+    <dgm:scene3d>
+      <a:camera prst="orthographicFront"/>
+      <a:lightRig rig="threePt" dir="t"/>
+    </dgm:scene3d>
+    <dgm:sp3d/>
+    <dgm:txPr/>
+    <dgm:style>
+      <a:lnRef idx="0">
+        <a:scrgbClr r="0" g="0" b="0"/>
+      </a:lnRef>
+      <a:fillRef idx="1">
+        <a:scrgbClr r="0" g="0" b="0"/>
+      </a:fillRef>
+      <a:effectRef idx="0">
+        <a:scrgbClr r="0" g="0" b="0"/>
+      </a:effectRef>
+      <a:fontRef idx="minor">
+        <a:schemeClr val="lt1"/>
+      </a:fontRef>
+    </dgm:style>
+  </dgm:styleLbl>
+  <dgm:styleLbl name="bgSibTrans2D1">
+    <dgm:scene3d>
+      <a:camera prst="orthographicFront"/>
+      <a:lightRig rig="threePt" dir="t"/>
+    </dgm:scene3d>
+    <dgm:sp3d/>
+    <dgm:txPr/>
+    <dgm:style>
+      <a:lnRef idx="0">
+        <a:scrgbClr r="0" g="0" b="0"/>
+      </a:lnRef>
+      <a:fillRef idx="1">
+        <a:scrgbClr r="0" g="0" b="0"/>
+      </a:fillRef>
+      <a:effectRef idx="0">
+        <a:scrgbClr r="0" g="0" b="0"/>
+      </a:effectRef>
+      <a:fontRef idx="minor">
+        <a:schemeClr val="lt1"/>
+      </a:fontRef>
+    </dgm:style>
+  </dgm:styleLbl>
+  <dgm:styleLbl name="sibTrans1D1">
+    <dgm:scene3d>
+      <a:camera prst="orthographicFront"/>
+      <a:lightRig rig="threePt" dir="t"/>
+    </dgm:scene3d>
+    <dgm:sp3d/>
+    <dgm:txPr/>
+    <dgm:style>
+      <a:lnRef idx="1">
+        <a:scrgbClr r="0" g="0" b="0"/>
+      </a:lnRef>
+      <a:fillRef idx="0">
+        <a:scrgbClr r="0" g="0" b="0"/>
+      </a:fillRef>
+      <a:effectRef idx="0">
+        <a:scrgbClr r="0" g="0" b="0"/>
+      </a:effectRef>
+      <a:fontRef idx="minor"/>
+    </dgm:style>
+  </dgm:styleLbl>
+  <dgm:styleLbl name="callout">
+    <dgm:scene3d>
+      <a:camera prst="orthographicFront"/>
+      <a:lightRig rig="threePt" dir="t"/>
+    </dgm:scene3d>
+    <dgm:sp3d/>
+    <dgm:txPr/>
+    <dgm:style>
+      <a:lnRef idx="2">
+        <a:scrgbClr r="0" g="0" b="0"/>
+      </a:lnRef>
+      <a:fillRef idx="1">
+        <a:scrgbClr r="0" g="0" b="0"/>
+      </a:fillRef>
+      <a:effectRef idx="0">
+        <a:scrgbClr r="0" g="0" b="0"/>
+      </a:effectRef>
+      <a:fontRef idx="minor"/>
+    </dgm:style>
+  </dgm:styleLbl>
+  <dgm:styleLbl name="asst0">
+    <dgm:scene3d>
+      <a:camera prst="orthographicFront"/>
+      <a:lightRig rig="threePt" dir="t"/>
+    </dgm:scene3d>
+    <dgm:sp3d/>
+    <dgm:txPr/>
+    <dgm:style>
+      <a:lnRef idx="2">
+        <a:scrgbClr r="0" g="0" b="0"/>
+      </a:lnRef>
+      <a:fillRef idx="1">
+        <a:scrgbClr r="0" g="0" b="0"/>
+      </a:fillRef>
+      <a:effectRef idx="0">
+        <a:scrgbClr r="0" g="0" b="0"/>
+      </a:effectRef>
+      <a:fontRef idx="minor">
+        <a:schemeClr val="lt1"/>
+      </a:fontRef>
+    </dgm:style>
+  </dgm:styleLbl>
+  <dgm:styleLbl name="asst1">
+    <dgm:scene3d>
+      <a:camera prst="orthographicFront"/>
+      <a:lightRig rig="threePt" dir="t"/>
+    </dgm:scene3d>
+    <dgm:sp3d/>
+    <dgm:txPr/>
+    <dgm:style>
+      <a:lnRef idx="2">
+        <a:scrgbClr r="0" g="0" b="0"/>
+      </a:lnRef>
+      <a:fillRef idx="1">
+        <a:scrgbClr r="0" g="0" b="0"/>
+      </a:fillRef>
+      <a:effectRef idx="0">
+        <a:scrgbClr r="0" g="0" b="0"/>
+      </a:effectRef>
+      <a:fontRef idx="minor">
+        <a:schemeClr val="lt1"/>
+      </a:fontRef>
+    </dgm:style>
+  </dgm:styleLbl>
+  <dgm:styleLbl name="asst2">
+    <dgm:scene3d>
+      <a:camera prst="orthographicFront"/>
+      <a:lightRig rig="threePt" dir="t"/>
+    </dgm:scene3d>
+    <dgm:sp3d/>
+    <dgm:txPr/>
+    <dgm:style>
+      <a:lnRef idx="2">
+        <a:scrgbClr r="0" g="0" b="0"/>
+      </a:lnRef>
+      <a:fillRef idx="1">
+        <a:scrgbClr r="0" g="0" b="0"/>
+      </a:fillRef>
+      <a:effectRef idx="0">
+        <a:scrgbClr r="0" g="0" b="0"/>
+      </a:effectRef>
+      <a:fontRef idx="minor">
+        <a:schemeClr val="lt1"/>
+      </a:fontRef>
+    </dgm:style>
+  </dgm:styleLbl>
+  <dgm:styleLbl name="asst3">
+    <dgm:scene3d>
+      <a:camera prst="orthographicFront"/>
+      <a:lightRig rig="threePt" dir="t"/>
+    </dgm:scene3d>
+    <dgm:sp3d/>
+    <dgm:txPr/>
+    <dgm:style>
+      <a:lnRef idx="2">
+        <a:scrgbClr r="0" g="0" b="0"/>
+      </a:lnRef>
+      <a:fillRef idx="1">
+        <a:scrgbClr r="0" g="0" b="0"/>
+      </a:fillRef>
+      <a:effectRef idx="0">
+        <a:scrgbClr r="0" g="0" b="0"/>
+      </a:effectRef>
+      <a:fontRef idx="minor">
+        <a:schemeClr val="lt1"/>
+      </a:fontRef>
+    </dgm:style>
+  </dgm:styleLbl>
+  <dgm:styleLbl name="asst4">
+    <dgm:scene3d>
+      <a:camera prst="orthographicFront"/>
+      <a:lightRig rig="threePt" dir="t"/>
+    </dgm:scene3d>
+    <dgm:sp3d/>
+    <dgm:txPr/>
+    <dgm:style>
+      <a:lnRef idx="2">
+        <a:scrgbClr r="0" g="0" b="0"/>
+      </a:lnRef>
+      <a:fillRef idx="1">
+        <a:scrgbClr r="0" g="0" b="0"/>
+      </a:fillRef>
+      <a:effectRef idx="0">
+        <a:scrgbClr r="0" g="0" b="0"/>
+      </a:effectRef>
+      <a:fontRef idx="minor">
+        <a:schemeClr val="lt1"/>
+      </a:fontRef>
+    </dgm:style>
+  </dgm:styleLbl>
+  <dgm:styleLbl name="parChTrans2D1">
+    <dgm:scene3d>
+      <a:camera prst="orthographicFront"/>
+      <a:lightRig rig="threePt" dir="t"/>
+    </dgm:scene3d>
+    <dgm:sp3d/>
+    <dgm:txPr/>
+    <dgm:style>
+      <a:lnRef idx="2">
+        <a:scrgbClr r="0" g="0" b="0"/>
+      </a:lnRef>
+      <a:fillRef idx="1">
+        <a:scrgbClr r="0" g="0" b="0"/>
+      </a:fillRef>
+      <a:effectRef idx="0">
+        <a:scrgbClr r="0" g="0" b="0"/>
+      </a:effectRef>
+      <a:fontRef idx="minor">
+        <a:schemeClr val="lt1"/>
+      </a:fontRef>
+    </dgm:style>
+  </dgm:styleLbl>
+  <dgm:styleLbl name="parChTrans2D2">
+    <dgm:scene3d>
+      <a:camera prst="orthographicFront"/>
+      <a:lightRig rig="threePt" dir="t"/>
+    </dgm:scene3d>
+    <dgm:sp3d/>
+    <dgm:txPr/>
+    <dgm:style>
+      <a:lnRef idx="2">
+        <a:scrgbClr r="0" g="0" b="0"/>
+      </a:lnRef>
+      <a:fillRef idx="1">
+        <a:scrgbClr r="0" g="0" b="0"/>
+      </a:fillRef>
+      <a:effectRef idx="0">
+        <a:scrgbClr r="0" g="0" b="0"/>
+      </a:effectRef>
+      <a:fontRef idx="minor">
+        <a:schemeClr val="lt1"/>
+      </a:fontRef>
+    </dgm:style>
+  </dgm:styleLbl>
+  <dgm:styleLbl name="parChTrans2D3">
+    <dgm:scene3d>
+      <a:camera prst="orthographicFront"/>
+      <a:lightRig rig="threePt" dir="t"/>
+    </dgm:scene3d>
+    <dgm:sp3d/>
+    <dgm:txPr/>
+    <dgm:style>
+      <a:lnRef idx="2">
+        <a:scrgbClr r="0" g="0" b="0"/>
+      </a:lnRef>
+      <a:fillRef idx="1">
+        <a:scrgbClr r="0" g="0" b="0"/>
+      </a:fillRef>
+      <a:effectRef idx="0">
+        <a:scrgbClr r="0" g="0" b="0"/>
+      </a:effectRef>
+      <a:fontRef idx="minor">
+        <a:schemeClr val="lt1"/>
+      </a:fontRef>
+    </dgm:style>
+  </dgm:styleLbl>
+  <dgm:styleLbl name="parChTrans2D4">
+    <dgm:scene3d>
+      <a:camera prst="orthographicFront"/>
+      <a:lightRig rig="threePt" dir="t"/>
+    </dgm:scene3d>
+    <dgm:sp3d/>
+    <dgm:txPr/>
+    <dgm:style>
+      <a:lnRef idx="2">
+        <a:scrgbClr r="0" g="0" b="0"/>
+      </a:lnRef>
+      <a:fillRef idx="1">
+        <a:scrgbClr r="0" g="0" b="0"/>
+      </a:fillRef>
+      <a:effectRef idx="0">
+        <a:scrgbClr r="0" g="0" b="0"/>
+      </a:effectRef>
+      <a:fontRef idx="minor">
+        <a:schemeClr val="lt1"/>
+      </a:fontRef>
+    </dgm:style>
+  </dgm:styleLbl>
+  <dgm:styleLbl name="parChTrans1D1">
+    <dgm:scene3d>
+      <a:camera prst="orthographicFront"/>
+      <a:lightRig rig="threePt" dir="t"/>
+    </dgm:scene3d>
+    <dgm:sp3d/>
+    <dgm:txPr/>
+    <dgm:style>
+      <a:lnRef idx="2">
+        <a:scrgbClr r="0" g="0" b="0"/>
+      </a:lnRef>
+      <a:fillRef idx="0">
+        <a:scrgbClr r="0" g="0" b="0"/>
+      </a:fillRef>
+      <a:effectRef idx="0">
+        <a:scrgbClr r="0" g="0" b="0"/>
+      </a:effectRef>
+      <a:fontRef idx="minor"/>
+    </dgm:style>
+  </dgm:styleLbl>
+  <dgm:styleLbl name="parChTrans1D2">
+    <dgm:scene3d>
+      <a:camera prst="orthographicFront"/>
+      <a:lightRig rig="threePt" dir="t"/>
+    </dgm:scene3d>
+    <dgm:sp3d/>
+    <dgm:txPr/>
+    <dgm:style>
+      <a:lnRef idx="2">
+        <a:scrgbClr r="0" g="0" b="0"/>
+      </a:lnRef>
+      <a:fillRef idx="0">
+        <a:scrgbClr r="0" g="0" b="0"/>
+      </a:fillRef>
+      <a:effectRef idx="0">
+        <a:scrgbClr r="0" g="0" b="0"/>
+      </a:effectRef>
+      <a:fontRef idx="minor"/>
+    </dgm:style>
+  </dgm:styleLbl>
+  <dgm:styleLbl name="parChTrans1D3">
+    <dgm:scene3d>
+      <a:camera prst="orthographicFront"/>
+      <a:lightRig rig="threePt" dir="t"/>
+    </dgm:scene3d>
+    <dgm:sp3d/>
+    <dgm:txPr/>
+    <dgm:style>
+      <a:lnRef idx="2">
+        <a:scrgbClr r="0" g="0" b="0"/>
+      </a:lnRef>
+      <a:fillRef idx="0">
+        <a:scrgbClr r="0" g="0" b="0"/>
+      </a:fillRef>
+      <a:effectRef idx="0">
+        <a:scrgbClr r="0" g="0" b="0"/>
+      </a:effectRef>
+      <a:fontRef idx="minor"/>
+    </dgm:style>
+  </dgm:styleLbl>
+  <dgm:styleLbl name="parChTrans1D4">
+    <dgm:scene3d>
+      <a:camera prst="orthographicFront"/>
+      <a:lightRig rig="threePt" dir="t"/>
+    </dgm:scene3d>
+    <dgm:sp3d/>
+    <dgm:txPr/>
+    <dgm:style>
+      <a:lnRef idx="2">
+        <a:scrgbClr r="0" g="0" b="0"/>
+      </a:lnRef>
+      <a:fillRef idx="0">
+        <a:scrgbClr r="0" g="0" b="0"/>
+      </a:fillRef>
+      <a:effectRef idx="0">
+        <a:scrgbClr r="0" g="0" b="0"/>
+      </a:effectRef>
+      <a:fontRef idx="minor"/>
+    </dgm:style>
+  </dgm:styleLbl>
+  <dgm:styleLbl name="fgAcc1">
+    <dgm:scene3d>
+      <a:camera prst="orthographicFront"/>
+      <a:lightRig rig="threePt" dir="t"/>
+    </dgm:scene3d>
+    <dgm:sp3d/>
+    <dgm:txPr/>
+    <dgm:style>
+      <a:lnRef idx="2">
+        <a:scrgbClr r="0" g="0" b="0"/>
+      </a:lnRef>
+      <a:fillRef idx="1">
+        <a:scrgbClr r="0" g="0" b="0"/>
+      </a:fillRef>
+      <a:effectRef idx="0">
+        <a:scrgbClr r="0" g="0" b="0"/>
+      </a:effectRef>
+      <a:fontRef idx="minor"/>
+    </dgm:style>
+  </dgm:styleLbl>
+  <dgm:styleLbl name="conFgAcc1">
+    <dgm:scene3d>
+      <a:camera prst="orthographicFront"/>
+      <a:lightRig rig="threePt" dir="t"/>
+    </dgm:scene3d>
+    <dgm:sp3d/>
+    <dgm:txPr/>
+    <dgm:style>
+      <a:lnRef idx="2">
+        <a:scrgbClr r="0" g="0" b="0"/>
+      </a:lnRef>
+      <a:fillRef idx="1">
+        <a:scrgbClr r="0" g="0" b="0"/>
+      </a:fillRef>
+      <a:effectRef idx="0">
+        <a:scrgbClr r="0" g="0" b="0"/>
+      </a:effectRef>
+      <a:fontRef idx="minor"/>
+    </dgm:style>
+  </dgm:styleLbl>
+  <dgm:styleLbl name="alignAcc1">
+    <dgm:scene3d>
+      <a:camera prst="orthographicFront"/>
+      <a:lightRig rig="threePt" dir="t"/>
+    </dgm:scene3d>
+    <dgm:sp3d/>
+    <dgm:txPr/>
+    <dgm:style>
+      <a:lnRef idx="2">
+        <a:scrgbClr r="0" g="0" b="0"/>
+      </a:lnRef>
+      <a:fillRef idx="1">
+        <a:scrgbClr r="0" g="0" b="0"/>
+      </a:fillRef>
+      <a:effectRef idx="0">
+        <a:scrgbClr r="0" g="0" b="0"/>
+      </a:effectRef>
+      <a:fontRef idx="minor"/>
+    </dgm:style>
+  </dgm:styleLbl>
+  <dgm:styleLbl name="trAlignAcc1">
+    <dgm:scene3d>
+      <a:camera prst="orthographicFront"/>
+      <a:lightRig rig="threePt" dir="t"/>
+    </dgm:scene3d>
+    <dgm:sp3d/>
+    <dgm:txPr/>
+    <dgm:style>
+      <a:lnRef idx="1">
+        <a:scrgbClr r="0" g="0" b="0"/>
+      </a:lnRef>
+      <a:fillRef idx="1">
+        <a:scrgbClr r="0" g="0" b="0"/>
+      </a:fillRef>
+      <a:effectRef idx="0">
+        <a:scrgbClr r="0" g="0" b="0"/>
+      </a:effectRef>
+      <a:fontRef idx="minor"/>
+    </dgm:style>
+  </dgm:styleLbl>
+  <dgm:styleLbl name="bgAcc1">
+    <dgm:scene3d>
+      <a:camera prst="orthographicFront"/>
+      <a:lightRig rig="threePt" dir="t"/>
+    </dgm:scene3d>
+    <dgm:sp3d/>
+    <dgm:txPr/>
+    <dgm:style>
+      <a:lnRef idx="2">
+        <a:scrgbClr r="0" g="0" b="0"/>
+      </a:lnRef>
+      <a:fillRef idx="1">
+        <a:scrgbClr r="0" g="0" b="0"/>
+      </a:fillRef>
+      <a:effectRef idx="0">
+        <a:scrgbClr r="0" g="0" b="0"/>
+      </a:effectRef>
+      <a:fontRef idx="minor"/>
+    </dgm:style>
+  </dgm:styleLbl>
+  <dgm:styleLbl name="solidFgAcc1">
+    <dgm:scene3d>
+      <a:camera prst="orthographicFront"/>
+      <a:lightRig rig="threePt" dir="t"/>
+    </dgm:scene3d>
+    <dgm:sp3d/>
+    <dgm:txPr/>
+    <dgm:style>
+      <a:lnRef idx="2">
+        <a:scrgbClr r="0" g="0" b="0"/>
+      </a:lnRef>
+      <a:fillRef idx="1">
+        <a:scrgbClr r="0" g="0" b="0"/>
+      </a:fillRef>
+      <a:effectRef idx="0">
+        <a:scrgbClr r="0" g="0" b="0"/>
+      </a:effectRef>
+      <a:fontRef idx="minor"/>
+    </dgm:style>
+  </dgm:styleLbl>
+  <dgm:styleLbl name="solidAlignAcc1">
+    <dgm:scene3d>
+      <a:camera prst="orthographicFront"/>
+      <a:lightRig rig="threePt" dir="t"/>
+    </dgm:scene3d>
+    <dgm:sp3d/>
+    <dgm:txPr/>
+    <dgm:style>
+      <a:lnRef idx="2">
+        <a:scrgbClr r="0" g="0" b="0"/>
+      </a:lnRef>
+      <a:fillRef idx="1">
+        <a:scrgbClr r="0" g="0" b="0"/>
+      </a:fillRef>
+      <a:effectRef idx="0">
+        <a:scrgbClr r="0" g="0" b="0"/>
+      </a:effectRef>
+      <a:fontRef idx="minor"/>
+    </dgm:style>
+  </dgm:styleLbl>
+  <dgm:styleLbl name="solidBgAcc1">
+    <dgm:scene3d>
+      <a:camera prst="orthographicFront"/>
+      <a:lightRig rig="threePt" dir="t"/>
+    </dgm:scene3d>
+    <dgm:sp3d/>
+    <dgm:txPr/>
+    <dgm:style>
+      <a:lnRef idx="2">
+        <a:scrgbClr r="0" g="0" b="0"/>
+      </a:lnRef>
+      <a:fillRef idx="1">
+        <a:scrgbClr r="0" g="0" b="0"/>
+      </a:fillRef>
+      <a:effectRef idx="0">
+        <a:scrgbClr r="0" g="0" b="0"/>
+      </a:effectRef>
+      <a:fontRef idx="minor"/>
+    </dgm:style>
+  </dgm:styleLbl>
+  <dgm:styleLbl name="fgAccFollowNode1">
+    <dgm:scene3d>
+      <a:camera prst="orthographicFront"/>
+      <a:lightRig rig="threePt" dir="t"/>
+    </dgm:scene3d>
+    <dgm:sp3d/>
+    <dgm:txPr/>
+    <dgm:style>
+      <a:lnRef idx="2">
+        <a:scrgbClr r="0" g="0" b="0"/>
+      </a:lnRef>
+      <a:fillRef idx="1">
+        <a:scrgbClr r="0" g="0" b="0"/>
+      </a:fillRef>
+      <a:effectRef idx="0">
+        <a:scrgbClr r="0" g="0" b="0"/>
+      </a:effectRef>
+      <a:fontRef idx="minor"/>
+    </dgm:style>
+  </dgm:styleLbl>
+  <dgm:styleLbl name="alignAccFollowNode1">
+    <dgm:scene3d>
+      <a:camera prst="orthographicFront"/>
+      <a:lightRig rig="threePt" dir="t"/>
+    </dgm:scene3d>
+    <dgm:sp3d/>
+    <dgm:txPr/>
+    <dgm:style>
+      <a:lnRef idx="2">
+        <a:scrgbClr r="0" g="0" b="0"/>
+      </a:lnRef>
+      <a:fillRef idx="1">
+        <a:scrgbClr r="0" g="0" b="0"/>
+      </a:fillRef>
+      <a:effectRef idx="0">
+        <a:scrgbClr r="0" g="0" b="0"/>
+      </a:effectRef>
+      <a:fontRef idx="minor"/>
+    </dgm:style>
+  </dgm:styleLbl>
+  <dgm:styleLbl name="bgAccFollowNode1">
+    <dgm:scene3d>
+      <a:camera prst="orthographicFront"/>
+      <a:lightRig rig="threePt" dir="t"/>
+    </dgm:scene3d>
+    <dgm:sp3d/>
+    <dgm:txPr/>
+    <dgm:style>
+      <a:lnRef idx="2">
+        <a:scrgbClr r="0" g="0" b="0"/>
+      </a:lnRef>
+      <a:fillRef idx="1">
+        <a:scrgbClr r="0" g="0" b="0"/>
+      </a:fillRef>
+      <a:effectRef idx="0">
+        <a:scrgbClr r="0" g="0" b="0"/>
+      </a:effectRef>
+      <a:fontRef idx="minor"/>
+    </dgm:style>
+  </dgm:styleLbl>
+  <dgm:styleLbl name="fgAcc0">
+    <dgm:scene3d>
+      <a:camera prst="orthographicFront"/>
+      <a:lightRig rig="threePt" dir="t"/>
+    </dgm:scene3d>
+    <dgm:sp3d/>
+    <dgm:txPr/>
+    <dgm:style>
+      <a:lnRef idx="2">
+        <a:scrgbClr r="0" g="0" b="0"/>
+      </a:lnRef>
+      <a:fillRef idx="1">
+        <a:scrgbClr r="0" g="0" b="0"/>
+      </a:fillRef>
+      <a:effectRef idx="0">
+        <a:scrgbClr r="0" g="0" b="0"/>
+      </a:effectRef>
+      <a:fontRef idx="minor"/>
+    </dgm:style>
+  </dgm:styleLbl>
+  <dgm:styleLbl name="fgAcc2">
+    <dgm:scene3d>
+      <a:camera prst="orthographicFront"/>
+      <a:lightRig rig="threePt" dir="t"/>
+    </dgm:scene3d>
+    <dgm:sp3d/>
+    <dgm:txPr/>
+    <dgm:style>
+      <a:lnRef idx="2">
+        <a:scrgbClr r="0" g="0" b="0"/>
+      </a:lnRef>
+      <a:fillRef idx="1">
+        <a:scrgbClr r="0" g="0" b="0"/>
+      </a:fillRef>
+      <a:effectRef idx="0">
+        <a:scrgbClr r="0" g="0" b="0"/>
+      </a:effectRef>
+      <a:fontRef idx="minor"/>
+    </dgm:style>
+  </dgm:styleLbl>
+  <dgm:styleLbl name="fgAcc3">
+    <dgm:scene3d>
+      <a:camera prst="orthographicFront"/>
+      <a:lightRig rig="threePt" dir="t"/>
+    </dgm:scene3d>
+    <dgm:sp3d/>
+    <dgm:txPr/>
+    <dgm:style>
+      <a:lnRef idx="2">
+        <a:scrgbClr r="0" g="0" b="0"/>
+      </a:lnRef>
+      <a:fillRef idx="1">
+        <a:scrgbClr r="0" g="0" b="0"/>
+      </a:fillRef>
+      <a:effectRef idx="0">
+        <a:scrgbClr r="0" g="0" b="0"/>
+      </a:effectRef>
+      <a:fontRef idx="minor"/>
+    </dgm:style>
+  </dgm:styleLbl>
+  <dgm:styleLbl name="fgAcc4">
+    <dgm:scene3d>
+      <a:camera prst="orthographicFront"/>
+      <a:lightRig rig="threePt" dir="t"/>
+    </dgm:scene3d>
+    <dgm:sp3d/>
+    <dgm:txPr/>
+    <dgm:style>
+      <a:lnRef idx="2">
+        <a:scrgbClr r="0" g="0" b="0"/>
+      </a:lnRef>
+      <a:fillRef idx="1">
+        <a:scrgbClr r="0" g="0" b="0"/>
+      </a:fillRef>
+      <a:effectRef idx="0">
+        <a:scrgbClr r="0" g="0" b="0"/>
+      </a:effectRef>
+      <a:fontRef idx="minor"/>
+    </dgm:style>
+  </dgm:styleLbl>
+  <dgm:styleLbl name="bgShp">
+    <dgm:scene3d>
+      <a:camera prst="orthographicFront"/>
+      <a:lightRig rig="threePt" dir="t"/>
+    </dgm:scene3d>
+    <dgm:sp3d/>
+    <dgm:txPr/>
+    <dgm:style>
+      <a:lnRef idx="0">
+        <a:scrgbClr r="0" g="0" b="0"/>
+      </a:lnRef>
+      <a:fillRef idx="1">
+        <a:scrgbClr r="0" g="0" b="0"/>
+      </a:fillRef>
+      <a:effectRef idx="0">
+        <a:scrgbClr r="0" g="0" b="0"/>
+      </a:effectRef>
+      <a:fontRef idx="minor"/>
+    </dgm:style>
+  </dgm:styleLbl>
+  <dgm:styleLbl name="dkBgShp">
+    <dgm:scene3d>
+      <a:camera prst="orthographicFront"/>
+      <a:lightRig rig="threePt" dir="t"/>
+    </dgm:scene3d>
+    <dgm:sp3d/>
+    <dgm:txPr/>
+    <dgm:style>
+      <a:lnRef idx="0">
+        <a:scrgbClr r="0" g="0" b="0"/>
+      </a:lnRef>
+      <a:fillRef idx="1">
+        <a:scrgbClr r="0" g="0" b="0"/>
+      </a:fillRef>
+      <a:effectRef idx="0">
+        <a:scrgbClr r="0" g="0" b="0"/>
+      </a:effectRef>
+      <a:fontRef idx="minor"/>
+    </dgm:style>
+  </dgm:styleLbl>
+  <dgm:styleLbl name="trBgShp">
+    <dgm:scene3d>
+      <a:camera prst="orthographicFront"/>
+      <a:lightRig rig="threePt" dir="t"/>
+    </dgm:scene3d>
+    <dgm:sp3d/>
+    <dgm:txPr/>
+    <dgm:style>
+      <a:lnRef idx="0">
+        <a:scrgbClr r="0" g="0" b="0"/>
+      </a:lnRef>
+      <a:fillRef idx="1">
+        <a:scrgbClr r="0" g="0" b="0"/>
+      </a:fillRef>
+      <a:effectRef idx="0">
+        <a:scrgbClr r="0" g="0" b="0"/>
+      </a:effectRef>
+      <a:fontRef idx="minor"/>
+    </dgm:style>
+  </dgm:styleLbl>
+  <dgm:styleLbl name="fgShp">
+    <dgm:scene3d>
+      <a:camera prst="orthographicFront"/>
+      <a:lightRig rig="threePt" dir="t"/>
+    </dgm:scene3d>
+    <dgm:sp3d/>
+    <dgm:txPr/>
+    <dgm:style>
+      <a:lnRef idx="2">
+        <a:scrgbClr r="0" g="0" b="0"/>
+      </a:lnRef>
+      <a:fillRef idx="1">
+        <a:scrgbClr r="0" g="0" b="0"/>
+      </a:fillRef>
+      <a:effectRef idx="0">
+        <a:scrgbClr r="0" g="0" b="0"/>
+      </a:effectRef>
+      <a:fontRef idx="minor"/>
+    </dgm:style>
+  </dgm:styleLbl>
+  <dgm:styleLbl name="revTx">
+    <dgm:scene3d>
+      <a:camera prst="orthographicFront"/>
+      <a:lightRig rig="threePt" dir="t"/>
+    </dgm:scene3d>
+    <dgm:sp3d/>
+    <dgm:txPr/>
+    <dgm:style>
+      <a:lnRef idx="0">
+        <a:scrgbClr r="0" g="0" b="0"/>
+      </a:lnRef>
+      <a:fillRef idx="0">
+        <a:scrgbClr r="0" g="0" b="0"/>
+      </a:fillRef>
+      <a:effectRef idx="0">
+        <a:scrgbClr r="0" g="0" b="0"/>
+      </a:effectRef>
+      <a:fontRef idx="minor"/>
+    </dgm:style>
+  </dgm:styleLbl>
+</dgm:styleDef>
 </file>
 
 <file path=ppt/handoutMasters/handoutMaster1.xml><?xml version="1.0" encoding="utf-8"?>
@@ -267,7 +6597,7 @@
               <a:rPr lang="en-US" smtClean="0">
                 <a:latin typeface="Segoe UI" pitchFamily="34" charset="0"/>
               </a:rPr>
-              <a:t>1/13/2022 11:33 AM</a:t>
+              <a:t>1/25/2022 10:25 AM</a:t>
             </a:fld>
             <a:endParaRPr lang="en-US" dirty="0">
               <a:latin typeface="Segoe UI" pitchFamily="34" charset="0"/>
@@ -545,7 +6875,7 @@
           <a:p>
             <a:fld id="{386CE63F-9E7F-4C04-9D0D-FCA25A8E9E86}" type="datetime8">
               <a:rPr lang="en-US" smtClean="0"/>
-              <a:t>1/13/2022 11:32 AM</a:t>
+              <a:t>1/25/2022 10:17 AM</a:t>
             </a:fld>
             <a:endParaRPr lang="en-US" dirty="0"/>
           </a:p>
@@ -912,7 +7242,7 @@
           <a:p>
             <a:fld id="{321E5A7B-BB8D-4368-A182-109669521632}" type="datetime8">
               <a:rPr lang="en-US" smtClean="0"/>
-              <a:t>1/13/2022 11:32 AM</a:t>
+              <a:t>1/25/2022 10:17 AM</a:t>
             </a:fld>
             <a:endParaRPr lang="en-US" dirty="0"/>
           </a:p>
@@ -1062,7 +7392,7 @@
                   <a:prstClr val="black"/>
                 </a:solidFill>
               </a:rPr>
-              <a:t>1/13/2022 11:32 AM</a:t>
+              <a:t>1/25/2022 10:17 AM</a:t>
             </a:fld>
             <a:endParaRPr lang="en-US" dirty="0">
               <a:solidFill>
@@ -1094,7 +7424,7 @@
                 </a:solidFill>
               </a:rPr>
               <a:pPr/>
-              <a:t>10</a:t>
+              <a:t>11</a:t>
             </a:fld>
             <a:endParaRPr lang="en-US" dirty="0">
               <a:solidFill>
@@ -15235,6 +21565,192 @@
 <file path=ppt/slides/slide10.xml><?xml version="1.0" encoding="utf-8"?>
 <p:sld xmlns:a="http://schemas.openxmlformats.org/drawingml/2006/main" xmlns:r="http://schemas.openxmlformats.org/officeDocument/2006/relationships" xmlns:p="http://schemas.openxmlformats.org/presentationml/2006/main">
   <p:cSld>
+    <p:spTree>
+      <p:nvGrpSpPr>
+        <p:cNvPr id="1" name=""/>
+        <p:cNvGrpSpPr/>
+        <p:nvPr/>
+      </p:nvGrpSpPr>
+      <p:grpSpPr>
+        <a:xfrm>
+          <a:off x="0" y="0"/>
+          <a:ext cx="0" cy="0"/>
+          <a:chOff x="0" y="0"/>
+          <a:chExt cx="0" cy="0"/>
+        </a:xfrm>
+      </p:grpSpPr>
+      <p:sp>
+        <p:nvSpPr>
+          <p:cNvPr id="2" name="Title 1">
+            <a:extLst>
+              <a:ext uri="{FF2B5EF4-FFF2-40B4-BE49-F238E27FC236}">
+                <a16:creationId xmlns:a16="http://schemas.microsoft.com/office/drawing/2014/main" id="{45ECD67B-71F8-4829-92EC-17AD64B70A74}"/>
+              </a:ext>
+            </a:extLst>
+          </p:cNvPr>
+          <p:cNvSpPr>
+            <a:spLocks noGrp="1"/>
+          </p:cNvSpPr>
+          <p:nvPr>
+            <p:ph type="title"/>
+          </p:nvPr>
+        </p:nvSpPr>
+        <p:spPr/>
+        <p:txBody>
+          <a:bodyPr/>
+          <a:lstStyle/>
+          <a:p>
+            <a:r>
+              <a:rPr lang="en-GB"/>
+              <a:t>Data Classification vs Staging</a:t>
+            </a:r>
+          </a:p>
+        </p:txBody>
+      </p:sp>
+      <p:sp>
+        <p:nvSpPr>
+          <p:cNvPr id="3" name="Text Placeholder 2">
+            <a:extLst>
+              <a:ext uri="{FF2B5EF4-FFF2-40B4-BE49-F238E27FC236}">
+                <a16:creationId xmlns:a16="http://schemas.microsoft.com/office/drawing/2014/main" id="{A1C466E3-3B4D-45CB-B5DE-25926A855A82}"/>
+              </a:ext>
+            </a:extLst>
+          </p:cNvPr>
+          <p:cNvSpPr>
+            <a:spLocks noGrp="1"/>
+          </p:cNvSpPr>
+          <p:nvPr>
+            <p:ph type="body" sz="quarter" idx="10"/>
+          </p:nvPr>
+        </p:nvSpPr>
+        <p:spPr>
+          <a:xfrm>
+            <a:off x="584200" y="1435497"/>
+            <a:ext cx="11018520" cy="3841052"/>
+          </a:xfrm>
+        </p:spPr>
+        <p:txBody>
+          <a:bodyPr/>
+          <a:lstStyle/>
+          <a:p>
+            <a:r>
+              <a:rPr lang="en-GB" dirty="0"/>
+              <a:t>Understand what deployment stages are</a:t>
+            </a:r>
+          </a:p>
+          <a:p>
+            <a:pPr lvl="1"/>
+            <a:r>
+              <a:rPr lang="en-GB" dirty="0"/>
+              <a:t>Dev is where you develop</a:t>
+            </a:r>
+          </a:p>
+          <a:p>
+            <a:pPr lvl="1"/>
+            <a:r>
+              <a:rPr lang="en-GB" dirty="0"/>
+              <a:t>Test might be ephemeral</a:t>
+            </a:r>
+          </a:p>
+          <a:p>
+            <a:pPr lvl="1"/>
+            <a:r>
+              <a:rPr lang="en-GB" dirty="0"/>
+              <a:t>Production is the service with SLAs</a:t>
+            </a:r>
+          </a:p>
+          <a:p>
+            <a:r>
+              <a:rPr lang="en-GB" dirty="0"/>
+              <a:t>Understand data classification</a:t>
+            </a:r>
+          </a:p>
+          <a:p>
+            <a:pPr lvl="1"/>
+            <a:r>
+              <a:rPr lang="en-GB" dirty="0"/>
+              <a:t>Primary data needs controls but can be used</a:t>
+            </a:r>
+            <a:br>
+              <a:rPr lang="en-GB" dirty="0"/>
+            </a:br>
+            <a:r>
+              <a:rPr lang="en-GB" dirty="0"/>
+              <a:t>everywhere</a:t>
+            </a:r>
+          </a:p>
+          <a:p>
+            <a:pPr lvl="1"/>
+            <a:r>
+              <a:rPr lang="en-GB" dirty="0"/>
+              <a:t>Safe data needs fewer controls but is less useful</a:t>
+            </a:r>
+          </a:p>
+          <a:p>
+            <a:pPr lvl="1"/>
+            <a:r>
+              <a:rPr lang="en-GB" dirty="0"/>
+              <a:t>Test data is not derived from primary data</a:t>
+            </a:r>
+          </a:p>
+          <a:p>
+            <a:pPr lvl="2"/>
+            <a:r>
+              <a:rPr lang="en-GB" dirty="0"/>
+              <a:t>Based on your tests to produce expected results</a:t>
+            </a:r>
+          </a:p>
+        </p:txBody>
+      </p:sp>
+      <p:pic>
+        <p:nvPicPr>
+          <p:cNvPr id="5" name="Picture 4" descr="Chart, waterfall chart&#10;&#10;Description automatically generated">
+            <a:extLst>
+              <a:ext uri="{FF2B5EF4-FFF2-40B4-BE49-F238E27FC236}">
+                <a16:creationId xmlns:a16="http://schemas.microsoft.com/office/drawing/2014/main" id="{7139A788-ABC0-40DC-B41F-5E821996A6BE}"/>
+              </a:ext>
+            </a:extLst>
+          </p:cNvPr>
+          <p:cNvPicPr>
+            <a:picLocks noChangeAspect="1"/>
+          </p:cNvPicPr>
+          <p:nvPr/>
+        </p:nvPicPr>
+        <p:blipFill>
+          <a:blip r:embed="rId2"/>
+          <a:stretch>
+            <a:fillRect/>
+          </a:stretch>
+        </p:blipFill>
+        <p:spPr>
+          <a:xfrm>
+            <a:off x="7125784" y="1838049"/>
+            <a:ext cx="4145288" cy="4145288"/>
+          </a:xfrm>
+          <a:prstGeom prst="rect">
+            <a:avLst/>
+          </a:prstGeom>
+        </p:spPr>
+      </p:pic>
+    </p:spTree>
+    <p:extLst>
+      <p:ext uri="{BB962C8B-B14F-4D97-AF65-F5344CB8AC3E}">
+        <p14:creationId xmlns:p14="http://schemas.microsoft.com/office/powerpoint/2010/main" val="3300070455"/>
+      </p:ext>
+    </p:extLst>
+  </p:cSld>
+  <p:clrMapOvr>
+    <a:masterClrMapping/>
+  </p:clrMapOvr>
+  <p:transition>
+    <p:fade/>
+  </p:transition>
+</p:sld>
+</file>
+
+<file path=ppt/slides/slide11.xml><?xml version="1.0" encoding="utf-8"?>
+<p:sld xmlns:a="http://schemas.openxmlformats.org/drawingml/2006/main" xmlns:r="http://schemas.openxmlformats.org/officeDocument/2006/relationships" xmlns:p="http://schemas.openxmlformats.org/presentationml/2006/main">
+  <p:cSld>
     <p:bg>
       <p:bgPr>
         <a:solidFill>
@@ -15299,6 +21815,34 @@
           <a:chExt cx="0" cy="0"/>
         </a:xfrm>
       </p:grpSpPr>
+      <p:graphicFrame>
+        <p:nvGraphicFramePr>
+          <p:cNvPr id="2" name="Diagram 1">
+            <a:extLst>
+              <a:ext uri="{FF2B5EF4-FFF2-40B4-BE49-F238E27FC236}">
+                <a16:creationId xmlns:a16="http://schemas.microsoft.com/office/drawing/2014/main" id="{E7157714-85D8-41A0-A272-A47FA82D67D7}"/>
+              </a:ext>
+            </a:extLst>
+          </p:cNvPr>
+          <p:cNvGraphicFramePr/>
+          <p:nvPr>
+            <p:extLst>
+              <p:ext uri="{D42A27DB-BD31-4B8C-83A1-F6EECF244321}">
+                <p14:modId xmlns:p14="http://schemas.microsoft.com/office/powerpoint/2010/main" val="547048393"/>
+              </p:ext>
+            </p:extLst>
+          </p:nvPr>
+        </p:nvGraphicFramePr>
+        <p:xfrm>
+          <a:off x="584200" y="1435497"/>
+          <a:ext cx="11018520" cy="4702836"/>
+        </p:xfrm>
+        <a:graphic>
+          <a:graphicData uri="http://schemas.openxmlformats.org/drawingml/2006/diagram">
+            <dgm:relIds xmlns:dgm="http://schemas.openxmlformats.org/drawingml/2006/diagram" xmlns:r="http://schemas.openxmlformats.org/officeDocument/2006/relationships" r:dm="rId2" r:lo="rId3" r:qs="rId4" r:cs="rId5"/>
+          </a:graphicData>
+        </a:graphic>
+      </p:graphicFrame>
       <p:sp>
         <p:nvSpPr>
           <p:cNvPr id="4" name="Title 3">
@@ -15323,57 +21867,6 @@
             <a:r>
               <a:rPr lang="en-GB" dirty="0"/>
               <a:t>Why a different architecture?</a:t>
-            </a:r>
-          </a:p>
-        </p:txBody>
-      </p:sp>
-      <p:sp>
-        <p:nvSpPr>
-          <p:cNvPr id="5" name="Text Placeholder 4">
-            <a:extLst>
-              <a:ext uri="{FF2B5EF4-FFF2-40B4-BE49-F238E27FC236}">
-                <a16:creationId xmlns:a16="http://schemas.microsoft.com/office/drawing/2014/main" id="{E06A7475-5C7D-4EB6-9297-DABE6F2281AD}"/>
-              </a:ext>
-            </a:extLst>
-          </p:cNvPr>
-          <p:cNvSpPr>
-            <a:spLocks noGrp="1"/>
-          </p:cNvSpPr>
-          <p:nvPr>
-            <p:ph type="body" sz="quarter" idx="10"/>
-          </p:nvPr>
-        </p:nvSpPr>
-        <p:spPr>
-          <a:xfrm>
-            <a:off x="584200" y="1435497"/>
-            <a:ext cx="11018520" cy="1982081"/>
-          </a:xfrm>
-        </p:spPr>
-        <p:txBody>
-          <a:bodyPr/>
-          <a:lstStyle/>
-          <a:p>
-            <a:r>
-              <a:rPr lang="en-GB" dirty="0"/>
-              <a:t>Team size</a:t>
-            </a:r>
-          </a:p>
-          <a:p>
-            <a:r>
-              <a:rPr lang="en-GB" dirty="0"/>
-              <a:t>Number of teams</a:t>
-            </a:r>
-          </a:p>
-          <a:p>
-            <a:r>
-              <a:rPr lang="en-GB" dirty="0"/>
-              <a:t>Dependencies</a:t>
-            </a:r>
-          </a:p>
-          <a:p>
-            <a:r>
-              <a:rPr lang="en-GB" dirty="0"/>
-              <a:t>Complexity</a:t>
             </a:r>
           </a:p>
         </p:txBody>
@@ -15411,6 +21904,34 @@
           <a:chExt cx="0" cy="0"/>
         </a:xfrm>
       </p:grpSpPr>
+      <p:graphicFrame>
+        <p:nvGraphicFramePr>
+          <p:cNvPr id="4" name="Diagram 3">
+            <a:extLst>
+              <a:ext uri="{FF2B5EF4-FFF2-40B4-BE49-F238E27FC236}">
+                <a16:creationId xmlns:a16="http://schemas.microsoft.com/office/drawing/2014/main" id="{BE86FE27-BD9D-4F4B-B53F-62BF8451E571}"/>
+              </a:ext>
+            </a:extLst>
+          </p:cNvPr>
+          <p:cNvGraphicFramePr/>
+          <p:nvPr>
+            <p:extLst>
+              <p:ext uri="{D42A27DB-BD31-4B8C-83A1-F6EECF244321}">
+                <p14:modId xmlns:p14="http://schemas.microsoft.com/office/powerpoint/2010/main" val="1663442919"/>
+              </p:ext>
+            </p:extLst>
+          </p:nvPr>
+        </p:nvGraphicFramePr>
+        <p:xfrm>
+          <a:off x="584199" y="1435497"/>
+          <a:ext cx="11018519" cy="4965303"/>
+        </p:xfrm>
+        <a:graphic>
+          <a:graphicData uri="http://schemas.openxmlformats.org/drawingml/2006/diagram">
+            <dgm:relIds xmlns:dgm="http://schemas.openxmlformats.org/drawingml/2006/diagram" xmlns:r="http://schemas.openxmlformats.org/officeDocument/2006/relationships" r:dm="rId2" r:lo="rId3" r:qs="rId4" r:cs="rId5"/>
+          </a:graphicData>
+        </a:graphic>
+      </p:graphicFrame>
       <p:sp>
         <p:nvSpPr>
           <p:cNvPr id="2" name="Title 1">
@@ -15435,51 +21956,6 @@
             <a:r>
               <a:rPr lang="en-GB" dirty="0"/>
               <a:t>Coupling</a:t>
-            </a:r>
-          </a:p>
-        </p:txBody>
-      </p:sp>
-      <p:sp>
-        <p:nvSpPr>
-          <p:cNvPr id="3" name="Text Placeholder 2">
-            <a:extLst>
-              <a:ext uri="{FF2B5EF4-FFF2-40B4-BE49-F238E27FC236}">
-                <a16:creationId xmlns:a16="http://schemas.microsoft.com/office/drawing/2014/main" id="{417C79B4-F982-493F-9F31-129CD295F468}"/>
-              </a:ext>
-            </a:extLst>
-          </p:cNvPr>
-          <p:cNvSpPr>
-            <a:spLocks noGrp="1"/>
-          </p:cNvSpPr>
-          <p:nvPr>
-            <p:ph type="body" sz="quarter" idx="10"/>
-          </p:nvPr>
-        </p:nvSpPr>
-        <p:spPr>
-          <a:xfrm>
-            <a:off x="584200" y="1435497"/>
-            <a:ext cx="11018520" cy="1465016"/>
-          </a:xfrm>
-        </p:spPr>
-        <p:txBody>
-          <a:bodyPr/>
-          <a:lstStyle/>
-          <a:p>
-            <a:r>
-              <a:rPr lang="en-GB" dirty="0"/>
-              <a:t>Tightly coupled architecture vs loosely coupled</a:t>
-            </a:r>
-          </a:p>
-          <a:p>
-            <a:r>
-              <a:rPr lang="en-GB" dirty="0"/>
-              <a:t>Swap out and change</a:t>
-            </a:r>
-          </a:p>
-          <a:p>
-            <a:r>
-              <a:rPr lang="en-GB" dirty="0"/>
-              <a:t>Evolution and competition</a:t>
             </a:r>
           </a:p>
         </p:txBody>
@@ -15564,7 +22040,7 @@
         <p:spPr>
           <a:xfrm>
             <a:off x="584200" y="1435497"/>
-            <a:ext cx="11018520" cy="1465016"/>
+            <a:ext cx="11018520" cy="2351413"/>
           </a:xfrm>
         </p:spPr>
         <p:txBody>
@@ -15573,6 +22049,12 @@
           <a:p>
             <a:r>
               <a:rPr lang="en-GB" dirty="0"/>
+              <a:t>Reduce product scope</a:t>
+            </a:r>
+          </a:p>
+          <a:p>
+            <a:r>
+              <a:rPr lang="en-GB" dirty="0"/>
               <a:t>Everything self contained</a:t>
             </a:r>
           </a:p>
@@ -15583,10 +22065,50 @@
             </a:r>
           </a:p>
           <a:p>
-            <a:endParaRPr lang="en-GB" dirty="0"/>
+            <a:r>
+              <a:rPr lang="en-GB" dirty="0"/>
+              <a:t>Reduce change requests</a:t>
+            </a:r>
+          </a:p>
+          <a:p>
+            <a:pPr lvl="1"/>
+            <a:r>
+              <a:rPr lang="en-GB" dirty="0"/>
+              <a:t>Change log</a:t>
+            </a:r>
           </a:p>
         </p:txBody>
       </p:sp>
+      <p:pic>
+        <p:nvPicPr>
+          <p:cNvPr id="5" name="Picture 4" descr="A picture containing graphical user interface&#10;&#10;Description automatically generated">
+            <a:extLst>
+              <a:ext uri="{FF2B5EF4-FFF2-40B4-BE49-F238E27FC236}">
+                <a16:creationId xmlns:a16="http://schemas.microsoft.com/office/drawing/2014/main" id="{4599BE6A-B5AF-4FB7-8306-1EEAFDE09453}"/>
+              </a:ext>
+            </a:extLst>
+          </p:cNvPr>
+          <p:cNvPicPr>
+            <a:picLocks noChangeAspect="1"/>
+          </p:cNvPicPr>
+          <p:nvPr/>
+        </p:nvPicPr>
+        <p:blipFill>
+          <a:blip r:embed="rId2"/>
+          <a:stretch>
+            <a:fillRect/>
+          </a:stretch>
+        </p:blipFill>
+        <p:spPr>
+          <a:xfrm>
+            <a:off x="5993879" y="4740669"/>
+            <a:ext cx="6198121" cy="2350013"/>
+          </a:xfrm>
+          <a:prstGeom prst="rect">
+            <a:avLst/>
+          </a:prstGeom>
+        </p:spPr>
+      </p:pic>
     </p:spTree>
     <p:extLst>
       <p:ext uri="{BB962C8B-B14F-4D97-AF65-F5344CB8AC3E}">
@@ -15625,6 +22147,175 @@
           <p:cNvPr id="2" name="Title 1">
             <a:extLst>
               <a:ext uri="{FF2B5EF4-FFF2-40B4-BE49-F238E27FC236}">
+                <a16:creationId xmlns:a16="http://schemas.microsoft.com/office/drawing/2014/main" id="{BD688EC1-54BA-43D2-96CD-37B06E2B275A}"/>
+              </a:ext>
+            </a:extLst>
+          </p:cNvPr>
+          <p:cNvSpPr>
+            <a:spLocks noGrp="1"/>
+          </p:cNvSpPr>
+          <p:nvPr>
+            <p:ph type="title"/>
+          </p:nvPr>
+        </p:nvSpPr>
+        <p:spPr/>
+        <p:txBody>
+          <a:bodyPr/>
+          <a:lstStyle/>
+          <a:p>
+            <a:r>
+              <a:rPr lang="en-GB" dirty="0"/>
+              <a:t>Product Thinking</a:t>
+            </a:r>
+          </a:p>
+        </p:txBody>
+      </p:sp>
+      <p:sp>
+        <p:nvSpPr>
+          <p:cNvPr id="3" name="Text Placeholder 2">
+            <a:extLst>
+              <a:ext uri="{FF2B5EF4-FFF2-40B4-BE49-F238E27FC236}">
+                <a16:creationId xmlns:a16="http://schemas.microsoft.com/office/drawing/2014/main" id="{D6766DFD-1A05-44D2-B922-04E69D89B001}"/>
+              </a:ext>
+            </a:extLst>
+          </p:cNvPr>
+          <p:cNvSpPr>
+            <a:spLocks noGrp="1"/>
+          </p:cNvSpPr>
+          <p:nvPr>
+            <p:ph type="body" sz="quarter" idx="10"/>
+          </p:nvPr>
+        </p:nvSpPr>
+        <p:spPr>
+          <a:xfrm>
+            <a:off x="584200" y="1435497"/>
+            <a:ext cx="11018520" cy="4715137"/>
+          </a:xfrm>
+        </p:spPr>
+        <p:txBody>
+          <a:bodyPr/>
+          <a:lstStyle/>
+          <a:p>
+            <a:r>
+              <a:rPr lang="en-GB" dirty="0"/>
+              <a:t>Customers</a:t>
+            </a:r>
+          </a:p>
+          <a:p>
+            <a:pPr lvl="1"/>
+            <a:r>
+              <a:rPr lang="en-GB" dirty="0"/>
+              <a:t>Features</a:t>
+            </a:r>
+          </a:p>
+          <a:p>
+            <a:pPr lvl="1"/>
+            <a:r>
+              <a:rPr lang="en-GB" dirty="0"/>
+              <a:t>Requests</a:t>
+            </a:r>
+          </a:p>
+          <a:p>
+            <a:pPr lvl="1"/>
+            <a:r>
+              <a:rPr lang="en-GB" dirty="0"/>
+              <a:t>Feedback</a:t>
+            </a:r>
+          </a:p>
+          <a:p>
+            <a:pPr lvl="1"/>
+            <a:r>
+              <a:rPr lang="en-GB" dirty="0"/>
+              <a:t>Popularity</a:t>
+            </a:r>
+          </a:p>
+          <a:p>
+            <a:pPr lvl="1"/>
+            <a:r>
+              <a:rPr lang="en-GB" b="1" dirty="0"/>
+              <a:t>Competition</a:t>
+            </a:r>
+          </a:p>
+          <a:p>
+            <a:pPr lvl="2"/>
+            <a:r>
+              <a:rPr lang="en-GB" dirty="0"/>
+              <a:t>One source of the truth is the enemy of optimisation and evolution</a:t>
+            </a:r>
+          </a:p>
+          <a:p>
+            <a:pPr lvl="1"/>
+            <a:r>
+              <a:rPr lang="en-GB" dirty="0"/>
+              <a:t>Splitting due to different needs</a:t>
+            </a:r>
+          </a:p>
+          <a:p>
+            <a:r>
+              <a:rPr lang="en-GB" dirty="0"/>
+              <a:t>Cost</a:t>
+            </a:r>
+          </a:p>
+          <a:p>
+            <a:pPr lvl="1"/>
+            <a:r>
+              <a:rPr lang="en-GB" dirty="0"/>
+              <a:t>Value based charging</a:t>
+            </a:r>
+          </a:p>
+          <a:p>
+            <a:pPr lvl="1"/>
+            <a:r>
+              <a:rPr lang="en-GB" dirty="0"/>
+              <a:t>Easy to see demand justification</a:t>
+            </a:r>
+          </a:p>
+          <a:p>
+            <a:r>
+              <a:rPr lang="en-GB" dirty="0"/>
+              <a:t>Product Managers and Owners</a:t>
+            </a:r>
+          </a:p>
+        </p:txBody>
+      </p:sp>
+    </p:spTree>
+    <p:extLst>
+      <p:ext uri="{BB962C8B-B14F-4D97-AF65-F5344CB8AC3E}">
+        <p14:creationId xmlns:p14="http://schemas.microsoft.com/office/powerpoint/2010/main" val="3931162492"/>
+      </p:ext>
+    </p:extLst>
+  </p:cSld>
+  <p:clrMapOvr>
+    <a:masterClrMapping/>
+  </p:clrMapOvr>
+  <p:transition>
+    <p:fade/>
+  </p:transition>
+</p:sld>
+</file>
+
+<file path=ppt/slides/slide6.xml><?xml version="1.0" encoding="utf-8"?>
+<p:sld xmlns:a="http://schemas.openxmlformats.org/drawingml/2006/main" xmlns:r="http://schemas.openxmlformats.org/officeDocument/2006/relationships" xmlns:p="http://schemas.openxmlformats.org/presentationml/2006/main">
+  <p:cSld>
+    <p:spTree>
+      <p:nvGrpSpPr>
+        <p:cNvPr id="1" name=""/>
+        <p:cNvGrpSpPr/>
+        <p:nvPr/>
+      </p:nvGrpSpPr>
+      <p:grpSpPr>
+        <a:xfrm>
+          <a:off x="0" y="0"/>
+          <a:ext cx="0" cy="0"/>
+          <a:chOff x="0" y="0"/>
+          <a:chExt cx="0" cy="0"/>
+        </a:xfrm>
+      </p:grpSpPr>
+      <p:sp>
+        <p:nvSpPr>
+          <p:cNvPr id="2" name="Title 1">
+            <a:extLst>
+              <a:ext uri="{FF2B5EF4-FFF2-40B4-BE49-F238E27FC236}">
                 <a16:creationId xmlns:a16="http://schemas.microsoft.com/office/drawing/2014/main" id="{2670F83F-80A1-4FFD-AEC1-3B1F873E6DF8}"/>
               </a:ext>
             </a:extLst>
@@ -15667,7 +22358,7 @@
         <p:spPr>
           <a:xfrm>
             <a:off x="584200" y="1435497"/>
-            <a:ext cx="11018520" cy="947952"/>
+            <a:ext cx="11018520" cy="4210383"/>
           </a:xfrm>
         </p:spPr>
         <p:txBody>
@@ -15680,13 +22371,135 @@
             </a:r>
           </a:p>
           <a:p>
+            <a:pPr lvl="1"/>
+            <a:r>
+              <a:rPr lang="en-GB" dirty="0"/>
+              <a:t>What we deliver</a:t>
+            </a:r>
+          </a:p>
+          <a:p>
+            <a:pPr lvl="1"/>
+            <a:r>
+              <a:rPr lang="en-GB" dirty="0"/>
+              <a:t>SLAs</a:t>
+            </a:r>
+          </a:p>
+          <a:p>
+            <a:pPr lvl="1"/>
+            <a:r>
+              <a:rPr lang="en-GB" dirty="0"/>
+              <a:t>Compliance</a:t>
+            </a:r>
+          </a:p>
+          <a:p>
+            <a:pPr lvl="1"/>
+            <a:r>
+              <a:rPr lang="en-GB" dirty="0"/>
+              <a:t>Ownership</a:t>
+            </a:r>
+          </a:p>
+          <a:p>
+            <a:pPr lvl="1"/>
+            <a:r>
+              <a:rPr lang="en-GB" dirty="0"/>
+              <a:t>Governance information</a:t>
+            </a:r>
+          </a:p>
+          <a:p>
             <a:r>
               <a:rPr lang="en-GB" dirty="0"/>
               <a:t>Design for discoverability</a:t>
             </a:r>
           </a:p>
+          <a:p>
+            <a:pPr lvl="1"/>
+            <a:r>
+              <a:rPr lang="en-GB" dirty="0"/>
+              <a:t>Include metadata</a:t>
+            </a:r>
+          </a:p>
+          <a:p>
+            <a:pPr lvl="1"/>
+            <a:r>
+              <a:rPr lang="en-GB" dirty="0"/>
+              <a:t>“Public” Documentation</a:t>
+            </a:r>
+          </a:p>
+          <a:p>
+            <a:pPr lvl="1"/>
+            <a:r>
+              <a:rPr lang="en-GB" dirty="0"/>
+              <a:t>Catalogues, repositories, libraries, </a:t>
+            </a:r>
+            <a:br>
+              <a:rPr lang="en-GB" dirty="0"/>
+            </a:br>
+            <a:r>
+              <a:rPr lang="en-GB" dirty="0"/>
+              <a:t>Intranet sites</a:t>
+            </a:r>
+          </a:p>
         </p:txBody>
       </p:sp>
+      <p:pic>
+        <p:nvPicPr>
+          <p:cNvPr id="5" name="Picture 4" descr="Diagram&#10;&#10;Description automatically generated with medium confidence">
+            <a:extLst>
+              <a:ext uri="{FF2B5EF4-FFF2-40B4-BE49-F238E27FC236}">
+                <a16:creationId xmlns:a16="http://schemas.microsoft.com/office/drawing/2014/main" id="{E6524575-16ED-4531-A3DB-559457970F83}"/>
+              </a:ext>
+            </a:extLst>
+          </p:cNvPr>
+          <p:cNvPicPr>
+            <a:picLocks noChangeAspect="1"/>
+          </p:cNvPicPr>
+          <p:nvPr/>
+        </p:nvPicPr>
+        <p:blipFill>
+          <a:blip r:embed="rId2"/>
+          <a:stretch>
+            <a:fillRect/>
+          </a:stretch>
+        </p:blipFill>
+        <p:spPr>
+          <a:xfrm>
+            <a:off x="4255072" y="1435497"/>
+            <a:ext cx="8193270" cy="4821382"/>
+          </a:xfrm>
+          <a:prstGeom prst="rect">
+            <a:avLst/>
+          </a:prstGeom>
+          <a:solidFill>
+            <a:srgbClr val="FFFFFF">
+              <a:shade val="85000"/>
+            </a:srgbClr>
+          </a:solidFill>
+          <a:ln w="190500" cap="rnd">
+            <a:solidFill>
+              <a:srgbClr val="FFFFFF"/>
+            </a:solidFill>
+          </a:ln>
+          <a:effectLst>
+            <a:outerShdw blurRad="36195" dist="12700" dir="11400000" algn="tl" rotWithShape="0">
+              <a:srgbClr val="000000">
+                <a:alpha val="33000"/>
+              </a:srgbClr>
+            </a:outerShdw>
+          </a:effectLst>
+          <a:scene3d>
+            <a:camera prst="perspectiveContrastingLeftFacing">
+              <a:rot lat="540000" lon="2100000" rev="0"/>
+            </a:camera>
+            <a:lightRig rig="soft" dir="t"/>
+          </a:scene3d>
+          <a:sp3d contourW="12700" prstMaterial="matte">
+            <a:bevelT w="63500" h="50800"/>
+            <a:contourClr>
+              <a:srgbClr val="C0C0C0"/>
+            </a:contourClr>
+          </a:sp3d>
+        </p:spPr>
+      </p:pic>
     </p:spTree>
     <p:extLst>
       <p:ext uri="{BB962C8B-B14F-4D97-AF65-F5344CB8AC3E}">
@@ -15703,7 +22516,7 @@
 </p:sld>
 </file>
 
-<file path=ppt/slides/slide6.xml><?xml version="1.0" encoding="utf-8"?>
+<file path=ppt/slides/slide7.xml><?xml version="1.0" encoding="utf-8"?>
 <p:sld xmlns:a="http://schemas.openxmlformats.org/drawingml/2006/main" xmlns:r="http://schemas.openxmlformats.org/officeDocument/2006/relationships" xmlns:p="http://schemas.openxmlformats.org/presentationml/2006/main">
   <p:cSld>
     <p:spTree>
@@ -15743,7 +22556,7 @@
           <a:p>
             <a:r>
               <a:rPr lang="en-GB" dirty="0"/>
-              <a:t>Avoid the Empire</a:t>
+              <a:t>Decentralise</a:t>
             </a:r>
           </a:p>
         </p:txBody>
@@ -15767,7 +22580,7 @@
         <p:spPr>
           <a:xfrm>
             <a:off x="584200" y="1435497"/>
-            <a:ext cx="11018520" cy="2055947"/>
+            <a:ext cx="11018520" cy="2942344"/>
           </a:xfrm>
         </p:spPr>
         <p:txBody>
@@ -15782,6 +22595,19 @@
           <a:p>
             <a:r>
               <a:rPr lang="en-GB" dirty="0"/>
+              <a:t>Feed up the things that are necessary</a:t>
+            </a:r>
+          </a:p>
+          <a:p>
+            <a:pPr lvl="1"/>
+            <a:r>
+              <a:rPr lang="en-GB" dirty="0"/>
+              <a:t>But do the work locally</a:t>
+            </a:r>
+          </a:p>
+          <a:p>
+            <a:r>
+              <a:rPr lang="en-GB" dirty="0"/>
               <a:t>Catalogue/data lineage is a good example</a:t>
             </a:r>
           </a:p>
@@ -15789,7 +22615,7 @@
             <a:pPr lvl="1"/>
             <a:r>
               <a:rPr lang="en-GB" dirty="0"/>
-              <a:t>Unnecessary</a:t>
+              <a:t>Why centralise?</a:t>
             </a:r>
           </a:p>
           <a:p>
@@ -15824,7 +22650,7 @@
 </p:sld>
 </file>
 
-<file path=ppt/slides/slide7.xml><?xml version="1.0" encoding="utf-8"?>
+<file path=ppt/slides/slide8.xml><?xml version="1.0" encoding="utf-8"?>
 <p:sld xmlns:a="http://schemas.openxmlformats.org/drawingml/2006/main" xmlns:r="http://schemas.openxmlformats.org/officeDocument/2006/relationships" xmlns:p="http://schemas.openxmlformats.org/presentationml/2006/main">
   <p:cSld>
     <p:spTree>
@@ -15965,7 +22791,7 @@
 </p:sld>
 </file>
 
-<file path=ppt/slides/slide8.xml><?xml version="1.0" encoding="utf-8"?>
+<file path=ppt/slides/slide9.xml><?xml version="1.0" encoding="utf-8"?>
 <p:sld xmlns:a="http://schemas.openxmlformats.org/drawingml/2006/main" xmlns:r="http://schemas.openxmlformats.org/officeDocument/2006/relationships" xmlns:p="http://schemas.openxmlformats.org/presentationml/2006/main">
   <p:cSld>
     <p:spTree>
@@ -16029,7 +22855,7 @@
         <p:spPr>
           <a:xfrm>
             <a:off x="584200" y="1435497"/>
-            <a:ext cx="11018520" cy="1465016"/>
+            <a:ext cx="11018520" cy="2942344"/>
           </a:xfrm>
         </p:spPr>
         <p:txBody>
@@ -16042,9 +22868,37 @@
             </a:r>
           </a:p>
           <a:p>
+            <a:pPr lvl="1"/>
+            <a:r>
+              <a:rPr lang="en-GB" dirty="0"/>
+              <a:t>Standardisation and patterns are by definition non-optimal</a:t>
+            </a:r>
+          </a:p>
+          <a:p>
+            <a:pPr lvl="1"/>
+            <a:r>
+              <a:rPr lang="en-GB" dirty="0"/>
+              <a:t>Good, well documented interfaces between projects</a:t>
+            </a:r>
+          </a:p>
+          <a:p>
             <a:r>
               <a:rPr lang="en-GB" dirty="0"/>
               <a:t>Start from a blank sheet and add what’s needed</a:t>
+            </a:r>
+          </a:p>
+          <a:p>
+            <a:pPr lvl="1"/>
+            <a:r>
+              <a:rPr lang="en-GB" dirty="0"/>
+              <a:t>Optimise at every step</a:t>
+            </a:r>
+          </a:p>
+          <a:p>
+            <a:pPr lvl="1"/>
+            <a:r>
+              <a:rPr lang="en-GB" dirty="0"/>
+              <a:t>Use the best tool for the job</a:t>
             </a:r>
           </a:p>
           <a:p>
@@ -16059,122 +22913,6 @@
     <p:extLst>
       <p:ext uri="{BB962C8B-B14F-4D97-AF65-F5344CB8AC3E}">
         <p14:creationId xmlns:p14="http://schemas.microsoft.com/office/powerpoint/2010/main" val="1810959353"/>
-      </p:ext>
-    </p:extLst>
-  </p:cSld>
-  <p:clrMapOvr>
-    <a:masterClrMapping/>
-  </p:clrMapOvr>
-  <p:transition>
-    <p:fade/>
-  </p:transition>
-</p:sld>
-</file>
-
-<file path=ppt/slides/slide9.xml><?xml version="1.0" encoding="utf-8"?>
-<p:sld xmlns:a="http://schemas.openxmlformats.org/drawingml/2006/main" xmlns:r="http://schemas.openxmlformats.org/officeDocument/2006/relationships" xmlns:p="http://schemas.openxmlformats.org/presentationml/2006/main">
-  <p:cSld>
-    <p:spTree>
-      <p:nvGrpSpPr>
-        <p:cNvPr id="1" name=""/>
-        <p:cNvGrpSpPr/>
-        <p:nvPr/>
-      </p:nvGrpSpPr>
-      <p:grpSpPr>
-        <a:xfrm>
-          <a:off x="0" y="0"/>
-          <a:ext cx="0" cy="0"/>
-          <a:chOff x="0" y="0"/>
-          <a:chExt cx="0" cy="0"/>
-        </a:xfrm>
-      </p:grpSpPr>
-      <p:sp>
-        <p:nvSpPr>
-          <p:cNvPr id="2" name="Title 1">
-            <a:extLst>
-              <a:ext uri="{FF2B5EF4-FFF2-40B4-BE49-F238E27FC236}">
-                <a16:creationId xmlns:a16="http://schemas.microsoft.com/office/drawing/2014/main" id="{45ECD67B-71F8-4829-92EC-17AD64B70A74}"/>
-              </a:ext>
-            </a:extLst>
-          </p:cNvPr>
-          <p:cNvSpPr>
-            <a:spLocks noGrp="1"/>
-          </p:cNvSpPr>
-          <p:nvPr>
-            <p:ph type="title"/>
-          </p:nvPr>
-        </p:nvSpPr>
-        <p:spPr/>
-        <p:txBody>
-          <a:bodyPr/>
-          <a:lstStyle/>
-          <a:p>
-            <a:r>
-              <a:rPr lang="en-GB"/>
-              <a:t>Data Classification vs Staging</a:t>
-            </a:r>
-          </a:p>
-        </p:txBody>
-      </p:sp>
-      <p:sp>
-        <p:nvSpPr>
-          <p:cNvPr id="3" name="Text Placeholder 2">
-            <a:extLst>
-              <a:ext uri="{FF2B5EF4-FFF2-40B4-BE49-F238E27FC236}">
-                <a16:creationId xmlns:a16="http://schemas.microsoft.com/office/drawing/2014/main" id="{A1C466E3-3B4D-45CB-B5DE-25926A855A82}"/>
-              </a:ext>
-            </a:extLst>
-          </p:cNvPr>
-          <p:cNvSpPr>
-            <a:spLocks noGrp="1"/>
-          </p:cNvSpPr>
-          <p:nvPr>
-            <p:ph type="body" sz="quarter" idx="10"/>
-          </p:nvPr>
-        </p:nvSpPr>
-        <p:spPr/>
-        <p:txBody>
-          <a:bodyPr/>
-          <a:lstStyle/>
-          <a:p>
-            <a:endParaRPr lang="en-GB"/>
-          </a:p>
-        </p:txBody>
-      </p:sp>
-      <p:pic>
-        <p:nvPicPr>
-          <p:cNvPr id="5" name="Picture 4" descr="Chart, waterfall chart&#10;&#10;Description automatically generated">
-            <a:extLst>
-              <a:ext uri="{FF2B5EF4-FFF2-40B4-BE49-F238E27FC236}">
-                <a16:creationId xmlns:a16="http://schemas.microsoft.com/office/drawing/2014/main" id="{7139A788-ABC0-40DC-B41F-5E821996A6BE}"/>
-              </a:ext>
-            </a:extLst>
-          </p:cNvPr>
-          <p:cNvPicPr>
-            <a:picLocks noChangeAspect="1"/>
-          </p:cNvPicPr>
-          <p:nvPr/>
-        </p:nvPicPr>
-        <p:blipFill>
-          <a:blip r:embed="rId2"/>
-          <a:stretch>
-            <a:fillRect/>
-          </a:stretch>
-        </p:blipFill>
-        <p:spPr>
-          <a:xfrm>
-            <a:off x="4023356" y="1356356"/>
-            <a:ext cx="4145288" cy="4145288"/>
-          </a:xfrm>
-          <a:prstGeom prst="rect">
-            <a:avLst/>
-          </a:prstGeom>
-        </p:spPr>
-      </p:pic>
-    </p:spTree>
-    <p:extLst>
-      <p:ext uri="{BB962C8B-B14F-4D97-AF65-F5344CB8AC3E}">
-        <p14:creationId xmlns:p14="http://schemas.microsoft.com/office/powerpoint/2010/main" val="3300070455"/>
       </p:ext>
     </p:extLst>
   </p:cSld>
@@ -17340,12 +24078,6 @@
 </file>
 
 <file path=customXml/item1.xml><?xml version="1.0" encoding="utf-8"?>
-<p:properties xmlns:p="http://schemas.microsoft.com/office/2006/metadata/properties" xmlns:xsi="http://www.w3.org/2001/XMLSchema-instance" xmlns:pc="http://schemas.microsoft.com/office/infopath/2007/PartnerControls">
-  <documentManagement/>
-</p:properties>
-</file>
-
-<file path=customXml/item2.xml><?xml version="1.0" encoding="utf-8"?>
 <?mso-contentType ?>
 <FormTemplates xmlns="http://schemas.microsoft.com/sharepoint/v3/contenttype/forms">
   <Display>DocumentLibraryForm</Display>
@@ -17354,7 +24086,7 @@
 </FormTemplates>
 </file>
 
-<file path=customXml/item3.xml><?xml version="1.0" encoding="utf-8"?>
+<file path=customXml/item2.xml><?xml version="1.0" encoding="utf-8"?>
 <ct:contentTypeSchema xmlns:ct="http://schemas.microsoft.com/office/2006/metadata/contentType" xmlns:ma="http://schemas.microsoft.com/office/2006/metadata/properties/metaAttributes" ct:_="" ma:_="" ma:contentTypeName="Document" ma:contentTypeID="0x010100A2B0BB5962AB3C45A9A1CE1EC4C4F647" ma:contentTypeVersion="3" ma:contentTypeDescription="Create a new document." ma:contentTypeScope="" ma:versionID="f0876370c90de824ab54c09b0bd2a056">
   <xsd:schema xmlns:xsd="http://www.w3.org/2001/XMLSchema" xmlns:xs="http://www.w3.org/2001/XMLSchema" xmlns:p="http://schemas.microsoft.com/office/2006/metadata/properties" xmlns:ns3="630a2e83-186a-4a0f-ab27-bee8a8096abc" targetNamespace="http://schemas.microsoft.com/office/2006/metadata/properties" ma:root="true" ma:fieldsID="a2a3b5ed8b4accd7c8a398d0cb075271" ns3:_="">
     <xsd:import namespace="630a2e83-186a-4a0f-ab27-bee8a8096abc"/>
@@ -17508,23 +24240,13 @@
 </ct:contentTypeSchema>
 </file>
 
-<file path=customXml/itemProps1.xml><?xml version="1.0" encoding="utf-8"?>
-<ds:datastoreItem xmlns:ds="http://schemas.openxmlformats.org/officeDocument/2006/customXml" ds:itemID="{F990F116-B58F-4255-B05B-DA3808E0E5C6}">
-  <ds:schemaRefs>
-    <ds:schemaRef ds:uri="http://purl.org/dc/terms/"/>
-    <ds:schemaRef ds:uri="http://schemas.openxmlformats.org/package/2006/metadata/core-properties"/>
-    <ds:schemaRef ds:uri="630a2e83-186a-4a0f-ab27-bee8a8096abc"/>
-    <ds:schemaRef ds:uri="http://schemas.microsoft.com/office/2006/documentManagement/types"/>
-    <ds:schemaRef ds:uri="http://schemas.microsoft.com/office/infopath/2007/PartnerControls"/>
-    <ds:schemaRef ds:uri="http://purl.org/dc/elements/1.1/"/>
-    <ds:schemaRef ds:uri="http://schemas.microsoft.com/office/2006/metadata/properties"/>
-    <ds:schemaRef ds:uri="http://www.w3.org/XML/1998/namespace"/>
-    <ds:schemaRef ds:uri="http://purl.org/dc/dcmitype/"/>
-  </ds:schemaRefs>
-</ds:datastoreItem>
+<file path=customXml/item3.xml><?xml version="1.0" encoding="utf-8"?>
+<p:properties xmlns:p="http://schemas.microsoft.com/office/2006/metadata/properties" xmlns:xsi="http://www.w3.org/2001/XMLSchema-instance" xmlns:pc="http://schemas.microsoft.com/office/infopath/2007/PartnerControls">
+  <documentManagement/>
+</p:properties>
 </file>
 
-<file path=customXml/itemProps2.xml><?xml version="1.0" encoding="utf-8"?>
+<file path=customXml/itemProps1.xml><?xml version="1.0" encoding="utf-8"?>
 <ds:datastoreItem xmlns:ds="http://schemas.openxmlformats.org/officeDocument/2006/customXml" ds:itemID="{758FDAC0-319D-4A54-8D8E-1D42CB1F8004}">
   <ds:schemaRefs>
     <ds:schemaRef ds:uri="http://schemas.microsoft.com/sharepoint/v3/contenttype/forms"/>
@@ -17532,7 +24254,7 @@
 </ds:datastoreItem>
 </file>
 
-<file path=customXml/itemProps3.xml><?xml version="1.0" encoding="utf-8"?>
+<file path=customXml/itemProps2.xml><?xml version="1.0" encoding="utf-8"?>
 <ds:datastoreItem xmlns:ds="http://schemas.openxmlformats.org/officeDocument/2006/customXml" ds:itemID="{F330841A-A209-44E7-824E-9DDB4DE0DC3C}">
   <ds:schemaRefs>
     <ds:schemaRef ds:uri="http://schemas.microsoft.com/office/2006/metadata/contentType"/>
@@ -17550,6 +24272,22 @@
 </ds:datastoreItem>
 </file>
 
+<file path=customXml/itemProps3.xml><?xml version="1.0" encoding="utf-8"?>
+<ds:datastoreItem xmlns:ds="http://schemas.openxmlformats.org/officeDocument/2006/customXml" ds:itemID="{F990F116-B58F-4255-B05B-DA3808E0E5C6}">
+  <ds:schemaRefs>
+    <ds:schemaRef ds:uri="http://purl.org/dc/terms/"/>
+    <ds:schemaRef ds:uri="http://schemas.openxmlformats.org/package/2006/metadata/core-properties"/>
+    <ds:schemaRef ds:uri="630a2e83-186a-4a0f-ab27-bee8a8096abc"/>
+    <ds:schemaRef ds:uri="http://schemas.microsoft.com/office/2006/documentManagement/types"/>
+    <ds:schemaRef ds:uri="http://schemas.microsoft.com/office/infopath/2007/PartnerControls"/>
+    <ds:schemaRef ds:uri="http://purl.org/dc/elements/1.1/"/>
+    <ds:schemaRef ds:uri="http://schemas.microsoft.com/office/2006/metadata/properties"/>
+    <ds:schemaRef ds:uri="http://www.w3.org/XML/1998/namespace"/>
+    <ds:schemaRef ds:uri="http://purl.org/dc/dcmitype/"/>
+  </ds:schemaRefs>
+</ds:datastoreItem>
+</file>
+
 <file path=docMetadata/LabelInfo.xml><?xml version="1.0" encoding="utf-8"?>
 <clbl:labelList xmlns:clbl="http://schemas.microsoft.com/office/2020/mipLabelMetadata">
   <clbl:label id="{f42aa342-8706-4288-bd11-ebb85995028c}" enabled="1" method="Privileged" siteId="{72f988bf-86f1-41af-91ab-2d7cd011db47}" removed="0"/>
